--- a/Robot-Mobile.pptx
+++ b/Robot-Mobile.pptx
@@ -20,6 +20,10 @@
     <p:sldId id="313" r:id="rId14"/>
     <p:sldId id="314" r:id="rId15"/>
     <p:sldId id="315" r:id="rId16"/>
+    <p:sldId id="316" r:id="rId17"/>
+    <p:sldId id="317" r:id="rId18"/>
+    <p:sldId id="318" r:id="rId19"/>
+    <p:sldId id="319" r:id="rId20"/>
   </p:sldIdLst>
   <p:sldSz cx="9144000" cy="6858000" type="screen4x3"/>
   <p:notesSz cx="6858000" cy="9144000"/>
@@ -120,7 +124,7 @@
   </p:defaultTextStyle>
   <p:extLst>
     <p:ext uri="{EFAFB233-063F-42B5-8137-9DF3F51BA10A}">
-      <p15:sldGuideLst xmlns:p15="http://schemas.microsoft.com/office/powerpoint/2012/main" xmlns="">
+      <p15:sldGuideLst xmlns:p15="http://schemas.microsoft.com/office/powerpoint/2012/main">
         <p15:guide id="1" orient="horz" pos="2160">
           <p15:clr>
             <a:srgbClr val="A4A3A4"/>
@@ -316,7 +320,7 @@
           <a:p>
             <a:fld id="{F5F0C085-258C-4E6F-9065-AD4DDDC025DA}" type="datetimeFigureOut">
               <a:rPr lang="en-US" smtClean="0"/>
-              <a:t>25/08/2018</a:t>
+              <a:t>8/27/2018</a:t>
             </a:fld>
             <a:endParaRPr lang="en-US"/>
           </a:p>
@@ -484,7 +488,7 @@
           <a:p>
             <a:fld id="{F5F0C085-258C-4E6F-9065-AD4DDDC025DA}" type="datetimeFigureOut">
               <a:rPr lang="en-US" smtClean="0"/>
-              <a:t>25/08/2018</a:t>
+              <a:t>8/27/2018</a:t>
             </a:fld>
             <a:endParaRPr lang="en-US"/>
           </a:p>
@@ -662,7 +666,7 @@
           <a:p>
             <a:fld id="{F5F0C085-258C-4E6F-9065-AD4DDDC025DA}" type="datetimeFigureOut">
               <a:rPr lang="en-US" smtClean="0"/>
-              <a:t>25/08/2018</a:t>
+              <a:t>8/27/2018</a:t>
             </a:fld>
             <a:endParaRPr lang="en-US"/>
           </a:p>
@@ -830,7 +834,7 @@
           <a:p>
             <a:fld id="{F5F0C085-258C-4E6F-9065-AD4DDDC025DA}" type="datetimeFigureOut">
               <a:rPr lang="en-US" smtClean="0"/>
-              <a:t>25/08/2018</a:t>
+              <a:t>8/27/2018</a:t>
             </a:fld>
             <a:endParaRPr lang="en-US"/>
           </a:p>
@@ -1075,7 +1079,7 @@
           <a:p>
             <a:fld id="{F5F0C085-258C-4E6F-9065-AD4DDDC025DA}" type="datetimeFigureOut">
               <a:rPr lang="en-US" smtClean="0"/>
-              <a:t>25/08/2018</a:t>
+              <a:t>8/27/2018</a:t>
             </a:fld>
             <a:endParaRPr lang="en-US"/>
           </a:p>
@@ -1360,7 +1364,7 @@
           <a:p>
             <a:fld id="{F5F0C085-258C-4E6F-9065-AD4DDDC025DA}" type="datetimeFigureOut">
               <a:rPr lang="en-US" smtClean="0"/>
-              <a:t>25/08/2018</a:t>
+              <a:t>8/27/2018</a:t>
             </a:fld>
             <a:endParaRPr lang="en-US"/>
           </a:p>
@@ -1779,7 +1783,7 @@
           <a:p>
             <a:fld id="{F5F0C085-258C-4E6F-9065-AD4DDDC025DA}" type="datetimeFigureOut">
               <a:rPr lang="en-US" smtClean="0"/>
-              <a:t>25/08/2018</a:t>
+              <a:t>8/27/2018</a:t>
             </a:fld>
             <a:endParaRPr lang="en-US"/>
           </a:p>
@@ -1896,7 +1900,7 @@
           <a:p>
             <a:fld id="{F5F0C085-258C-4E6F-9065-AD4DDDC025DA}" type="datetimeFigureOut">
               <a:rPr lang="en-US" smtClean="0"/>
-              <a:t>25/08/2018</a:t>
+              <a:t>8/27/2018</a:t>
             </a:fld>
             <a:endParaRPr lang="en-US"/>
           </a:p>
@@ -1991,7 +1995,7 @@
           <a:p>
             <a:fld id="{F5F0C085-258C-4E6F-9065-AD4DDDC025DA}" type="datetimeFigureOut">
               <a:rPr lang="en-US" smtClean="0"/>
-              <a:t>25/08/2018</a:t>
+              <a:t>8/27/2018</a:t>
             </a:fld>
             <a:endParaRPr lang="en-US"/>
           </a:p>
@@ -2266,7 +2270,7 @@
           <a:p>
             <a:fld id="{F5F0C085-258C-4E6F-9065-AD4DDDC025DA}" type="datetimeFigureOut">
               <a:rPr lang="en-US" smtClean="0"/>
-              <a:t>25/08/2018</a:t>
+              <a:t>8/27/2018</a:t>
             </a:fld>
             <a:endParaRPr lang="en-US"/>
           </a:p>
@@ -2518,7 +2522,7 @@
           <a:p>
             <a:fld id="{F5F0C085-258C-4E6F-9065-AD4DDDC025DA}" type="datetimeFigureOut">
               <a:rPr lang="en-US" smtClean="0"/>
-              <a:t>25/08/2018</a:t>
+              <a:t>8/27/2018</a:t>
             </a:fld>
             <a:endParaRPr lang="en-US"/>
           </a:p>
@@ -2729,7 +2733,7 @@
           <a:p>
             <a:fld id="{F5F0C085-258C-4E6F-9065-AD4DDDC025DA}" type="datetimeFigureOut">
               <a:rPr lang="en-US" smtClean="0"/>
-              <a:t>25/08/2018</a:t>
+              <a:t>8/27/2018</a:t>
             </a:fld>
             <a:endParaRPr lang="en-US"/>
           </a:p>
@@ -3117,7 +3121,7 @@
           <p:cNvPr id="2" name="Title 1">
             <a:extLst>
               <a:ext uri="{FF2B5EF4-FFF2-40B4-BE49-F238E27FC236}">
-                <a16:creationId xmlns:a16="http://schemas.microsoft.com/office/drawing/2014/main" xmlns="" id="{0266D3F6-82D5-437B-AC00-2DDC88D276F7}"/>
+                <a16:creationId xmlns:a16="http://schemas.microsoft.com/office/drawing/2014/main" id="{0266D3F6-82D5-437B-AC00-2DDC88D276F7}"/>
               </a:ext>
             </a:extLst>
           </p:cNvPr>
@@ -3159,13 +3163,6 @@
   <p:clrMapOvr>
     <a:masterClrMapping/>
   </p:clrMapOvr>
-  <p:timing>
-    <p:tnLst>
-      <p:par>
-        <p:cTn id="1" dur="indefinite" restart="never" nodeType="tmRoot"/>
-      </p:par>
-    </p:tnLst>
-  </p:timing>
 </p:sld>
 </file>
 
@@ -3303,7 +3300,7 @@
           <p:cNvPr id="5" name="Picture 4">
             <a:extLst>
               <a:ext uri="{FF2B5EF4-FFF2-40B4-BE49-F238E27FC236}">
-                <a16:creationId xmlns:a16="http://schemas.microsoft.com/office/drawing/2014/main" xmlns="" id="{A38B38B8-2F36-4293-88D9-3F5FC9648DC2}"/>
+                <a16:creationId xmlns:a16="http://schemas.microsoft.com/office/drawing/2014/main" id="{A38B38B8-2F36-4293-88D9-3F5FC9648DC2}"/>
               </a:ext>
             </a:extLst>
           </p:cNvPr>
@@ -3339,7 +3336,7 @@
           <p:cNvPr id="6" name="Picture 5">
             <a:extLst>
               <a:ext uri="{FF2B5EF4-FFF2-40B4-BE49-F238E27FC236}">
-                <a16:creationId xmlns:a16="http://schemas.microsoft.com/office/drawing/2014/main" xmlns="" id="{5AAB1CE1-5824-4F88-9357-B13FD374AFE6}"/>
+                <a16:creationId xmlns:a16="http://schemas.microsoft.com/office/drawing/2014/main" id="{5AAB1CE1-5824-4F88-9357-B13FD374AFE6}"/>
               </a:ext>
             </a:extLst>
           </p:cNvPr>
@@ -3375,7 +3372,7 @@
           <p:cNvPr id="10" name="Picture 9">
             <a:extLst>
               <a:ext uri="{FF2B5EF4-FFF2-40B4-BE49-F238E27FC236}">
-                <a16:creationId xmlns:a16="http://schemas.microsoft.com/office/drawing/2014/main" xmlns="" id="{25D1B5FD-E0AD-4A26-B5A8-A862E857F9A4}"/>
+                <a16:creationId xmlns:a16="http://schemas.microsoft.com/office/drawing/2014/main" id="{25D1B5FD-E0AD-4A26-B5A8-A862E857F9A4}"/>
               </a:ext>
             </a:extLst>
           </p:cNvPr>
@@ -3411,7 +3408,7 @@
           <p:cNvPr id="12" name="Picture 11">
             <a:extLst>
               <a:ext uri="{FF2B5EF4-FFF2-40B4-BE49-F238E27FC236}">
-                <a16:creationId xmlns:a16="http://schemas.microsoft.com/office/drawing/2014/main" xmlns="" id="{D930F063-0DA2-4988-9599-4B97544A766F}"/>
+                <a16:creationId xmlns:a16="http://schemas.microsoft.com/office/drawing/2014/main" id="{D930F063-0DA2-4988-9599-4B97544A766F}"/>
               </a:ext>
             </a:extLst>
           </p:cNvPr>
@@ -3447,7 +3444,7 @@
           <p:cNvPr id="13" name="Arrow: Curved Down 12">
             <a:extLst>
               <a:ext uri="{FF2B5EF4-FFF2-40B4-BE49-F238E27FC236}">
-                <a16:creationId xmlns:a16="http://schemas.microsoft.com/office/drawing/2014/main" xmlns="" id="{0476FFDE-8C67-4A66-BEDF-5D025DAD5477}"/>
+                <a16:creationId xmlns:a16="http://schemas.microsoft.com/office/drawing/2014/main" id="{0476FFDE-8C67-4A66-BEDF-5D025DAD5477}"/>
               </a:ext>
             </a:extLst>
           </p:cNvPr>
@@ -3500,7 +3497,7 @@
           <p:cNvPr id="14" name="Arrow: Curved Down 13">
             <a:extLst>
               <a:ext uri="{FF2B5EF4-FFF2-40B4-BE49-F238E27FC236}">
-                <a16:creationId xmlns:a16="http://schemas.microsoft.com/office/drawing/2014/main" xmlns="" id="{81C21EA8-58BF-45C7-8326-717AD6ACDB49}"/>
+                <a16:creationId xmlns:a16="http://schemas.microsoft.com/office/drawing/2014/main" id="{81C21EA8-58BF-45C7-8326-717AD6ACDB49}"/>
               </a:ext>
             </a:extLst>
           </p:cNvPr>
@@ -3553,7 +3550,7 @@
           <p:cNvPr id="15" name="Arrow: Curved Down 14">
             <a:extLst>
               <a:ext uri="{FF2B5EF4-FFF2-40B4-BE49-F238E27FC236}">
-                <a16:creationId xmlns:a16="http://schemas.microsoft.com/office/drawing/2014/main" xmlns="" id="{D50FA253-097B-410C-B357-C4B1A070EEEB}"/>
+                <a16:creationId xmlns:a16="http://schemas.microsoft.com/office/drawing/2014/main" id="{D50FA253-097B-410C-B357-C4B1A070EEEB}"/>
               </a:ext>
             </a:extLst>
           </p:cNvPr>
@@ -3606,7 +3603,7 @@
           <p:cNvPr id="16" name="Arrow: Curved Down 15">
             <a:extLst>
               <a:ext uri="{FF2B5EF4-FFF2-40B4-BE49-F238E27FC236}">
-                <a16:creationId xmlns:a16="http://schemas.microsoft.com/office/drawing/2014/main" xmlns="" id="{5D5B6792-A694-429D-9CE3-0EB70FA2CFB1}"/>
+                <a16:creationId xmlns:a16="http://schemas.microsoft.com/office/drawing/2014/main" id="{5D5B6792-A694-429D-9CE3-0EB70FA2CFB1}"/>
               </a:ext>
             </a:extLst>
           </p:cNvPr>
@@ -3659,7 +3656,7 @@
           <p:cNvPr id="17" name="TextBox 16">
             <a:extLst>
               <a:ext uri="{FF2B5EF4-FFF2-40B4-BE49-F238E27FC236}">
-                <a16:creationId xmlns:a16="http://schemas.microsoft.com/office/drawing/2014/main" xmlns="" id="{9A3141F0-D871-4075-B80D-A9B7D111C010}"/>
+                <a16:creationId xmlns:a16="http://schemas.microsoft.com/office/drawing/2014/main" id="{9A3141F0-D871-4075-B80D-A9B7D111C010}"/>
               </a:ext>
             </a:extLst>
           </p:cNvPr>
@@ -3707,7 +3704,7 @@
           <p:cNvPr id="18" name="TextBox 17">
             <a:extLst>
               <a:ext uri="{FF2B5EF4-FFF2-40B4-BE49-F238E27FC236}">
-                <a16:creationId xmlns:a16="http://schemas.microsoft.com/office/drawing/2014/main" xmlns="" id="{6A2745A3-AFD8-445D-B314-C1E8837A3650}"/>
+                <a16:creationId xmlns:a16="http://schemas.microsoft.com/office/drawing/2014/main" id="{6A2745A3-AFD8-445D-B314-C1E8837A3650}"/>
               </a:ext>
             </a:extLst>
           </p:cNvPr>
@@ -3745,7 +3742,7 @@
           <p:cNvPr id="19" name="TextBox 18">
             <a:extLst>
               <a:ext uri="{FF2B5EF4-FFF2-40B4-BE49-F238E27FC236}">
-                <a16:creationId xmlns:a16="http://schemas.microsoft.com/office/drawing/2014/main" xmlns="" id="{F7E808B9-0987-4005-B506-7560BBB4367C}"/>
+                <a16:creationId xmlns:a16="http://schemas.microsoft.com/office/drawing/2014/main" id="{F7E808B9-0987-4005-B506-7560BBB4367C}"/>
               </a:ext>
             </a:extLst>
           </p:cNvPr>
@@ -3788,13 +3785,6 @@
   <p:clrMapOvr>
     <a:masterClrMapping/>
   </p:clrMapOvr>
-  <p:timing>
-    <p:tnLst>
-      <p:par>
-        <p:cTn id="1" dur="indefinite" restart="never" nodeType="tmRoot"/>
-      </p:par>
-    </p:tnLst>
-  </p:timing>
 </p:sld>
 </file>
 
@@ -3911,7 +3901,7 @@
           <p:cNvPr id="9" name="Picture 8">
             <a:extLst>
               <a:ext uri="{FF2B5EF4-FFF2-40B4-BE49-F238E27FC236}">
-                <a16:creationId xmlns:a16="http://schemas.microsoft.com/office/drawing/2014/main" xmlns="" id="{BB384A56-A231-4867-AFB0-C5136DCA66BD}"/>
+                <a16:creationId xmlns:a16="http://schemas.microsoft.com/office/drawing/2014/main" id="{BB384A56-A231-4867-AFB0-C5136DCA66BD}"/>
               </a:ext>
             </a:extLst>
           </p:cNvPr>
@@ -3947,7 +3937,7 @@
           <p:cNvPr id="11" name="TextBox 10">
             <a:extLst>
               <a:ext uri="{FF2B5EF4-FFF2-40B4-BE49-F238E27FC236}">
-                <a16:creationId xmlns:a16="http://schemas.microsoft.com/office/drawing/2014/main" xmlns="" id="{73B036B6-1162-43B4-BCA8-74E7AF649F4F}"/>
+                <a16:creationId xmlns:a16="http://schemas.microsoft.com/office/drawing/2014/main" id="{73B036B6-1162-43B4-BCA8-74E7AF649F4F}"/>
               </a:ext>
             </a:extLst>
           </p:cNvPr>
@@ -3996,7 +3986,7 @@
           <p:cNvPr id="23" name="Speech Bubble: Rectangle 22">
             <a:extLst>
               <a:ext uri="{FF2B5EF4-FFF2-40B4-BE49-F238E27FC236}">
-                <a16:creationId xmlns:a16="http://schemas.microsoft.com/office/drawing/2014/main" xmlns="" id="{D60DD597-C17D-46EE-A46C-B0CDFEED98B9}"/>
+                <a16:creationId xmlns:a16="http://schemas.microsoft.com/office/drawing/2014/main" id="{D60DD597-C17D-46EE-A46C-B0CDFEED98B9}"/>
               </a:ext>
             </a:extLst>
           </p:cNvPr>
@@ -4051,7 +4041,7 @@
           <p:cNvPr id="26" name="TextBox 25">
             <a:extLst>
               <a:ext uri="{FF2B5EF4-FFF2-40B4-BE49-F238E27FC236}">
-                <a16:creationId xmlns:a16="http://schemas.microsoft.com/office/drawing/2014/main" xmlns="" id="{A1F76118-A4B2-4346-A382-C4657B9012C4}"/>
+                <a16:creationId xmlns:a16="http://schemas.microsoft.com/office/drawing/2014/main" id="{A1F76118-A4B2-4346-A382-C4657B9012C4}"/>
               </a:ext>
             </a:extLst>
           </p:cNvPr>
@@ -4100,7 +4090,7 @@
           <p:cNvPr id="27" name="Speech Bubble: Rectangle 26">
             <a:extLst>
               <a:ext uri="{FF2B5EF4-FFF2-40B4-BE49-F238E27FC236}">
-                <a16:creationId xmlns:a16="http://schemas.microsoft.com/office/drawing/2014/main" xmlns="" id="{3059A663-F515-447A-A02D-1A916683F128}"/>
+                <a16:creationId xmlns:a16="http://schemas.microsoft.com/office/drawing/2014/main" id="{3059A663-F515-447A-A02D-1A916683F128}"/>
               </a:ext>
             </a:extLst>
           </p:cNvPr>
@@ -4155,7 +4145,7 @@
           <p:cNvPr id="28" name="TextBox 27">
             <a:extLst>
               <a:ext uri="{FF2B5EF4-FFF2-40B4-BE49-F238E27FC236}">
-                <a16:creationId xmlns:a16="http://schemas.microsoft.com/office/drawing/2014/main" xmlns="" id="{57A4E4C5-0B06-4A2B-8B55-35FFFED4220E}"/>
+                <a16:creationId xmlns:a16="http://schemas.microsoft.com/office/drawing/2014/main" id="{57A4E4C5-0B06-4A2B-8B55-35FFFED4220E}"/>
               </a:ext>
             </a:extLst>
           </p:cNvPr>
@@ -4208,7 +4198,7 @@
           <p:cNvPr id="29" name="Speech Bubble: Rectangle 28">
             <a:extLst>
               <a:ext uri="{FF2B5EF4-FFF2-40B4-BE49-F238E27FC236}">
-                <a16:creationId xmlns:a16="http://schemas.microsoft.com/office/drawing/2014/main" xmlns="" id="{9DC1B31D-7CD6-4D9F-B693-259B7B7C0958}"/>
+                <a16:creationId xmlns:a16="http://schemas.microsoft.com/office/drawing/2014/main" id="{9DC1B31D-7CD6-4D9F-B693-259B7B7C0958}"/>
               </a:ext>
             </a:extLst>
           </p:cNvPr>
@@ -4268,13 +4258,6 @@
   <p:clrMapOvr>
     <a:masterClrMapping/>
   </p:clrMapOvr>
-  <p:timing>
-    <p:tnLst>
-      <p:par>
-        <p:cTn id="1" dur="indefinite" restart="never" nodeType="tmRoot"/>
-      </p:par>
-    </p:tnLst>
-  </p:timing>
 </p:sld>
 </file>
 
@@ -4308,7 +4291,7 @@
           <p:cNvPr id="2" name="Title 1">
             <a:extLst>
               <a:ext uri="{FF2B5EF4-FFF2-40B4-BE49-F238E27FC236}">
-                <a16:creationId xmlns:a16="http://schemas.microsoft.com/office/drawing/2014/main" xmlns="" id="{0266D3F6-82D5-437B-AC00-2DDC88D276F7}"/>
+                <a16:creationId xmlns:a16="http://schemas.microsoft.com/office/drawing/2014/main" id="{0266D3F6-82D5-437B-AC00-2DDC88D276F7}"/>
               </a:ext>
             </a:extLst>
           </p:cNvPr>
@@ -4350,13 +4333,6 @@
   <p:clrMapOvr>
     <a:masterClrMapping/>
   </p:clrMapOvr>
-  <p:timing>
-    <p:tnLst>
-      <p:par>
-        <p:cTn id="1" dur="indefinite" restart="never" nodeType="tmRoot"/>
-      </p:par>
-    </p:tnLst>
-  </p:timing>
 </p:sld>
 </file>
 
@@ -4567,13 +4543,6 @@
   <p:clrMapOvr>
     <a:masterClrMapping/>
   </p:clrMapOvr>
-  <p:timing>
-    <p:tnLst>
-      <p:par>
-        <p:cTn id="1" dur="indefinite" restart="never" nodeType="tmRoot"/>
-      </p:par>
-    </p:tnLst>
-  </p:timing>
 </p:sld>
 </file>
 
@@ -4778,7 +4747,10 @@
               <a:t>Use </a:t>
             </a:r>
             <a:r>
-              <a:rPr lang="en-US" sz="1600" dirty="0" err="1">
+              <a:rPr lang="en-US" sz="1600" b="1" dirty="0" err="1">
+                <a:solidFill>
+                  <a:schemeClr val="accent1"/>
+                </a:solidFill>
                 <a:latin typeface="Arial" pitchFamily="34" charset="0"/>
                 <a:cs typeface="Arial" pitchFamily="34" charset="0"/>
               </a:rPr>
@@ -4789,21 +4761,7 @@
                 <a:latin typeface="Arial" pitchFamily="34" charset="0"/>
                 <a:cs typeface="Arial" pitchFamily="34" charset="0"/>
               </a:rPr>
-              <a:t> </a:t>
-            </a:r>
-            <a:r>
-              <a:rPr lang="en-US" sz="1600">
-                <a:latin typeface="Arial" pitchFamily="34" charset="0"/>
-                <a:cs typeface="Arial" pitchFamily="34" charset="0"/>
-              </a:rPr>
-              <a:t>to help locate </a:t>
-            </a:r>
-            <a:r>
-              <a:rPr lang="en-US" sz="1600" dirty="0">
-                <a:latin typeface="Arial" pitchFamily="34" charset="0"/>
-                <a:cs typeface="Arial" pitchFamily="34" charset="0"/>
-              </a:rPr>
-              <a:t>element</a:t>
+              <a:t> to help locate element</a:t>
             </a:r>
           </a:p>
         </p:txBody>
@@ -4813,7 +4771,7 @@
           <p:cNvPr id="7" name="Picture 6">
             <a:extLst>
               <a:ext uri="{FF2B5EF4-FFF2-40B4-BE49-F238E27FC236}">
-                <a16:creationId xmlns:a16="http://schemas.microsoft.com/office/drawing/2014/main" xmlns="" id="{1C1897B6-E82F-4C6B-9D17-9FC34E040CAA}"/>
+                <a16:creationId xmlns:a16="http://schemas.microsoft.com/office/drawing/2014/main" id="{1C1897B6-E82F-4C6B-9D17-9FC34E040CAA}"/>
               </a:ext>
             </a:extLst>
           </p:cNvPr>
@@ -4854,13 +4812,6 @@
   <p:clrMapOvr>
     <a:masterClrMapping/>
   </p:clrMapOvr>
-  <p:timing>
-    <p:tnLst>
-      <p:par>
-        <p:cTn id="1" dur="indefinite" restart="never" nodeType="tmRoot"/>
-      </p:par>
-    </p:tnLst>
-  </p:timing>
 </p:sld>
 </file>
 
@@ -5139,7 +5090,7 @@
           <p:cNvPr id="5" name="Picture 4">
             <a:extLst>
               <a:ext uri="{FF2B5EF4-FFF2-40B4-BE49-F238E27FC236}">
-                <a16:creationId xmlns:a16="http://schemas.microsoft.com/office/drawing/2014/main" xmlns="" id="{04B827E4-A72F-4EE5-B0A1-A86AA5BE0159}"/>
+                <a16:creationId xmlns:a16="http://schemas.microsoft.com/office/drawing/2014/main" id="{04B827E4-A72F-4EE5-B0A1-A86AA5BE0159}"/>
               </a:ext>
             </a:extLst>
           </p:cNvPr>
@@ -5175,7 +5126,7 @@
           <p:cNvPr id="10" name="Picture 9">
             <a:extLst>
               <a:ext uri="{FF2B5EF4-FFF2-40B4-BE49-F238E27FC236}">
-                <a16:creationId xmlns:a16="http://schemas.microsoft.com/office/drawing/2014/main" xmlns="" id="{2D347FCF-7067-4F71-8471-4A0D8685CB1F}"/>
+                <a16:creationId xmlns:a16="http://schemas.microsoft.com/office/drawing/2014/main" id="{2D347FCF-7067-4F71-8471-4A0D8685CB1F}"/>
               </a:ext>
             </a:extLst>
           </p:cNvPr>
@@ -5211,7 +5162,7 @@
           <p:cNvPr id="12" name="Picture 11">
             <a:extLst>
               <a:ext uri="{FF2B5EF4-FFF2-40B4-BE49-F238E27FC236}">
-                <a16:creationId xmlns:a16="http://schemas.microsoft.com/office/drawing/2014/main" xmlns="" id="{E3415B23-5E22-4784-BF26-A311744F89FF}"/>
+                <a16:creationId xmlns:a16="http://schemas.microsoft.com/office/drawing/2014/main" id="{E3415B23-5E22-4784-BF26-A311744F89FF}"/>
               </a:ext>
             </a:extLst>
           </p:cNvPr>
@@ -5247,7 +5198,7 @@
           <p:cNvPr id="14" name="Picture 13">
             <a:extLst>
               <a:ext uri="{FF2B5EF4-FFF2-40B4-BE49-F238E27FC236}">
-                <a16:creationId xmlns:a16="http://schemas.microsoft.com/office/drawing/2014/main" xmlns="" id="{3973DD4E-0906-42FD-8968-F53F9E886087}"/>
+                <a16:creationId xmlns:a16="http://schemas.microsoft.com/office/drawing/2014/main" id="{3973DD4E-0906-42FD-8968-F53F9E886087}"/>
               </a:ext>
             </a:extLst>
           </p:cNvPr>
@@ -5283,7 +5234,7 @@
           <p:cNvPr id="15" name="TextBox 14">
             <a:extLst>
               <a:ext uri="{FF2B5EF4-FFF2-40B4-BE49-F238E27FC236}">
-                <a16:creationId xmlns:a16="http://schemas.microsoft.com/office/drawing/2014/main" xmlns="" id="{1129F262-611B-41BB-91D9-B83AA8C9C9C8}"/>
+                <a16:creationId xmlns:a16="http://schemas.microsoft.com/office/drawing/2014/main" id="{1129F262-611B-41BB-91D9-B83AA8C9C9C8}"/>
               </a:ext>
             </a:extLst>
           </p:cNvPr>
@@ -5326,7 +5277,7 @@
           <p:cNvPr id="16" name="Speech Bubble: Rectangle 15">
             <a:extLst>
               <a:ext uri="{FF2B5EF4-FFF2-40B4-BE49-F238E27FC236}">
-                <a16:creationId xmlns:a16="http://schemas.microsoft.com/office/drawing/2014/main" xmlns="" id="{35848570-A817-412A-BD37-76FD81D18326}"/>
+                <a16:creationId xmlns:a16="http://schemas.microsoft.com/office/drawing/2014/main" id="{35848570-A817-412A-BD37-76FD81D18326}"/>
               </a:ext>
             </a:extLst>
           </p:cNvPr>
@@ -5381,7 +5332,7 @@
           <p:cNvPr id="17" name="TextBox 16">
             <a:extLst>
               <a:ext uri="{FF2B5EF4-FFF2-40B4-BE49-F238E27FC236}">
-                <a16:creationId xmlns:a16="http://schemas.microsoft.com/office/drawing/2014/main" xmlns="" id="{13D820EC-9042-434E-96F3-A4D6CFB203FF}"/>
+                <a16:creationId xmlns:a16="http://schemas.microsoft.com/office/drawing/2014/main" id="{13D820EC-9042-434E-96F3-A4D6CFB203FF}"/>
               </a:ext>
             </a:extLst>
           </p:cNvPr>
@@ -5424,7 +5375,7 @@
           <p:cNvPr id="18" name="Speech Bubble: Rectangle 17">
             <a:extLst>
               <a:ext uri="{FF2B5EF4-FFF2-40B4-BE49-F238E27FC236}">
-                <a16:creationId xmlns:a16="http://schemas.microsoft.com/office/drawing/2014/main" xmlns="" id="{1CFA6ADF-FED8-4B34-9D12-F23240FB9413}"/>
+                <a16:creationId xmlns:a16="http://schemas.microsoft.com/office/drawing/2014/main" id="{1CFA6ADF-FED8-4B34-9D12-F23240FB9413}"/>
               </a:ext>
             </a:extLst>
           </p:cNvPr>
@@ -5484,13 +5435,874 @@
   <p:clrMapOvr>
     <a:masterClrMapping/>
   </p:clrMapOvr>
-  <p:timing>
-    <p:tnLst>
-      <p:par>
-        <p:cTn id="1" dur="indefinite" restart="never" nodeType="tmRoot"/>
-      </p:par>
-    </p:tnLst>
-  </p:timing>
+</p:sld>
+</file>
+
+<file path=ppt/slides/slide16.xml><?xml version="1.0" encoding="utf-8"?>
+<p:sld xmlns:a="http://schemas.openxmlformats.org/drawingml/2006/main" xmlns:r="http://schemas.openxmlformats.org/officeDocument/2006/relationships" xmlns:p="http://schemas.openxmlformats.org/presentationml/2006/main">
+  <p:cSld>
+    <p:bg>
+      <p:bgPr>
+        <a:solidFill>
+          <a:schemeClr val="tx1"/>
+        </a:solidFill>
+        <a:effectLst/>
+      </p:bgPr>
+    </p:bg>
+    <p:spTree>
+      <p:nvGrpSpPr>
+        <p:cNvPr id="1" name=""/>
+        <p:cNvGrpSpPr/>
+        <p:nvPr/>
+      </p:nvGrpSpPr>
+      <p:grpSpPr>
+        <a:xfrm>
+          <a:off x="0" y="0"/>
+          <a:ext cx="0" cy="0"/>
+          <a:chOff x="0" y="0"/>
+          <a:chExt cx="0" cy="0"/>
+        </a:xfrm>
+      </p:grpSpPr>
+      <p:sp>
+        <p:nvSpPr>
+          <p:cNvPr id="2" name="Title 1">
+            <a:extLst>
+              <a:ext uri="{FF2B5EF4-FFF2-40B4-BE49-F238E27FC236}">
+                <a16:creationId xmlns:a16="http://schemas.microsoft.com/office/drawing/2014/main" id="{0266D3F6-82D5-437B-AC00-2DDC88D276F7}"/>
+              </a:ext>
+            </a:extLst>
+          </p:cNvPr>
+          <p:cNvSpPr>
+            <a:spLocks noGrp="1"/>
+          </p:cNvSpPr>
+          <p:nvPr>
+            <p:ph type="title"/>
+          </p:nvPr>
+        </p:nvSpPr>
+        <p:spPr>
+          <a:xfrm>
+            <a:off x="457200" y="2743200"/>
+            <a:ext cx="8229600" cy="1143000"/>
+          </a:xfrm>
+        </p:spPr>
+        <p:txBody>
+          <a:bodyPr/>
+          <a:lstStyle/>
+          <a:p>
+            <a:r>
+              <a:rPr lang="en-US" dirty="0">
+                <a:solidFill>
+                  <a:schemeClr val="bg1"/>
+                </a:solidFill>
+              </a:rPr>
+              <a:t>Automated iOS  App</a:t>
+            </a:r>
+          </a:p>
+        </p:txBody>
+      </p:sp>
+    </p:spTree>
+    <p:extLst>
+      <p:ext uri="{BB962C8B-B14F-4D97-AF65-F5344CB8AC3E}">
+        <p14:creationId xmlns:p14="http://schemas.microsoft.com/office/powerpoint/2010/main" val="1914125250"/>
+      </p:ext>
+    </p:extLst>
+  </p:cSld>
+  <p:clrMapOvr>
+    <a:masterClrMapping/>
+  </p:clrMapOvr>
+</p:sld>
+</file>
+
+<file path=ppt/slides/slide17.xml><?xml version="1.0" encoding="utf-8"?>
+<p:sld xmlns:a="http://schemas.openxmlformats.org/drawingml/2006/main" xmlns:r="http://schemas.openxmlformats.org/officeDocument/2006/relationships" xmlns:p="http://schemas.openxmlformats.org/presentationml/2006/main">
+  <p:cSld>
+    <p:spTree>
+      <p:nvGrpSpPr>
+        <p:cNvPr id="1" name=""/>
+        <p:cNvGrpSpPr/>
+        <p:nvPr/>
+      </p:nvGrpSpPr>
+      <p:grpSpPr>
+        <a:xfrm>
+          <a:off x="0" y="0"/>
+          <a:ext cx="0" cy="0"/>
+          <a:chOff x="0" y="0"/>
+          <a:chExt cx="0" cy="0"/>
+        </a:xfrm>
+      </p:grpSpPr>
+      <p:sp>
+        <p:nvSpPr>
+          <p:cNvPr id="2" name="Title 1"/>
+          <p:cNvSpPr>
+            <a:spLocks noGrp="1"/>
+          </p:cNvSpPr>
+          <p:nvPr>
+            <p:ph type="title"/>
+          </p:nvPr>
+        </p:nvSpPr>
+        <p:spPr>
+          <a:xfrm>
+            <a:off x="457200" y="274638"/>
+            <a:ext cx="8686800" cy="1143000"/>
+          </a:xfrm>
+        </p:spPr>
+        <p:txBody>
+          <a:bodyPr>
+            <a:normAutofit/>
+          </a:bodyPr>
+          <a:lstStyle/>
+          <a:p>
+            <a:pPr algn="l"/>
+            <a:r>
+              <a:rPr lang="en-US" sz="3000" b="1" dirty="0">
+                <a:latin typeface="Arial" pitchFamily="34" charset="0"/>
+                <a:cs typeface="Arial" pitchFamily="34" charset="0"/>
+              </a:rPr>
+              <a:t>Environment Installation</a:t>
+            </a:r>
+          </a:p>
+        </p:txBody>
+      </p:sp>
+      <p:sp>
+        <p:nvSpPr>
+          <p:cNvPr id="3" name="Content Placeholder 2"/>
+          <p:cNvSpPr>
+            <a:spLocks noGrp="1"/>
+          </p:cNvSpPr>
+          <p:nvPr>
+            <p:ph idx="1"/>
+          </p:nvPr>
+        </p:nvSpPr>
+        <p:spPr>
+          <a:xfrm>
+            <a:off x="457200" y="1371600"/>
+            <a:ext cx="8229600" cy="4525963"/>
+          </a:xfrm>
+        </p:spPr>
+        <p:txBody>
+          <a:bodyPr>
+            <a:normAutofit fontScale="85000" lnSpcReduction="20000"/>
+          </a:bodyPr>
+          <a:lstStyle/>
+          <a:p>
+            <a:pPr>
+              <a:lnSpc>
+                <a:spcPct val="150000"/>
+              </a:lnSpc>
+            </a:pPr>
+            <a:r>
+              <a:rPr lang="en-US" sz="2400" dirty="0">
+                <a:latin typeface="Arial" pitchFamily="34" charset="0"/>
+                <a:cs typeface="Arial" pitchFamily="34" charset="0"/>
+              </a:rPr>
+              <a:t>System requirement</a:t>
+            </a:r>
+          </a:p>
+          <a:p>
+            <a:pPr lvl="1">
+              <a:lnSpc>
+                <a:spcPct val="150000"/>
+              </a:lnSpc>
+            </a:pPr>
+            <a:r>
+              <a:rPr lang="en-US" sz="2000" dirty="0">
+                <a:latin typeface="Arial" pitchFamily="34" charset="0"/>
+                <a:cs typeface="Arial" pitchFamily="34" charset="0"/>
+              </a:rPr>
+              <a:t>Install Appium</a:t>
+            </a:r>
+          </a:p>
+          <a:p>
+            <a:pPr lvl="2">
+              <a:lnSpc>
+                <a:spcPct val="150000"/>
+              </a:lnSpc>
+            </a:pPr>
+            <a:r>
+              <a:rPr lang="en-US" sz="1600" dirty="0">
+                <a:latin typeface="Arial" pitchFamily="34" charset="0"/>
+                <a:cs typeface="Arial" pitchFamily="34" charset="0"/>
+              </a:rPr>
+              <a:t>http://appium.io/docs/en/about-appium/getting-started/</a:t>
+            </a:r>
+          </a:p>
+          <a:p>
+            <a:pPr lvl="1">
+              <a:lnSpc>
+                <a:spcPct val="150000"/>
+              </a:lnSpc>
+            </a:pPr>
+            <a:r>
+              <a:rPr lang="en-US" sz="2000" dirty="0">
+                <a:latin typeface="Arial" pitchFamily="34" charset="0"/>
+                <a:cs typeface="Arial" pitchFamily="34" charset="0"/>
+              </a:rPr>
+              <a:t>Install </a:t>
+            </a:r>
+            <a:r>
+              <a:rPr lang="en-US" sz="2000" dirty="0" err="1">
+                <a:latin typeface="Arial" pitchFamily="34" charset="0"/>
+                <a:cs typeface="Arial" pitchFamily="34" charset="0"/>
+              </a:rPr>
+              <a:t>Xcode</a:t>
+            </a:r>
+            <a:endParaRPr lang="en-US" sz="1600" dirty="0">
+              <a:latin typeface="Arial" pitchFamily="34" charset="0"/>
+              <a:cs typeface="Arial" pitchFamily="34" charset="0"/>
+            </a:endParaRPr>
+          </a:p>
+          <a:p>
+            <a:pPr>
+              <a:lnSpc>
+                <a:spcPct val="150000"/>
+              </a:lnSpc>
+            </a:pPr>
+            <a:r>
+              <a:rPr lang="en-US" sz="2400" dirty="0">
+                <a:latin typeface="Arial" pitchFamily="34" charset="0"/>
+                <a:cs typeface="Arial" pitchFamily="34" charset="0"/>
+              </a:rPr>
+              <a:t>Appium </a:t>
+            </a:r>
+            <a:r>
+              <a:rPr lang="en-US" sz="2400" dirty="0" err="1">
+                <a:latin typeface="Arial" pitchFamily="34" charset="0"/>
+                <a:cs typeface="Arial" pitchFamily="34" charset="0"/>
+              </a:rPr>
+              <a:t>XCUITest</a:t>
+            </a:r>
+            <a:r>
+              <a:rPr lang="en-US" sz="2400" dirty="0">
+                <a:latin typeface="Arial" pitchFamily="34" charset="0"/>
+                <a:cs typeface="Arial" pitchFamily="34" charset="0"/>
+              </a:rPr>
+              <a:t> Driver Real Device Setup</a:t>
+            </a:r>
+          </a:p>
+          <a:p>
+            <a:pPr lvl="1">
+              <a:lnSpc>
+                <a:spcPct val="150000"/>
+              </a:lnSpc>
+            </a:pPr>
+            <a:r>
+              <a:rPr lang="en-US" sz="2000" dirty="0">
+                <a:latin typeface="Arial" pitchFamily="34" charset="0"/>
+                <a:cs typeface="Arial" pitchFamily="34" charset="0"/>
+              </a:rPr>
+              <a:t>brew install </a:t>
+            </a:r>
+            <a:r>
+              <a:rPr lang="en-US" sz="2000" dirty="0" err="1">
+                <a:latin typeface="Arial" pitchFamily="34" charset="0"/>
+                <a:cs typeface="Arial" pitchFamily="34" charset="0"/>
+              </a:rPr>
+              <a:t>libimobiledevice</a:t>
+            </a:r>
+            <a:endParaRPr lang="en-US" sz="2000" dirty="0">
+              <a:latin typeface="Arial" pitchFamily="34" charset="0"/>
+              <a:cs typeface="Arial" pitchFamily="34" charset="0"/>
+            </a:endParaRPr>
+          </a:p>
+          <a:p>
+            <a:pPr lvl="1">
+              <a:lnSpc>
+                <a:spcPct val="150000"/>
+              </a:lnSpc>
+            </a:pPr>
+            <a:r>
+              <a:rPr lang="en-US" sz="2000" dirty="0" err="1">
+                <a:latin typeface="Arial" pitchFamily="34" charset="0"/>
+                <a:cs typeface="Arial" pitchFamily="34" charset="0"/>
+              </a:rPr>
+              <a:t>npm</a:t>
+            </a:r>
+            <a:r>
+              <a:rPr lang="en-US" sz="2000" dirty="0">
+                <a:latin typeface="Arial" pitchFamily="34" charset="0"/>
+                <a:cs typeface="Arial" pitchFamily="34" charset="0"/>
+              </a:rPr>
+              <a:t> install -g </a:t>
+            </a:r>
+            <a:r>
+              <a:rPr lang="en-US" sz="2000" dirty="0" err="1">
+                <a:latin typeface="Arial" pitchFamily="34" charset="0"/>
+                <a:cs typeface="Arial" pitchFamily="34" charset="0"/>
+              </a:rPr>
+              <a:t>ios</a:t>
+            </a:r>
+            <a:r>
+              <a:rPr lang="en-US" sz="2000" dirty="0">
+                <a:latin typeface="Arial" pitchFamily="34" charset="0"/>
+                <a:cs typeface="Arial" pitchFamily="34" charset="0"/>
+              </a:rPr>
+              <a:t>-deploy</a:t>
+            </a:r>
+          </a:p>
+          <a:p>
+            <a:pPr lvl="1">
+              <a:lnSpc>
+                <a:spcPct val="150000"/>
+              </a:lnSpc>
+            </a:pPr>
+            <a:r>
+              <a:rPr lang="en-US" sz="2000" dirty="0">
+                <a:latin typeface="Arial" pitchFamily="34" charset="0"/>
+                <a:cs typeface="Arial" pitchFamily="34" charset="0"/>
+              </a:rPr>
+              <a:t>brew install </a:t>
+            </a:r>
+            <a:r>
+              <a:rPr lang="en-US" sz="2000" dirty="0" err="1">
+                <a:latin typeface="Arial" pitchFamily="34" charset="0"/>
+                <a:cs typeface="Arial" pitchFamily="34" charset="0"/>
+              </a:rPr>
+              <a:t>ios</a:t>
+            </a:r>
+            <a:r>
+              <a:rPr lang="en-US" sz="2000" dirty="0">
+                <a:latin typeface="Arial" pitchFamily="34" charset="0"/>
+                <a:cs typeface="Arial" pitchFamily="34" charset="0"/>
+              </a:rPr>
+              <a:t>-deploy</a:t>
+            </a:r>
+          </a:p>
+          <a:p>
+            <a:pPr>
+              <a:lnSpc>
+                <a:spcPct val="150000"/>
+              </a:lnSpc>
+            </a:pPr>
+            <a:r>
+              <a:rPr lang="en-US" sz="2400" dirty="0">
+                <a:latin typeface="Arial" pitchFamily="34" charset="0"/>
+                <a:cs typeface="Arial" pitchFamily="34" charset="0"/>
+              </a:rPr>
+              <a:t>Follow the full manual configuration to setup </a:t>
+            </a:r>
+            <a:r>
+              <a:rPr lang="en-US" sz="2400" b="1" dirty="0" err="1">
+                <a:solidFill>
+                  <a:schemeClr val="accent1"/>
+                </a:solidFill>
+                <a:latin typeface="Arial" pitchFamily="34" charset="0"/>
+                <a:cs typeface="Arial" pitchFamily="34" charset="0"/>
+              </a:rPr>
+              <a:t>WedDriverAgent</a:t>
+            </a:r>
+            <a:endParaRPr lang="en-US" sz="2400" b="1" dirty="0">
+              <a:solidFill>
+                <a:schemeClr val="accent1"/>
+              </a:solidFill>
+              <a:latin typeface="Arial" pitchFamily="34" charset="0"/>
+              <a:cs typeface="Arial" pitchFamily="34" charset="0"/>
+            </a:endParaRPr>
+          </a:p>
+          <a:p>
+            <a:pPr lvl="1">
+              <a:lnSpc>
+                <a:spcPct val="150000"/>
+              </a:lnSpc>
+            </a:pPr>
+            <a:r>
+              <a:rPr lang="en-US" sz="2000" dirty="0">
+                <a:latin typeface="Arial" pitchFamily="34" charset="0"/>
+                <a:cs typeface="Arial" pitchFamily="34" charset="0"/>
+              </a:rPr>
+              <a:t>http://appium.io/docs/en/drivers/ios-xcuitest-real-devices/#full-manual-configuration</a:t>
+            </a:r>
+          </a:p>
+        </p:txBody>
+      </p:sp>
+    </p:spTree>
+    <p:extLst>
+      <p:ext uri="{BB962C8B-B14F-4D97-AF65-F5344CB8AC3E}">
+        <p14:creationId xmlns:p14="http://schemas.microsoft.com/office/powerpoint/2010/main" val="3430971783"/>
+      </p:ext>
+    </p:extLst>
+  </p:cSld>
+  <p:clrMapOvr>
+    <a:masterClrMapping/>
+  </p:clrMapOvr>
+</p:sld>
+</file>
+
+<file path=ppt/slides/slide18.xml><?xml version="1.0" encoding="utf-8"?>
+<p:sld xmlns:a="http://schemas.openxmlformats.org/drawingml/2006/main" xmlns:r="http://schemas.openxmlformats.org/officeDocument/2006/relationships" xmlns:p="http://schemas.openxmlformats.org/presentationml/2006/main">
+  <p:cSld>
+    <p:spTree>
+      <p:nvGrpSpPr>
+        <p:cNvPr id="1" name=""/>
+        <p:cNvGrpSpPr/>
+        <p:nvPr/>
+      </p:nvGrpSpPr>
+      <p:grpSpPr>
+        <a:xfrm>
+          <a:off x="0" y="0"/>
+          <a:ext cx="0" cy="0"/>
+          <a:chOff x="0" y="0"/>
+          <a:chExt cx="0" cy="0"/>
+        </a:xfrm>
+      </p:grpSpPr>
+      <p:sp>
+        <p:nvSpPr>
+          <p:cNvPr id="2" name="Title 1"/>
+          <p:cNvSpPr>
+            <a:spLocks noGrp="1"/>
+          </p:cNvSpPr>
+          <p:nvPr>
+            <p:ph type="title"/>
+          </p:nvPr>
+        </p:nvSpPr>
+        <p:spPr>
+          <a:xfrm>
+            <a:off x="457200" y="274638"/>
+            <a:ext cx="8686800" cy="1143000"/>
+          </a:xfrm>
+        </p:spPr>
+        <p:txBody>
+          <a:bodyPr>
+            <a:normAutofit/>
+          </a:bodyPr>
+          <a:lstStyle/>
+          <a:p>
+            <a:pPr algn="l"/>
+            <a:r>
+              <a:rPr lang="en-US" sz="3000" b="1" dirty="0">
+                <a:latin typeface="Arial" pitchFamily="34" charset="0"/>
+                <a:cs typeface="Arial" pitchFamily="34" charset="0"/>
+              </a:rPr>
+              <a:t>Example Robot Framework Script</a:t>
+            </a:r>
+          </a:p>
+        </p:txBody>
+      </p:sp>
+      <p:sp>
+        <p:nvSpPr>
+          <p:cNvPr id="3" name="Content Placeholder 2"/>
+          <p:cNvSpPr>
+            <a:spLocks noGrp="1"/>
+          </p:cNvSpPr>
+          <p:nvPr>
+            <p:ph idx="1"/>
+          </p:nvPr>
+        </p:nvSpPr>
+        <p:spPr>
+          <a:xfrm>
+            <a:off x="457200" y="1371600"/>
+            <a:ext cx="8382000" cy="5105400"/>
+          </a:xfrm>
+        </p:spPr>
+        <p:txBody>
+          <a:bodyPr>
+            <a:normAutofit/>
+          </a:bodyPr>
+          <a:lstStyle/>
+          <a:p>
+            <a:pPr>
+              <a:lnSpc>
+                <a:spcPct val="150000"/>
+              </a:lnSpc>
+            </a:pPr>
+            <a:endParaRPr lang="en-US" sz="1600" dirty="0">
+              <a:latin typeface="Arial" pitchFamily="34" charset="0"/>
+              <a:cs typeface="Arial" pitchFamily="34" charset="0"/>
+            </a:endParaRPr>
+          </a:p>
+          <a:p>
+            <a:pPr>
+              <a:lnSpc>
+                <a:spcPct val="150000"/>
+              </a:lnSpc>
+            </a:pPr>
+            <a:endParaRPr lang="en-US" sz="1600" dirty="0">
+              <a:latin typeface="Arial" pitchFamily="34" charset="0"/>
+              <a:cs typeface="Arial" pitchFamily="34" charset="0"/>
+            </a:endParaRPr>
+          </a:p>
+          <a:p>
+            <a:pPr>
+              <a:lnSpc>
+                <a:spcPct val="150000"/>
+              </a:lnSpc>
+            </a:pPr>
+            <a:endParaRPr lang="en-US" sz="1600" dirty="0">
+              <a:latin typeface="Arial" pitchFamily="34" charset="0"/>
+              <a:cs typeface="Arial" pitchFamily="34" charset="0"/>
+            </a:endParaRPr>
+          </a:p>
+          <a:p>
+            <a:pPr>
+              <a:lnSpc>
+                <a:spcPct val="150000"/>
+              </a:lnSpc>
+            </a:pPr>
+            <a:endParaRPr lang="en-US" sz="1600" dirty="0">
+              <a:latin typeface="Arial" pitchFamily="34" charset="0"/>
+              <a:cs typeface="Arial" pitchFamily="34" charset="0"/>
+            </a:endParaRPr>
+          </a:p>
+          <a:p>
+            <a:pPr>
+              <a:lnSpc>
+                <a:spcPct val="150000"/>
+              </a:lnSpc>
+            </a:pPr>
+            <a:endParaRPr lang="en-US" sz="1600" dirty="0">
+              <a:latin typeface="Arial" pitchFamily="34" charset="0"/>
+              <a:cs typeface="Arial" pitchFamily="34" charset="0"/>
+            </a:endParaRPr>
+          </a:p>
+          <a:p>
+            <a:pPr>
+              <a:lnSpc>
+                <a:spcPct val="150000"/>
+              </a:lnSpc>
+            </a:pPr>
+            <a:endParaRPr lang="en-US" sz="1600" dirty="0">
+              <a:latin typeface="Arial" pitchFamily="34" charset="0"/>
+              <a:cs typeface="Arial" pitchFamily="34" charset="0"/>
+            </a:endParaRPr>
+          </a:p>
+          <a:p>
+            <a:pPr>
+              <a:lnSpc>
+                <a:spcPct val="150000"/>
+              </a:lnSpc>
+            </a:pPr>
+            <a:endParaRPr lang="en-US" sz="1600" dirty="0">
+              <a:latin typeface="Arial" pitchFamily="34" charset="0"/>
+              <a:cs typeface="Arial" pitchFamily="34" charset="0"/>
+            </a:endParaRPr>
+          </a:p>
+          <a:p>
+            <a:pPr>
+              <a:lnSpc>
+                <a:spcPct val="150000"/>
+              </a:lnSpc>
+            </a:pPr>
+            <a:endParaRPr lang="en-US" sz="1600" dirty="0">
+              <a:latin typeface="Arial" pitchFamily="34" charset="0"/>
+              <a:cs typeface="Arial" pitchFamily="34" charset="0"/>
+            </a:endParaRPr>
+          </a:p>
+          <a:p>
+            <a:pPr>
+              <a:lnSpc>
+                <a:spcPct val="150000"/>
+              </a:lnSpc>
+            </a:pPr>
+            <a:r>
+              <a:rPr lang="en-US" sz="1600" dirty="0">
+                <a:latin typeface="Arial" pitchFamily="34" charset="0"/>
+                <a:cs typeface="Arial" pitchFamily="34" charset="0"/>
+              </a:rPr>
+              <a:t>Robot Framework Appium Library Document</a:t>
+            </a:r>
+          </a:p>
+          <a:p>
+            <a:pPr lvl="1">
+              <a:lnSpc>
+                <a:spcPct val="150000"/>
+              </a:lnSpc>
+            </a:pPr>
+            <a:r>
+              <a:rPr lang="en-US" sz="1200" dirty="0">
+                <a:latin typeface="Arial" pitchFamily="34" charset="0"/>
+                <a:cs typeface="Arial" pitchFamily="34" charset="0"/>
+              </a:rPr>
+              <a:t>http://serhatbolsu.github.io/robotframework-appiumlibrary/AppiumLibrary.html</a:t>
+            </a:r>
+          </a:p>
+          <a:p>
+            <a:pPr>
+              <a:lnSpc>
+                <a:spcPct val="150000"/>
+              </a:lnSpc>
+            </a:pPr>
+            <a:r>
+              <a:rPr lang="en-US" sz="1600" dirty="0">
+                <a:latin typeface="Arial" pitchFamily="34" charset="0"/>
+                <a:cs typeface="Arial" pitchFamily="34" charset="0"/>
+              </a:rPr>
+              <a:t>Use </a:t>
+            </a:r>
+            <a:r>
+              <a:rPr lang="en-US" sz="1600" b="1" dirty="0">
+                <a:solidFill>
+                  <a:schemeClr val="accent1"/>
+                </a:solidFill>
+                <a:latin typeface="Arial" pitchFamily="34" charset="0"/>
+                <a:cs typeface="Arial" pitchFamily="34" charset="0"/>
+              </a:rPr>
+              <a:t>Appium</a:t>
+            </a:r>
+            <a:r>
+              <a:rPr lang="en-US" sz="1600" dirty="0">
+                <a:latin typeface="Arial" pitchFamily="34" charset="0"/>
+                <a:cs typeface="Arial" pitchFamily="34" charset="0"/>
+              </a:rPr>
+              <a:t> to help locate element</a:t>
+            </a:r>
+          </a:p>
+        </p:txBody>
+      </p:sp>
+      <p:pic>
+        <p:nvPicPr>
+          <p:cNvPr id="5" name="Picture 4">
+            <a:extLst>
+              <a:ext uri="{FF2B5EF4-FFF2-40B4-BE49-F238E27FC236}">
+                <a16:creationId xmlns:a16="http://schemas.microsoft.com/office/drawing/2014/main" id="{E1D19FE5-9D56-4BD7-906F-875FFFD7A484}"/>
+              </a:ext>
+            </a:extLst>
+          </p:cNvPr>
+          <p:cNvPicPr>
+            <a:picLocks noChangeAspect="1"/>
+          </p:cNvPicPr>
+          <p:nvPr/>
+        </p:nvPicPr>
+        <p:blipFill>
+          <a:blip r:embed="rId2" cstate="print">
+            <a:extLst>
+              <a:ext uri="{28A0092B-C50C-407E-A947-70E740481C1C}">
+                <a14:useLocalDpi xmlns:a14="http://schemas.microsoft.com/office/drawing/2010/main" val="0"/>
+              </a:ext>
+            </a:extLst>
+          </a:blip>
+          <a:stretch>
+            <a:fillRect/>
+          </a:stretch>
+        </p:blipFill>
+        <p:spPr>
+          <a:xfrm>
+            <a:off x="609600" y="1440675"/>
+            <a:ext cx="6925014" cy="2915375"/>
+          </a:xfrm>
+          <a:prstGeom prst="rect">
+            <a:avLst/>
+          </a:prstGeom>
+        </p:spPr>
+      </p:pic>
+    </p:spTree>
+    <p:extLst>
+      <p:ext uri="{BB962C8B-B14F-4D97-AF65-F5344CB8AC3E}">
+        <p14:creationId xmlns:p14="http://schemas.microsoft.com/office/powerpoint/2010/main" val="3682132725"/>
+      </p:ext>
+    </p:extLst>
+  </p:cSld>
+  <p:clrMapOvr>
+    <a:masterClrMapping/>
+  </p:clrMapOvr>
+</p:sld>
+</file>
+
+<file path=ppt/slides/slide19.xml><?xml version="1.0" encoding="utf-8"?>
+<p:sld xmlns:a="http://schemas.openxmlformats.org/drawingml/2006/main" xmlns:r="http://schemas.openxmlformats.org/officeDocument/2006/relationships" xmlns:p="http://schemas.openxmlformats.org/presentationml/2006/main">
+  <p:cSld>
+    <p:spTree>
+      <p:nvGrpSpPr>
+        <p:cNvPr id="1" name=""/>
+        <p:cNvGrpSpPr/>
+        <p:nvPr/>
+      </p:nvGrpSpPr>
+      <p:grpSpPr>
+        <a:xfrm>
+          <a:off x="0" y="0"/>
+          <a:ext cx="0" cy="0"/>
+          <a:chOff x="0" y="0"/>
+          <a:chExt cx="0" cy="0"/>
+        </a:xfrm>
+      </p:grpSpPr>
+      <p:sp>
+        <p:nvSpPr>
+          <p:cNvPr id="2" name="Title 1"/>
+          <p:cNvSpPr>
+            <a:spLocks noGrp="1"/>
+          </p:cNvSpPr>
+          <p:nvPr>
+            <p:ph type="title"/>
+          </p:nvPr>
+        </p:nvSpPr>
+        <p:spPr>
+          <a:xfrm>
+            <a:off x="457200" y="274638"/>
+            <a:ext cx="8686800" cy="1143000"/>
+          </a:xfrm>
+        </p:spPr>
+        <p:txBody>
+          <a:bodyPr>
+            <a:normAutofit/>
+          </a:bodyPr>
+          <a:lstStyle/>
+          <a:p>
+            <a:pPr algn="l"/>
+            <a:r>
+              <a:rPr lang="en-US" sz="3000" b="1" dirty="0">
+                <a:latin typeface="Arial" pitchFamily="34" charset="0"/>
+                <a:cs typeface="Arial" pitchFamily="34" charset="0"/>
+              </a:rPr>
+              <a:t>Appium</a:t>
+            </a:r>
+          </a:p>
+        </p:txBody>
+      </p:sp>
+      <p:sp>
+        <p:nvSpPr>
+          <p:cNvPr id="3" name="Content Placeholder 2"/>
+          <p:cNvSpPr>
+            <a:spLocks noGrp="1"/>
+          </p:cNvSpPr>
+          <p:nvPr>
+            <p:ph idx="1"/>
+          </p:nvPr>
+        </p:nvSpPr>
+        <p:spPr>
+          <a:xfrm>
+            <a:off x="457200" y="1371600"/>
+            <a:ext cx="8382000" cy="5105400"/>
+          </a:xfrm>
+        </p:spPr>
+        <p:txBody>
+          <a:bodyPr>
+            <a:normAutofit/>
+          </a:bodyPr>
+          <a:lstStyle/>
+          <a:p>
+            <a:pPr>
+              <a:lnSpc>
+                <a:spcPct val="150000"/>
+              </a:lnSpc>
+            </a:pPr>
+            <a:endParaRPr lang="en-US" sz="1600" dirty="0">
+              <a:latin typeface="Arial" pitchFamily="34" charset="0"/>
+              <a:cs typeface="Arial" pitchFamily="34" charset="0"/>
+            </a:endParaRPr>
+          </a:p>
+          <a:p>
+            <a:pPr>
+              <a:lnSpc>
+                <a:spcPct val="150000"/>
+              </a:lnSpc>
+            </a:pPr>
+            <a:endParaRPr lang="en-US" sz="1600" dirty="0">
+              <a:latin typeface="Arial" pitchFamily="34" charset="0"/>
+              <a:cs typeface="Arial" pitchFamily="34" charset="0"/>
+            </a:endParaRPr>
+          </a:p>
+          <a:p>
+            <a:pPr>
+              <a:lnSpc>
+                <a:spcPct val="150000"/>
+              </a:lnSpc>
+            </a:pPr>
+            <a:endParaRPr lang="en-US" sz="1600" dirty="0">
+              <a:latin typeface="Arial" pitchFamily="34" charset="0"/>
+              <a:cs typeface="Arial" pitchFamily="34" charset="0"/>
+            </a:endParaRPr>
+          </a:p>
+          <a:p>
+            <a:pPr>
+              <a:lnSpc>
+                <a:spcPct val="150000"/>
+              </a:lnSpc>
+            </a:pPr>
+            <a:endParaRPr lang="en-US" sz="1600" dirty="0">
+              <a:latin typeface="Arial" pitchFamily="34" charset="0"/>
+              <a:cs typeface="Arial" pitchFamily="34" charset="0"/>
+            </a:endParaRPr>
+          </a:p>
+          <a:p>
+            <a:pPr>
+              <a:lnSpc>
+                <a:spcPct val="150000"/>
+              </a:lnSpc>
+            </a:pPr>
+            <a:endParaRPr lang="en-US" sz="1600" dirty="0">
+              <a:latin typeface="Arial" pitchFamily="34" charset="0"/>
+              <a:cs typeface="Arial" pitchFamily="34" charset="0"/>
+            </a:endParaRPr>
+          </a:p>
+          <a:p>
+            <a:pPr>
+              <a:lnSpc>
+                <a:spcPct val="150000"/>
+              </a:lnSpc>
+            </a:pPr>
+            <a:endParaRPr lang="en-US" sz="1600" dirty="0">
+              <a:latin typeface="Arial" pitchFamily="34" charset="0"/>
+              <a:cs typeface="Arial" pitchFamily="34" charset="0"/>
+            </a:endParaRPr>
+          </a:p>
+          <a:p>
+            <a:pPr>
+              <a:lnSpc>
+                <a:spcPct val="150000"/>
+              </a:lnSpc>
+            </a:pPr>
+            <a:endParaRPr lang="en-US" sz="1600" dirty="0">
+              <a:latin typeface="Arial" pitchFamily="34" charset="0"/>
+              <a:cs typeface="Arial" pitchFamily="34" charset="0"/>
+            </a:endParaRPr>
+          </a:p>
+          <a:p>
+            <a:pPr>
+              <a:lnSpc>
+                <a:spcPct val="150000"/>
+              </a:lnSpc>
+            </a:pPr>
+            <a:endParaRPr lang="en-US" sz="1600" dirty="0">
+              <a:latin typeface="Arial" pitchFamily="34" charset="0"/>
+              <a:cs typeface="Arial" pitchFamily="34" charset="0"/>
+            </a:endParaRPr>
+          </a:p>
+        </p:txBody>
+      </p:sp>
+      <p:pic>
+        <p:nvPicPr>
+          <p:cNvPr id="6" name="Picture 5">
+            <a:extLst>
+              <a:ext uri="{FF2B5EF4-FFF2-40B4-BE49-F238E27FC236}">
+                <a16:creationId xmlns:a16="http://schemas.microsoft.com/office/drawing/2014/main" id="{B9BA088C-1C1B-4889-8C02-C6CFDBFB39DE}"/>
+              </a:ext>
+            </a:extLst>
+          </p:cNvPr>
+          <p:cNvPicPr>
+            <a:picLocks noChangeAspect="1"/>
+          </p:cNvPicPr>
+          <p:nvPr/>
+        </p:nvPicPr>
+        <p:blipFill>
+          <a:blip r:embed="rId2" cstate="print">
+            <a:extLst>
+              <a:ext uri="{28A0092B-C50C-407E-A947-70E740481C1C}">
+                <a14:useLocalDpi xmlns:a14="http://schemas.microsoft.com/office/drawing/2010/main" val="0"/>
+              </a:ext>
+            </a:extLst>
+          </a:blip>
+          <a:stretch>
+            <a:fillRect/>
+          </a:stretch>
+        </p:blipFill>
+        <p:spPr>
+          <a:xfrm>
+            <a:off x="520994" y="1389284"/>
+            <a:ext cx="8165805" cy="3945791"/>
+          </a:xfrm>
+          <a:prstGeom prst="rect">
+            <a:avLst/>
+          </a:prstGeom>
+        </p:spPr>
+      </p:pic>
+    </p:spTree>
+    <p:extLst>
+      <p:ext uri="{BB962C8B-B14F-4D97-AF65-F5344CB8AC3E}">
+        <p14:creationId xmlns:p14="http://schemas.microsoft.com/office/powerpoint/2010/main" val="1531047901"/>
+      </p:ext>
+    </p:extLst>
+  </p:cSld>
+  <p:clrMapOvr>
+    <a:masterClrMapping/>
+  </p:clrMapOvr>
 </p:sld>
 </file>
 
@@ -5651,13 +6463,6 @@
   <p:clrMapOvr>
     <a:masterClrMapping/>
   </p:clrMapOvr>
-  <p:timing>
-    <p:tnLst>
-      <p:par>
-        <p:cTn id="1" dur="indefinite" restart="never" nodeType="tmRoot"/>
-      </p:par>
-    </p:tnLst>
-  </p:timing>
 </p:sld>
 </file>
 
@@ -5793,7 +6598,7 @@
               </a:lnSpc>
             </a:pPr>
             <a:r>
-              <a:rPr lang="en-US" sz="1200" b="1" dirty="0" smtClean="0">
+              <a:rPr lang="en-US" sz="1200" b="1" dirty="0">
                 <a:solidFill>
                   <a:srgbClr val="FF0000"/>
                 </a:solidFill>
@@ -5803,32 +6608,11 @@
               <a:t>Unselect Virtual Device</a:t>
             </a:r>
             <a:r>
-              <a:rPr lang="en-US" sz="1200" dirty="0" smtClean="0">
-                <a:latin typeface="Arial" pitchFamily="34" charset="0"/>
-                <a:cs typeface="Arial" pitchFamily="34" charset="0"/>
-              </a:rPr>
-              <a:t>, </a:t>
-            </a:r>
-            <a:r>
               <a:rPr lang="en-US" sz="1200" dirty="0">
                 <a:latin typeface="Arial" pitchFamily="34" charset="0"/>
                 <a:cs typeface="Arial" pitchFamily="34" charset="0"/>
               </a:rPr>
-              <a:t>u</a:t>
-            </a:r>
-            <a:r>
-              <a:rPr lang="en-US" sz="1200" dirty="0" smtClean="0">
-                <a:latin typeface="Arial" pitchFamily="34" charset="0"/>
-                <a:cs typeface="Arial" pitchFamily="34" charset="0"/>
-              </a:rPr>
-              <a:t>se </a:t>
-            </a:r>
-            <a:r>
-              <a:rPr lang="en-US" sz="1200" dirty="0">
-                <a:latin typeface="Arial" pitchFamily="34" charset="0"/>
-                <a:cs typeface="Arial" pitchFamily="34" charset="0"/>
-              </a:rPr>
-              <a:t>the default value in the installation wizard (click next until finish)</a:t>
+              <a:t>, use the default value in the installation wizard (click next until finish)</a:t>
             </a:r>
           </a:p>
           <a:p>
@@ -6032,13 +6816,6 @@
   <p:clrMapOvr>
     <a:masterClrMapping/>
   </p:clrMapOvr>
-  <p:timing>
-    <p:tnLst>
-      <p:par>
-        <p:cTn id="1" dur="indefinite" restart="never" nodeType="tmRoot"/>
-      </p:par>
-    </p:tnLst>
-  </p:timing>
 </p:sld>
 </file>
 
@@ -6272,7 +7049,7 @@
           <p:cNvPr id="5" name="Picture 4">
             <a:extLst>
               <a:ext uri="{FF2B5EF4-FFF2-40B4-BE49-F238E27FC236}">
-                <a16:creationId xmlns:a16="http://schemas.microsoft.com/office/drawing/2014/main" xmlns="" id="{2F8E9FB2-85C3-4508-9EC5-A853A3CBED92}"/>
+                <a16:creationId xmlns:a16="http://schemas.microsoft.com/office/drawing/2014/main" id="{2F8E9FB2-85C3-4508-9EC5-A853A3CBED92}"/>
               </a:ext>
             </a:extLst>
           </p:cNvPr>
@@ -6308,7 +7085,7 @@
           <p:cNvPr id="7" name="Picture 6">
             <a:extLst>
               <a:ext uri="{FF2B5EF4-FFF2-40B4-BE49-F238E27FC236}">
-                <a16:creationId xmlns:a16="http://schemas.microsoft.com/office/drawing/2014/main" xmlns="" id="{23C61AAC-EFAA-4E86-BF07-CAEBDF354E26}"/>
+                <a16:creationId xmlns:a16="http://schemas.microsoft.com/office/drawing/2014/main" id="{23C61AAC-EFAA-4E86-BF07-CAEBDF354E26}"/>
               </a:ext>
             </a:extLst>
           </p:cNvPr>
@@ -6349,13 +7126,6 @@
   <p:clrMapOvr>
     <a:masterClrMapping/>
   </p:clrMapOvr>
-  <p:timing>
-    <p:tnLst>
-      <p:par>
-        <p:cTn id="1" dur="indefinite" restart="never" nodeType="tmRoot"/>
-      </p:par>
-    </p:tnLst>
-  </p:timing>
 </p:sld>
 </file>
 
@@ -6556,7 +7326,7 @@
           <p:cNvPr id="5" name="Picture 4">
             <a:extLst>
               <a:ext uri="{FF2B5EF4-FFF2-40B4-BE49-F238E27FC236}">
-                <a16:creationId xmlns:a16="http://schemas.microsoft.com/office/drawing/2014/main" xmlns="" id="{A79B5FCC-5AAD-425A-8E36-B7C633D7B061}"/>
+                <a16:creationId xmlns:a16="http://schemas.microsoft.com/office/drawing/2014/main" id="{A79B5FCC-5AAD-425A-8E36-B7C633D7B061}"/>
               </a:ext>
             </a:extLst>
           </p:cNvPr>
@@ -6592,7 +7362,7 @@
           <p:cNvPr id="7" name="Picture 6">
             <a:extLst>
               <a:ext uri="{FF2B5EF4-FFF2-40B4-BE49-F238E27FC236}">
-                <a16:creationId xmlns:a16="http://schemas.microsoft.com/office/drawing/2014/main" xmlns="" id="{9A3215BD-2F22-4419-A0C2-9A3473656176}"/>
+                <a16:creationId xmlns:a16="http://schemas.microsoft.com/office/drawing/2014/main" id="{9A3215BD-2F22-4419-A0C2-9A3473656176}"/>
               </a:ext>
             </a:extLst>
           </p:cNvPr>
@@ -6633,13 +7403,6 @@
   <p:clrMapOvr>
     <a:masterClrMapping/>
   </p:clrMapOvr>
-  <p:timing>
-    <p:tnLst>
-      <p:par>
-        <p:cTn id="1" dur="indefinite" restart="never" nodeType="tmRoot"/>
-      </p:par>
-    </p:tnLst>
-  </p:timing>
 </p:sld>
 </file>
 
@@ -6841,7 +7604,7 @@
           <p:cNvPr id="9" name="Picture 8">
             <a:extLst>
               <a:ext uri="{FF2B5EF4-FFF2-40B4-BE49-F238E27FC236}">
-                <a16:creationId xmlns:a16="http://schemas.microsoft.com/office/drawing/2014/main" xmlns="" id="{3B9EF6ED-576E-4AFC-A4BC-5F97FF913620}"/>
+                <a16:creationId xmlns:a16="http://schemas.microsoft.com/office/drawing/2014/main" id="{3B9EF6ED-576E-4AFC-A4BC-5F97FF913620}"/>
               </a:ext>
             </a:extLst>
           </p:cNvPr>
@@ -6877,7 +7640,7 @@
           <p:cNvPr id="11" name="Picture 10">
             <a:extLst>
               <a:ext uri="{FF2B5EF4-FFF2-40B4-BE49-F238E27FC236}">
-                <a16:creationId xmlns:a16="http://schemas.microsoft.com/office/drawing/2014/main" xmlns="" id="{81B70D64-F84E-4979-A4D7-840B1DD8D727}"/>
+                <a16:creationId xmlns:a16="http://schemas.microsoft.com/office/drawing/2014/main" id="{81B70D64-F84E-4979-A4D7-840B1DD8D727}"/>
               </a:ext>
             </a:extLst>
           </p:cNvPr>
@@ -6913,7 +7676,7 @@
           <p:cNvPr id="13" name="Picture 12">
             <a:extLst>
               <a:ext uri="{FF2B5EF4-FFF2-40B4-BE49-F238E27FC236}">
-                <a16:creationId xmlns:a16="http://schemas.microsoft.com/office/drawing/2014/main" xmlns="" id="{D4743ABD-B089-4A60-B53E-F3F8E78E63E6}"/>
+                <a16:creationId xmlns:a16="http://schemas.microsoft.com/office/drawing/2014/main" id="{D4743ABD-B089-4A60-B53E-F3F8E78E63E6}"/>
               </a:ext>
             </a:extLst>
           </p:cNvPr>
@@ -6954,13 +7717,6 @@
   <p:clrMapOvr>
     <a:masterClrMapping/>
   </p:clrMapOvr>
-  <p:timing>
-    <p:tnLst>
-      <p:par>
-        <p:cTn id="1" dur="indefinite" restart="never" nodeType="tmRoot"/>
-      </p:par>
-    </p:tnLst>
-  </p:timing>
 </p:sld>
 </file>
 
@@ -7209,7 +7965,7 @@
           <p:cNvPr id="5" name="Picture 4">
             <a:extLst>
               <a:ext uri="{FF2B5EF4-FFF2-40B4-BE49-F238E27FC236}">
-                <a16:creationId xmlns:a16="http://schemas.microsoft.com/office/drawing/2014/main" xmlns="" id="{49B847EF-02F6-4BB3-8A59-F217238D60ED}"/>
+                <a16:creationId xmlns:a16="http://schemas.microsoft.com/office/drawing/2014/main" id="{49B847EF-02F6-4BB3-8A59-F217238D60ED}"/>
               </a:ext>
             </a:extLst>
           </p:cNvPr>
@@ -7245,7 +8001,7 @@
           <p:cNvPr id="7" name="Picture 6">
             <a:extLst>
               <a:ext uri="{FF2B5EF4-FFF2-40B4-BE49-F238E27FC236}">
-                <a16:creationId xmlns:a16="http://schemas.microsoft.com/office/drawing/2014/main" xmlns="" id="{F6E083EC-A735-46A9-9846-3354B5138D61}"/>
+                <a16:creationId xmlns:a16="http://schemas.microsoft.com/office/drawing/2014/main" id="{F6E083EC-A735-46A9-9846-3354B5138D61}"/>
               </a:ext>
             </a:extLst>
           </p:cNvPr>
@@ -7286,13 +8042,6 @@
   <p:clrMapOvr>
     <a:masterClrMapping/>
   </p:clrMapOvr>
-  <p:timing>
-    <p:tnLst>
-      <p:par>
-        <p:cTn id="1" dur="indefinite" restart="never" nodeType="tmRoot"/>
-      </p:par>
-    </p:tnLst>
-  </p:timing>
 </p:sld>
 </file>
 
@@ -7326,7 +8075,7 @@
           <p:cNvPr id="2" name="Title 1">
             <a:extLst>
               <a:ext uri="{FF2B5EF4-FFF2-40B4-BE49-F238E27FC236}">
-                <a16:creationId xmlns:a16="http://schemas.microsoft.com/office/drawing/2014/main" xmlns="" id="{0266D3F6-82D5-437B-AC00-2DDC88D276F7}"/>
+                <a16:creationId xmlns:a16="http://schemas.microsoft.com/office/drawing/2014/main" id="{0266D3F6-82D5-437B-AC00-2DDC88D276F7}"/>
               </a:ext>
             </a:extLst>
           </p:cNvPr>
@@ -7368,13 +8117,6 @@
   <p:clrMapOvr>
     <a:masterClrMapping/>
   </p:clrMapOvr>
-  <p:timing>
-    <p:tnLst>
-      <p:par>
-        <p:cTn id="1" dur="indefinite" restart="never" nodeType="tmRoot"/>
-      </p:par>
-    </p:tnLst>
-  </p:timing>
 </p:sld>
 </file>
 
@@ -7641,7 +8383,7 @@
           <p:cNvPr id="5" name="Picture 4">
             <a:extLst>
               <a:ext uri="{FF2B5EF4-FFF2-40B4-BE49-F238E27FC236}">
-                <a16:creationId xmlns:a16="http://schemas.microsoft.com/office/drawing/2014/main" xmlns="" id="{A38B38B8-2F36-4293-88D9-3F5FC9648DC2}"/>
+                <a16:creationId xmlns:a16="http://schemas.microsoft.com/office/drawing/2014/main" id="{A38B38B8-2F36-4293-88D9-3F5FC9648DC2}"/>
               </a:ext>
             </a:extLst>
           </p:cNvPr>
@@ -7682,13 +8424,6 @@
   <p:clrMapOvr>
     <a:masterClrMapping/>
   </p:clrMapOvr>
-  <p:timing>
-    <p:tnLst>
-      <p:par>
-        <p:cTn id="1" dur="indefinite" restart="never" nodeType="tmRoot"/>
-      </p:par>
-    </p:tnLst>
-  </p:timing>
 </p:sld>
 </file>
 

--- a/Robot-Mobile.pptx
+++ b/Robot-Mobile.pptx
@@ -5,25 +5,26 @@
     <p:sldMasterId id="2147483648" r:id="rId1"/>
   </p:sldMasterIdLst>
   <p:sldIdLst>
-    <p:sldId id="296" r:id="rId2"/>
-    <p:sldId id="301" r:id="rId3"/>
-    <p:sldId id="303" r:id="rId4"/>
-    <p:sldId id="304" r:id="rId5"/>
-    <p:sldId id="305" r:id="rId6"/>
-    <p:sldId id="306" r:id="rId7"/>
-    <p:sldId id="307" r:id="rId8"/>
-    <p:sldId id="308" r:id="rId9"/>
-    <p:sldId id="309" r:id="rId10"/>
-    <p:sldId id="310" r:id="rId11"/>
-    <p:sldId id="312" r:id="rId12"/>
-    <p:sldId id="311" r:id="rId13"/>
-    <p:sldId id="313" r:id="rId14"/>
-    <p:sldId id="314" r:id="rId15"/>
-    <p:sldId id="315" r:id="rId16"/>
-    <p:sldId id="316" r:id="rId17"/>
-    <p:sldId id="317" r:id="rId18"/>
-    <p:sldId id="318" r:id="rId19"/>
-    <p:sldId id="319" r:id="rId20"/>
+    <p:sldId id="320" r:id="rId2"/>
+    <p:sldId id="296" r:id="rId3"/>
+    <p:sldId id="301" r:id="rId4"/>
+    <p:sldId id="303" r:id="rId5"/>
+    <p:sldId id="304" r:id="rId6"/>
+    <p:sldId id="305" r:id="rId7"/>
+    <p:sldId id="306" r:id="rId8"/>
+    <p:sldId id="307" r:id="rId9"/>
+    <p:sldId id="308" r:id="rId10"/>
+    <p:sldId id="309" r:id="rId11"/>
+    <p:sldId id="310" r:id="rId12"/>
+    <p:sldId id="312" r:id="rId13"/>
+    <p:sldId id="311" r:id="rId14"/>
+    <p:sldId id="313" r:id="rId15"/>
+    <p:sldId id="314" r:id="rId16"/>
+    <p:sldId id="315" r:id="rId17"/>
+    <p:sldId id="316" r:id="rId18"/>
+    <p:sldId id="317" r:id="rId19"/>
+    <p:sldId id="318" r:id="rId20"/>
+    <p:sldId id="319" r:id="rId21"/>
   </p:sldIdLst>
   <p:sldSz cx="9144000" cy="6858000" type="screen4x3"/>
   <p:notesSz cx="6858000" cy="9144000"/>
@@ -124,7 +125,7 @@
   </p:defaultTextStyle>
   <p:extLst>
     <p:ext uri="{EFAFB233-063F-42B5-8137-9DF3F51BA10A}">
-      <p15:sldGuideLst xmlns:p15="http://schemas.microsoft.com/office/powerpoint/2012/main">
+      <p15:sldGuideLst xmlns:p15="http://schemas.microsoft.com/office/powerpoint/2012/main" xmlns="">
         <p15:guide id="1" orient="horz" pos="2160">
           <p15:clr>
             <a:srgbClr val="A4A3A4"/>
@@ -320,7 +321,7 @@
           <a:p>
             <a:fld id="{F5F0C085-258C-4E6F-9065-AD4DDDC025DA}" type="datetimeFigureOut">
               <a:rPr lang="en-US" smtClean="0"/>
-              <a:t>8/27/2018</a:t>
+              <a:t>27/08/2018</a:t>
             </a:fld>
             <a:endParaRPr lang="en-US"/>
           </a:p>
@@ -488,7 +489,7 @@
           <a:p>
             <a:fld id="{F5F0C085-258C-4E6F-9065-AD4DDDC025DA}" type="datetimeFigureOut">
               <a:rPr lang="en-US" smtClean="0"/>
-              <a:t>8/27/2018</a:t>
+              <a:t>27/08/2018</a:t>
             </a:fld>
             <a:endParaRPr lang="en-US"/>
           </a:p>
@@ -666,7 +667,7 @@
           <a:p>
             <a:fld id="{F5F0C085-258C-4E6F-9065-AD4DDDC025DA}" type="datetimeFigureOut">
               <a:rPr lang="en-US" smtClean="0"/>
-              <a:t>8/27/2018</a:t>
+              <a:t>27/08/2018</a:t>
             </a:fld>
             <a:endParaRPr lang="en-US"/>
           </a:p>
@@ -834,7 +835,7 @@
           <a:p>
             <a:fld id="{F5F0C085-258C-4E6F-9065-AD4DDDC025DA}" type="datetimeFigureOut">
               <a:rPr lang="en-US" smtClean="0"/>
-              <a:t>8/27/2018</a:t>
+              <a:t>27/08/2018</a:t>
             </a:fld>
             <a:endParaRPr lang="en-US"/>
           </a:p>
@@ -1079,7 +1080,7 @@
           <a:p>
             <a:fld id="{F5F0C085-258C-4E6F-9065-AD4DDDC025DA}" type="datetimeFigureOut">
               <a:rPr lang="en-US" smtClean="0"/>
-              <a:t>8/27/2018</a:t>
+              <a:t>27/08/2018</a:t>
             </a:fld>
             <a:endParaRPr lang="en-US"/>
           </a:p>
@@ -1364,7 +1365,7 @@
           <a:p>
             <a:fld id="{F5F0C085-258C-4E6F-9065-AD4DDDC025DA}" type="datetimeFigureOut">
               <a:rPr lang="en-US" smtClean="0"/>
-              <a:t>8/27/2018</a:t>
+              <a:t>27/08/2018</a:t>
             </a:fld>
             <a:endParaRPr lang="en-US"/>
           </a:p>
@@ -1783,7 +1784,7 @@
           <a:p>
             <a:fld id="{F5F0C085-258C-4E6F-9065-AD4DDDC025DA}" type="datetimeFigureOut">
               <a:rPr lang="en-US" smtClean="0"/>
-              <a:t>8/27/2018</a:t>
+              <a:t>27/08/2018</a:t>
             </a:fld>
             <a:endParaRPr lang="en-US"/>
           </a:p>
@@ -1900,7 +1901,7 @@
           <a:p>
             <a:fld id="{F5F0C085-258C-4E6F-9065-AD4DDDC025DA}" type="datetimeFigureOut">
               <a:rPr lang="en-US" smtClean="0"/>
-              <a:t>8/27/2018</a:t>
+              <a:t>27/08/2018</a:t>
             </a:fld>
             <a:endParaRPr lang="en-US"/>
           </a:p>
@@ -1995,7 +1996,7 @@
           <a:p>
             <a:fld id="{F5F0C085-258C-4E6F-9065-AD4DDDC025DA}" type="datetimeFigureOut">
               <a:rPr lang="en-US" smtClean="0"/>
-              <a:t>8/27/2018</a:t>
+              <a:t>27/08/2018</a:t>
             </a:fld>
             <a:endParaRPr lang="en-US"/>
           </a:p>
@@ -2270,7 +2271,7 @@
           <a:p>
             <a:fld id="{F5F0C085-258C-4E6F-9065-AD4DDDC025DA}" type="datetimeFigureOut">
               <a:rPr lang="en-US" smtClean="0"/>
-              <a:t>8/27/2018</a:t>
+              <a:t>27/08/2018</a:t>
             </a:fld>
             <a:endParaRPr lang="en-US"/>
           </a:p>
@@ -2522,7 +2523,7 @@
           <a:p>
             <a:fld id="{F5F0C085-258C-4E6F-9065-AD4DDDC025DA}" type="datetimeFigureOut">
               <a:rPr lang="en-US" smtClean="0"/>
-              <a:t>8/27/2018</a:t>
+              <a:t>27/08/2018</a:t>
             </a:fld>
             <a:endParaRPr lang="en-US"/>
           </a:p>
@@ -2733,7 +2734,7 @@
           <a:p>
             <a:fld id="{F5F0C085-258C-4E6F-9065-AD4DDDC025DA}" type="datetimeFigureOut">
               <a:rPr lang="en-US" smtClean="0"/>
-              <a:t>8/27/2018</a:t>
+              <a:t>27/08/2018</a:t>
             </a:fld>
             <a:endParaRPr lang="en-US"/>
           </a:p>
@@ -3094,14 +3095,6 @@
 <file path=ppt/slides/slide1.xml><?xml version="1.0" encoding="utf-8"?>
 <p:sld xmlns:a="http://schemas.openxmlformats.org/drawingml/2006/main" xmlns:r="http://schemas.openxmlformats.org/officeDocument/2006/relationships" xmlns:p="http://schemas.openxmlformats.org/presentationml/2006/main">
   <p:cSld>
-    <p:bg>
-      <p:bgPr>
-        <a:solidFill>
-          <a:schemeClr val="tx1"/>
-        </a:solidFill>
-        <a:effectLst/>
-      </p:bgPr>
-    </p:bg>
     <p:spTree>
       <p:nvGrpSpPr>
         <p:cNvPr id="1" name=""/>
@@ -3118,51 +3111,750 @@
       </p:grpSpPr>
       <p:sp>
         <p:nvSpPr>
-          <p:cNvPr id="2" name="Title 1">
+          <p:cNvPr id="7" name="TextBox 6"/>
+          <p:cNvSpPr txBox="1"/>
+          <p:nvPr/>
+        </p:nvSpPr>
+        <p:spPr>
+          <a:xfrm>
+            <a:off x="541338" y="685800"/>
+            <a:ext cx="5673725" cy="861774"/>
+          </a:xfrm>
+          <a:prstGeom prst="rect">
+            <a:avLst/>
+          </a:prstGeom>
+          <a:noFill/>
+        </p:spPr>
+        <p:txBody>
+          <a:bodyPr>
+            <a:spAutoFit/>
+          </a:bodyPr>
+          <a:lstStyle/>
+          <a:p>
+            <a:pPr>
+              <a:defRPr/>
+            </a:pPr>
+            <a:r>
+              <a:rPr lang="en-US" dirty="0">
+                <a:latin typeface="Calibri" pitchFamily="34" charset="0"/>
+              </a:rPr>
+              <a:t>Course Outline Day </a:t>
+            </a:r>
+            <a:r>
+              <a:rPr lang="en-US" dirty="0" smtClean="0">
+                <a:latin typeface="Calibri" pitchFamily="34" charset="0"/>
+              </a:rPr>
+              <a:t>2</a:t>
+            </a:r>
+            <a:endParaRPr lang="en-US" dirty="0">
+              <a:latin typeface="Calibri" pitchFamily="34" charset="0"/>
+            </a:endParaRPr>
+          </a:p>
+          <a:p>
+            <a:pPr>
+              <a:defRPr/>
+            </a:pPr>
+            <a:endParaRPr lang="en-US" sz="1600" dirty="0">
+              <a:latin typeface="Calibri" pitchFamily="34" charset="0"/>
+            </a:endParaRPr>
+          </a:p>
+          <a:p>
+            <a:pPr marL="342900" indent="-342900">
+              <a:buFontTx/>
+              <a:buAutoNum type="arabicPeriod"/>
+              <a:defRPr/>
+            </a:pPr>
+            <a:endParaRPr lang="en-US" sz="1600" dirty="0">
+              <a:latin typeface="Calibri" pitchFamily="34" charset="0"/>
+            </a:endParaRPr>
+          </a:p>
+        </p:txBody>
+      </p:sp>
+      <p:sp>
+        <p:nvSpPr>
+          <p:cNvPr id="9" name="TextBox 1"/>
+          <p:cNvSpPr txBox="1">
+            <a:spLocks noChangeArrowheads="1"/>
+          </p:cNvSpPr>
+          <p:nvPr/>
+        </p:nvSpPr>
+        <p:spPr bwMode="auto">
+          <a:xfrm>
+            <a:off x="-473075" y="3014662"/>
+            <a:ext cx="3559175" cy="1077218"/>
+          </a:xfrm>
+          <a:prstGeom prst="rect">
+            <a:avLst/>
+          </a:prstGeom>
+          <a:noFill/>
+          <a:ln>
+            <a:noFill/>
+          </a:ln>
+          <a:extLst>
+            <a:ext uri="{909E8E84-426E-40DD-AFC4-6F175D3DCCD1}">
+              <a14:hiddenFill xmlns:a14="http://schemas.microsoft.com/office/drawing/2010/main">
+                <a:solidFill>
+                  <a:srgbClr val="FFFFFF"/>
+                </a:solidFill>
+              </a14:hiddenFill>
+            </a:ext>
+            <a:ext uri="{91240B29-F687-4F45-9708-019B960494DF}">
+              <a14:hiddenLine xmlns:a14="http://schemas.microsoft.com/office/drawing/2010/main" w="9525">
+                <a:solidFill>
+                  <a:srgbClr val="000000"/>
+                </a:solidFill>
+                <a:miter lim="800000"/>
+                <a:headEnd/>
+                <a:tailEnd/>
+              </a14:hiddenLine>
+            </a:ext>
+          </a:extLst>
+        </p:spPr>
+        <p:txBody>
+          <a:bodyPr>
+            <a:spAutoFit/>
+          </a:bodyPr>
+          <a:lstStyle>
+            <a:lvl1pPr marL="342900" indent="-342900" eaLnBrk="0" hangingPunct="0">
+              <a:defRPr sz="2800">
+                <a:solidFill>
+                  <a:schemeClr val="tx1"/>
+                </a:solidFill>
+                <a:latin typeface="Times New Roman" pitchFamily="18" charset="0"/>
+                <a:cs typeface="Angsana New" pitchFamily="18" charset="-34"/>
+              </a:defRPr>
+            </a:lvl1pPr>
+            <a:lvl2pPr marL="742950" indent="-285750" eaLnBrk="0" hangingPunct="0">
+              <a:defRPr sz="2800">
+                <a:solidFill>
+                  <a:schemeClr val="tx1"/>
+                </a:solidFill>
+                <a:latin typeface="Times New Roman" pitchFamily="18" charset="0"/>
+                <a:cs typeface="Angsana New" pitchFamily="18" charset="-34"/>
+              </a:defRPr>
+            </a:lvl2pPr>
+            <a:lvl3pPr marL="1257300" indent="-342900" eaLnBrk="0" hangingPunct="0">
+              <a:defRPr sz="2800">
+                <a:solidFill>
+                  <a:schemeClr val="tx1"/>
+                </a:solidFill>
+                <a:latin typeface="Times New Roman" pitchFamily="18" charset="0"/>
+                <a:cs typeface="Angsana New" pitchFamily="18" charset="-34"/>
+              </a:defRPr>
+            </a:lvl3pPr>
+            <a:lvl4pPr marL="1714500" indent="-342900" eaLnBrk="0" hangingPunct="0">
+              <a:defRPr sz="2800">
+                <a:solidFill>
+                  <a:schemeClr val="tx1"/>
+                </a:solidFill>
+                <a:latin typeface="Times New Roman" pitchFamily="18" charset="0"/>
+                <a:cs typeface="Angsana New" pitchFamily="18" charset="-34"/>
+              </a:defRPr>
+            </a:lvl4pPr>
+            <a:lvl5pPr marL="2057400" indent="-228600" eaLnBrk="0" hangingPunct="0">
+              <a:defRPr sz="2800">
+                <a:solidFill>
+                  <a:schemeClr val="tx1"/>
+                </a:solidFill>
+                <a:latin typeface="Times New Roman" pitchFamily="18" charset="0"/>
+                <a:cs typeface="Angsana New" pitchFamily="18" charset="-34"/>
+              </a:defRPr>
+            </a:lvl5pPr>
+            <a:lvl6pPr marL="2514600" indent="-228600" eaLnBrk="0" fontAlgn="base" hangingPunct="0">
+              <a:spcBef>
+                <a:spcPct val="0"/>
+              </a:spcBef>
+              <a:spcAft>
+                <a:spcPct val="0"/>
+              </a:spcAft>
+              <a:defRPr sz="2800">
+                <a:solidFill>
+                  <a:schemeClr val="tx1"/>
+                </a:solidFill>
+                <a:latin typeface="Times New Roman" pitchFamily="18" charset="0"/>
+                <a:cs typeface="Angsana New" pitchFamily="18" charset="-34"/>
+              </a:defRPr>
+            </a:lvl6pPr>
+            <a:lvl7pPr marL="2971800" indent="-228600" eaLnBrk="0" fontAlgn="base" hangingPunct="0">
+              <a:spcBef>
+                <a:spcPct val="0"/>
+              </a:spcBef>
+              <a:spcAft>
+                <a:spcPct val="0"/>
+              </a:spcAft>
+              <a:defRPr sz="2800">
+                <a:solidFill>
+                  <a:schemeClr val="tx1"/>
+                </a:solidFill>
+                <a:latin typeface="Times New Roman" pitchFamily="18" charset="0"/>
+                <a:cs typeface="Angsana New" pitchFamily="18" charset="-34"/>
+              </a:defRPr>
+            </a:lvl7pPr>
+            <a:lvl8pPr marL="3429000" indent="-228600" eaLnBrk="0" fontAlgn="base" hangingPunct="0">
+              <a:spcBef>
+                <a:spcPct val="0"/>
+              </a:spcBef>
+              <a:spcAft>
+                <a:spcPct val="0"/>
+              </a:spcAft>
+              <a:defRPr sz="2800">
+                <a:solidFill>
+                  <a:schemeClr val="tx1"/>
+                </a:solidFill>
+                <a:latin typeface="Times New Roman" pitchFamily="18" charset="0"/>
+                <a:cs typeface="Angsana New" pitchFamily="18" charset="-34"/>
+              </a:defRPr>
+            </a:lvl8pPr>
+            <a:lvl9pPr marL="3886200" indent="-228600" eaLnBrk="0" fontAlgn="base" hangingPunct="0">
+              <a:spcBef>
+                <a:spcPct val="0"/>
+              </a:spcBef>
+              <a:spcAft>
+                <a:spcPct val="0"/>
+              </a:spcAft>
+              <a:defRPr sz="2800">
+                <a:solidFill>
+                  <a:schemeClr val="tx1"/>
+                </a:solidFill>
+                <a:latin typeface="Times New Roman" pitchFamily="18" charset="0"/>
+                <a:cs typeface="Angsana New" pitchFamily="18" charset="-34"/>
+              </a:defRPr>
+            </a:lvl9pPr>
+          </a:lstStyle>
+          <a:p>
+            <a:pPr lvl="2" eaLnBrk="1" hangingPunct="1">
+              <a:buFont typeface="Arial" pitchFamily="34" charset="0"/>
+              <a:buChar char="•"/>
+            </a:pPr>
+            <a:r>
+              <a:rPr lang="en-US" sz="1600" dirty="0" smtClean="0">
+                <a:latin typeface="Calibri" pitchFamily="34" charset="0"/>
+              </a:rPr>
+              <a:t>Introduction</a:t>
+            </a:r>
+          </a:p>
+          <a:p>
+            <a:pPr lvl="2" eaLnBrk="1" hangingPunct="1">
+              <a:buFont typeface="Arial" pitchFamily="34" charset="0"/>
+              <a:buChar char="•"/>
+            </a:pPr>
+            <a:r>
+              <a:rPr lang="en-US" sz="1600" dirty="0" smtClean="0">
+                <a:latin typeface="Calibri" pitchFamily="34" charset="0"/>
+              </a:rPr>
+              <a:t>Installation</a:t>
+            </a:r>
+          </a:p>
+          <a:p>
+            <a:pPr lvl="2" eaLnBrk="1" hangingPunct="1">
+              <a:buFont typeface="Arial" pitchFamily="34" charset="0"/>
+              <a:buChar char="•"/>
+            </a:pPr>
+            <a:endParaRPr lang="en-US" sz="1600" dirty="0" smtClean="0">
+              <a:latin typeface="Calibri" pitchFamily="34" charset="0"/>
+            </a:endParaRPr>
+          </a:p>
+          <a:p>
+            <a:pPr lvl="2" eaLnBrk="1" hangingPunct="1">
+              <a:buFont typeface="Arial" pitchFamily="34" charset="0"/>
+              <a:buChar char="•"/>
+            </a:pPr>
+            <a:endParaRPr lang="en-US" sz="1600" dirty="0">
+              <a:latin typeface="Calibri" pitchFamily="34" charset="0"/>
+            </a:endParaRPr>
+          </a:p>
+        </p:txBody>
+      </p:sp>
+      <p:sp>
+        <p:nvSpPr>
+          <p:cNvPr id="10" name="TextBox 2"/>
+          <p:cNvSpPr txBox="1">
+            <a:spLocks noChangeArrowheads="1"/>
+          </p:cNvSpPr>
+          <p:nvPr/>
+        </p:nvSpPr>
+        <p:spPr bwMode="auto">
+          <a:xfrm>
+            <a:off x="2438400" y="3001962"/>
+            <a:ext cx="3174267" cy="1446550"/>
+          </a:xfrm>
+          <a:prstGeom prst="rect">
+            <a:avLst/>
+          </a:prstGeom>
+          <a:noFill/>
+          <a:ln>
+            <a:noFill/>
+          </a:ln>
+          <a:extLst>
+            <a:ext uri="{909E8E84-426E-40DD-AFC4-6F175D3DCCD1}">
+              <a14:hiddenFill xmlns:a14="http://schemas.microsoft.com/office/drawing/2010/main">
+                <a:solidFill>
+                  <a:srgbClr val="FFFFFF"/>
+                </a:solidFill>
+              </a14:hiddenFill>
+            </a:ext>
+            <a:ext uri="{91240B29-F687-4F45-9708-019B960494DF}">
+              <a14:hiddenLine xmlns:a14="http://schemas.microsoft.com/office/drawing/2010/main" w="9525">
+                <a:solidFill>
+                  <a:srgbClr val="000000"/>
+                </a:solidFill>
+                <a:miter lim="800000"/>
+                <a:headEnd/>
+                <a:tailEnd/>
+              </a14:hiddenLine>
+            </a:ext>
+          </a:extLst>
+        </p:spPr>
+        <p:txBody>
+          <a:bodyPr wrap="none">
+            <a:spAutoFit/>
+          </a:bodyPr>
+          <a:lstStyle>
+            <a:lvl1pPr eaLnBrk="0" hangingPunct="0">
+              <a:defRPr sz="2800">
+                <a:solidFill>
+                  <a:schemeClr val="tx1"/>
+                </a:solidFill>
+                <a:latin typeface="Times New Roman" pitchFamily="18" charset="0"/>
+                <a:cs typeface="Angsana New" pitchFamily="18" charset="-34"/>
+              </a:defRPr>
+            </a:lvl1pPr>
+            <a:lvl2pPr marL="742950" indent="-285750" eaLnBrk="0" hangingPunct="0">
+              <a:defRPr sz="2800">
+                <a:solidFill>
+                  <a:schemeClr val="tx1"/>
+                </a:solidFill>
+                <a:latin typeface="Times New Roman" pitchFamily="18" charset="0"/>
+                <a:cs typeface="Angsana New" pitchFamily="18" charset="-34"/>
+              </a:defRPr>
+            </a:lvl2pPr>
+            <a:lvl3pPr marL="1257300" indent="-342900" eaLnBrk="0" hangingPunct="0">
+              <a:defRPr sz="2800">
+                <a:solidFill>
+                  <a:schemeClr val="tx1"/>
+                </a:solidFill>
+                <a:latin typeface="Times New Roman" pitchFamily="18" charset="0"/>
+                <a:cs typeface="Angsana New" pitchFamily="18" charset="-34"/>
+              </a:defRPr>
+            </a:lvl3pPr>
+            <a:lvl4pPr marL="1714500" indent="-342900" eaLnBrk="0" hangingPunct="0">
+              <a:defRPr sz="2800">
+                <a:solidFill>
+                  <a:schemeClr val="tx1"/>
+                </a:solidFill>
+                <a:latin typeface="Times New Roman" pitchFamily="18" charset="0"/>
+                <a:cs typeface="Angsana New" pitchFamily="18" charset="-34"/>
+              </a:defRPr>
+            </a:lvl4pPr>
+            <a:lvl5pPr marL="2057400" indent="-228600" eaLnBrk="0" hangingPunct="0">
+              <a:defRPr sz="2800">
+                <a:solidFill>
+                  <a:schemeClr val="tx1"/>
+                </a:solidFill>
+                <a:latin typeface="Times New Roman" pitchFamily="18" charset="0"/>
+                <a:cs typeface="Angsana New" pitchFamily="18" charset="-34"/>
+              </a:defRPr>
+            </a:lvl5pPr>
+            <a:lvl6pPr marL="2514600" indent="-228600" eaLnBrk="0" fontAlgn="base" hangingPunct="0">
+              <a:spcBef>
+                <a:spcPct val="0"/>
+              </a:spcBef>
+              <a:spcAft>
+                <a:spcPct val="0"/>
+              </a:spcAft>
+              <a:defRPr sz="2800">
+                <a:solidFill>
+                  <a:schemeClr val="tx1"/>
+                </a:solidFill>
+                <a:latin typeface="Times New Roman" pitchFamily="18" charset="0"/>
+                <a:cs typeface="Angsana New" pitchFamily="18" charset="-34"/>
+              </a:defRPr>
+            </a:lvl6pPr>
+            <a:lvl7pPr marL="2971800" indent="-228600" eaLnBrk="0" fontAlgn="base" hangingPunct="0">
+              <a:spcBef>
+                <a:spcPct val="0"/>
+              </a:spcBef>
+              <a:spcAft>
+                <a:spcPct val="0"/>
+              </a:spcAft>
+              <a:defRPr sz="2800">
+                <a:solidFill>
+                  <a:schemeClr val="tx1"/>
+                </a:solidFill>
+                <a:latin typeface="Times New Roman" pitchFamily="18" charset="0"/>
+                <a:cs typeface="Angsana New" pitchFamily="18" charset="-34"/>
+              </a:defRPr>
+            </a:lvl7pPr>
+            <a:lvl8pPr marL="3429000" indent="-228600" eaLnBrk="0" fontAlgn="base" hangingPunct="0">
+              <a:spcBef>
+                <a:spcPct val="0"/>
+              </a:spcBef>
+              <a:spcAft>
+                <a:spcPct val="0"/>
+              </a:spcAft>
+              <a:defRPr sz="2800">
+                <a:solidFill>
+                  <a:schemeClr val="tx1"/>
+                </a:solidFill>
+                <a:latin typeface="Times New Roman" pitchFamily="18" charset="0"/>
+                <a:cs typeface="Angsana New" pitchFamily="18" charset="-34"/>
+              </a:defRPr>
+            </a:lvl8pPr>
+            <a:lvl9pPr marL="3886200" indent="-228600" eaLnBrk="0" fontAlgn="base" hangingPunct="0">
+              <a:spcBef>
+                <a:spcPct val="0"/>
+              </a:spcBef>
+              <a:spcAft>
+                <a:spcPct val="0"/>
+              </a:spcAft>
+              <a:defRPr sz="2800">
+                <a:solidFill>
+                  <a:schemeClr val="tx1"/>
+                </a:solidFill>
+                <a:latin typeface="Times New Roman" pitchFamily="18" charset="0"/>
+                <a:cs typeface="Angsana New" pitchFamily="18" charset="-34"/>
+              </a:defRPr>
+            </a:lvl9pPr>
+          </a:lstStyle>
+          <a:p>
+            <a:pPr lvl="2" eaLnBrk="1" hangingPunct="1">
+              <a:buFont typeface="Arial" pitchFamily="34" charset="0"/>
+              <a:buChar char="•"/>
+            </a:pPr>
+            <a:r>
+              <a:rPr lang="en-US" sz="1600" dirty="0" smtClean="0">
+                <a:latin typeface="Calibri" pitchFamily="34" charset="0"/>
+              </a:rPr>
+              <a:t>Installation</a:t>
+            </a:r>
+            <a:endParaRPr lang="en-US" sz="1600" dirty="0">
+              <a:latin typeface="Calibri" pitchFamily="34" charset="0"/>
+            </a:endParaRPr>
+          </a:p>
+          <a:p>
+            <a:pPr lvl="3" eaLnBrk="1" hangingPunct="1">
+              <a:buFont typeface="Arial" charset="0"/>
+              <a:buChar char="•"/>
+            </a:pPr>
+            <a:r>
+              <a:rPr lang="en-US" sz="1600" dirty="0" smtClean="0">
+                <a:latin typeface="Calibri" pitchFamily="34" charset="0"/>
+              </a:rPr>
+              <a:t>Android SDK</a:t>
+            </a:r>
+          </a:p>
+          <a:p>
+            <a:pPr lvl="3" eaLnBrk="1" hangingPunct="1">
+              <a:buFont typeface="Arial" charset="0"/>
+              <a:buChar char="•"/>
+            </a:pPr>
+            <a:r>
+              <a:rPr lang="en-US" sz="1600" dirty="0" smtClean="0">
+                <a:latin typeface="Calibri" pitchFamily="34" charset="0"/>
+              </a:rPr>
+              <a:t>Prepare Device</a:t>
+            </a:r>
+          </a:p>
+          <a:p>
+            <a:pPr lvl="2" eaLnBrk="1" hangingPunct="1">
+              <a:buFont typeface="Arial" charset="0"/>
+              <a:buChar char="•"/>
+            </a:pPr>
+            <a:r>
+              <a:rPr lang="en-US" sz="1600" dirty="0" smtClean="0">
+                <a:latin typeface="Calibri" pitchFamily="34" charset="0"/>
+              </a:rPr>
+              <a:t>Create RF Script</a:t>
+            </a:r>
+            <a:endParaRPr lang="en-US" sz="1600" dirty="0">
+              <a:latin typeface="Calibri" pitchFamily="34" charset="0"/>
+            </a:endParaRPr>
+          </a:p>
+          <a:p>
+            <a:pPr eaLnBrk="1" hangingPunct="1"/>
+            <a:endParaRPr lang="en-US" sz="2400" dirty="0"/>
+          </a:p>
+        </p:txBody>
+      </p:sp>
+      <p:sp>
+        <p:nvSpPr>
+          <p:cNvPr id="12" name="TextBox 3"/>
+          <p:cNvSpPr txBox="1">
+            <a:spLocks noChangeArrowheads="1"/>
+          </p:cNvSpPr>
+          <p:nvPr/>
+        </p:nvSpPr>
+        <p:spPr bwMode="auto">
+          <a:xfrm>
+            <a:off x="5715000" y="3014662"/>
+            <a:ext cx="3429000" cy="707886"/>
+          </a:xfrm>
+          <a:prstGeom prst="rect">
+            <a:avLst/>
+          </a:prstGeom>
+          <a:noFill/>
+          <a:ln>
+            <a:noFill/>
+          </a:ln>
+          <a:extLst>
+            <a:ext uri="{909E8E84-426E-40DD-AFC4-6F175D3DCCD1}">
+              <a14:hiddenFill xmlns:a14="http://schemas.microsoft.com/office/drawing/2010/main">
+                <a:solidFill>
+                  <a:srgbClr val="FFFFFF"/>
+                </a:solidFill>
+              </a14:hiddenFill>
+            </a:ext>
+            <a:ext uri="{91240B29-F687-4F45-9708-019B960494DF}">
+              <a14:hiddenLine xmlns:a14="http://schemas.microsoft.com/office/drawing/2010/main" w="9525">
+                <a:solidFill>
+                  <a:srgbClr val="000000"/>
+                </a:solidFill>
+                <a:miter lim="800000"/>
+                <a:headEnd/>
+                <a:tailEnd/>
+              </a14:hiddenLine>
+            </a:ext>
+          </a:extLst>
+        </p:spPr>
+        <p:txBody>
+          <a:bodyPr wrap="square">
+            <a:spAutoFit/>
+          </a:bodyPr>
+          <a:lstStyle>
+            <a:lvl1pPr eaLnBrk="0" hangingPunct="0">
+              <a:defRPr sz="2800">
+                <a:solidFill>
+                  <a:schemeClr val="tx1"/>
+                </a:solidFill>
+                <a:latin typeface="Times New Roman" pitchFamily="18" charset="0"/>
+                <a:cs typeface="Angsana New" pitchFamily="18" charset="-34"/>
+              </a:defRPr>
+            </a:lvl1pPr>
+            <a:lvl2pPr marL="742950" indent="-285750" eaLnBrk="0" hangingPunct="0">
+              <a:defRPr sz="2800">
+                <a:solidFill>
+                  <a:schemeClr val="tx1"/>
+                </a:solidFill>
+                <a:latin typeface="Times New Roman" pitchFamily="18" charset="0"/>
+                <a:cs typeface="Angsana New" pitchFamily="18" charset="-34"/>
+              </a:defRPr>
+            </a:lvl2pPr>
+            <a:lvl3pPr marL="1257300" indent="-342900" eaLnBrk="0" hangingPunct="0">
+              <a:defRPr sz="2800">
+                <a:solidFill>
+                  <a:schemeClr val="tx1"/>
+                </a:solidFill>
+                <a:latin typeface="Times New Roman" pitchFamily="18" charset="0"/>
+                <a:cs typeface="Angsana New" pitchFamily="18" charset="-34"/>
+              </a:defRPr>
+            </a:lvl3pPr>
+            <a:lvl4pPr marL="1714500" indent="-342900" eaLnBrk="0" hangingPunct="0">
+              <a:defRPr sz="2800">
+                <a:solidFill>
+                  <a:schemeClr val="tx1"/>
+                </a:solidFill>
+                <a:latin typeface="Times New Roman" pitchFamily="18" charset="0"/>
+                <a:cs typeface="Angsana New" pitchFamily="18" charset="-34"/>
+              </a:defRPr>
+            </a:lvl4pPr>
+            <a:lvl5pPr marL="2057400" indent="-228600" eaLnBrk="0" hangingPunct="0">
+              <a:defRPr sz="2800">
+                <a:solidFill>
+                  <a:schemeClr val="tx1"/>
+                </a:solidFill>
+                <a:latin typeface="Times New Roman" pitchFamily="18" charset="0"/>
+                <a:cs typeface="Angsana New" pitchFamily="18" charset="-34"/>
+              </a:defRPr>
+            </a:lvl5pPr>
+            <a:lvl6pPr marL="2514600" indent="-228600" eaLnBrk="0" fontAlgn="base" hangingPunct="0">
+              <a:spcBef>
+                <a:spcPct val="0"/>
+              </a:spcBef>
+              <a:spcAft>
+                <a:spcPct val="0"/>
+              </a:spcAft>
+              <a:defRPr sz="2800">
+                <a:solidFill>
+                  <a:schemeClr val="tx1"/>
+                </a:solidFill>
+                <a:latin typeface="Times New Roman" pitchFamily="18" charset="0"/>
+                <a:cs typeface="Angsana New" pitchFamily="18" charset="-34"/>
+              </a:defRPr>
+            </a:lvl6pPr>
+            <a:lvl7pPr marL="2971800" indent="-228600" eaLnBrk="0" fontAlgn="base" hangingPunct="0">
+              <a:spcBef>
+                <a:spcPct val="0"/>
+              </a:spcBef>
+              <a:spcAft>
+                <a:spcPct val="0"/>
+              </a:spcAft>
+              <a:defRPr sz="2800">
+                <a:solidFill>
+                  <a:schemeClr val="tx1"/>
+                </a:solidFill>
+                <a:latin typeface="Times New Roman" pitchFamily="18" charset="0"/>
+                <a:cs typeface="Angsana New" pitchFamily="18" charset="-34"/>
+              </a:defRPr>
+            </a:lvl7pPr>
+            <a:lvl8pPr marL="3429000" indent="-228600" eaLnBrk="0" fontAlgn="base" hangingPunct="0">
+              <a:spcBef>
+                <a:spcPct val="0"/>
+              </a:spcBef>
+              <a:spcAft>
+                <a:spcPct val="0"/>
+              </a:spcAft>
+              <a:defRPr sz="2800">
+                <a:solidFill>
+                  <a:schemeClr val="tx1"/>
+                </a:solidFill>
+                <a:latin typeface="Times New Roman" pitchFamily="18" charset="0"/>
+                <a:cs typeface="Angsana New" pitchFamily="18" charset="-34"/>
+              </a:defRPr>
+            </a:lvl8pPr>
+            <a:lvl9pPr marL="3886200" indent="-228600" eaLnBrk="0" fontAlgn="base" hangingPunct="0">
+              <a:spcBef>
+                <a:spcPct val="0"/>
+              </a:spcBef>
+              <a:spcAft>
+                <a:spcPct val="0"/>
+              </a:spcAft>
+              <a:defRPr sz="2800">
+                <a:solidFill>
+                  <a:schemeClr val="tx1"/>
+                </a:solidFill>
+                <a:latin typeface="Times New Roman" pitchFamily="18" charset="0"/>
+                <a:cs typeface="Angsana New" pitchFamily="18" charset="-34"/>
+              </a:defRPr>
+            </a:lvl9pPr>
+          </a:lstStyle>
+          <a:p>
+            <a:pPr lvl="2" eaLnBrk="1" hangingPunct="1">
+              <a:buFont typeface="Arial" pitchFamily="34" charset="0"/>
+              <a:buChar char="•"/>
+            </a:pPr>
+            <a:r>
+              <a:rPr lang="en-US" sz="1600" dirty="0" smtClean="0">
+                <a:latin typeface="Calibri" pitchFamily="34" charset="0"/>
+              </a:rPr>
+              <a:t>Demo</a:t>
+            </a:r>
+            <a:endParaRPr lang="en-US" sz="1600" dirty="0">
+              <a:latin typeface="Calibri" pitchFamily="34" charset="0"/>
+            </a:endParaRPr>
+          </a:p>
+          <a:p>
+            <a:pPr eaLnBrk="1" hangingPunct="1"/>
+            <a:endParaRPr lang="en-US" sz="2400" dirty="0"/>
+          </a:p>
+        </p:txBody>
+      </p:sp>
+      <p:pic>
+        <p:nvPicPr>
+          <p:cNvPr id="2" name="Picture 1"/>
+          <p:cNvPicPr>
+            <a:picLocks noChangeAspect="1"/>
+          </p:cNvPicPr>
+          <p:nvPr/>
+        </p:nvPicPr>
+        <p:blipFill>
+          <a:blip r:embed="rId2">
             <a:extLst>
-              <a:ext uri="{FF2B5EF4-FFF2-40B4-BE49-F238E27FC236}">
-                <a16:creationId xmlns:a16="http://schemas.microsoft.com/office/drawing/2014/main" id="{0266D3F6-82D5-437B-AC00-2DDC88D276F7}"/>
+              <a:ext uri="{28A0092B-C50C-407E-A947-70E740481C1C}">
+                <a14:useLocalDpi xmlns:a14="http://schemas.microsoft.com/office/drawing/2010/main" val="0"/>
               </a:ext>
             </a:extLst>
-          </p:cNvPr>
-          <p:cNvSpPr>
-            <a:spLocks noGrp="1"/>
-          </p:cNvSpPr>
-          <p:nvPr>
-            <p:ph type="title"/>
-          </p:nvPr>
-        </p:nvSpPr>
-        <p:spPr>
-          <a:xfrm>
-            <a:off x="457200" y="2743200"/>
-            <a:ext cx="8229600" cy="1143000"/>
-          </a:xfrm>
-        </p:spPr>
-        <p:txBody>
-          <a:bodyPr/>
-          <a:lstStyle/>
-          <a:p>
-            <a:r>
-              <a:rPr lang="en-US" dirty="0">
-                <a:solidFill>
-                  <a:schemeClr val="bg1"/>
-                </a:solidFill>
-              </a:rPr>
-              <a:t>Automated Android  App</a:t>
-            </a:r>
-          </a:p>
-        </p:txBody>
-      </p:sp>
+          </a:blip>
+          <a:stretch>
+            <a:fillRect/>
+          </a:stretch>
+        </p:blipFill>
+        <p:spPr>
+          <a:xfrm>
+            <a:off x="2926655" y="1265513"/>
+            <a:ext cx="2906903" cy="1514206"/>
+          </a:xfrm>
+          <a:prstGeom prst="rect">
+            <a:avLst/>
+          </a:prstGeom>
+        </p:spPr>
+      </p:pic>
+      <p:pic>
+        <p:nvPicPr>
+          <p:cNvPr id="4" name="Picture 3"/>
+          <p:cNvPicPr>
+            <a:picLocks noChangeAspect="1"/>
+          </p:cNvPicPr>
+          <p:nvPr/>
+        </p:nvPicPr>
+        <p:blipFill>
+          <a:blip r:embed="rId3">
+            <a:extLst>
+              <a:ext uri="{28A0092B-C50C-407E-A947-70E740481C1C}">
+                <a14:useLocalDpi xmlns:a14="http://schemas.microsoft.com/office/drawing/2010/main" val="0"/>
+              </a:ext>
+            </a:extLst>
+          </a:blip>
+          <a:stretch>
+            <a:fillRect/>
+          </a:stretch>
+        </p:blipFill>
+        <p:spPr>
+          <a:xfrm>
+            <a:off x="6400800" y="1479076"/>
+            <a:ext cx="1941214" cy="1087080"/>
+          </a:xfrm>
+          <a:prstGeom prst="rect">
+            <a:avLst/>
+          </a:prstGeom>
+        </p:spPr>
+      </p:pic>
+      <p:pic>
+        <p:nvPicPr>
+          <p:cNvPr id="5" name="Picture 4"/>
+          <p:cNvPicPr>
+            <a:picLocks noChangeAspect="1"/>
+          </p:cNvPicPr>
+          <p:nvPr/>
+        </p:nvPicPr>
+        <p:blipFill>
+          <a:blip r:embed="rId4">
+            <a:extLst>
+              <a:ext uri="{28A0092B-C50C-407E-A947-70E740481C1C}">
+                <a14:useLocalDpi xmlns:a14="http://schemas.microsoft.com/office/drawing/2010/main" val="0"/>
+              </a:ext>
+            </a:extLst>
+          </a:blip>
+          <a:stretch>
+            <a:fillRect/>
+          </a:stretch>
+        </p:blipFill>
+        <p:spPr>
+          <a:xfrm>
+            <a:off x="914400" y="1602602"/>
+            <a:ext cx="1751992" cy="1002824"/>
+          </a:xfrm>
+          <a:prstGeom prst="rect">
+            <a:avLst/>
+          </a:prstGeom>
+        </p:spPr>
+      </p:pic>
     </p:spTree>
     <p:extLst>
       <p:ext uri="{BB962C8B-B14F-4D97-AF65-F5344CB8AC3E}">
-        <p14:creationId xmlns:p14="http://schemas.microsoft.com/office/powerpoint/2010/main" val="38374196"/>
+        <p14:creationId xmlns:p14="http://schemas.microsoft.com/office/powerpoint/2010/main" val="4144876323"/>
       </p:ext>
     </p:extLst>
   </p:cSld>
   <p:clrMapOvr>
     <a:masterClrMapping/>
   </p:clrMapOvr>
+  <p:timing>
+    <p:tnLst>
+      <p:par>
+        <p:cTn id="1" dur="indefinite" restart="never" nodeType="tmRoot"/>
+      </p:par>
+    </p:tnLst>
+  </p:timing>
 </p:sld>
 </file>
 
@@ -3211,7 +3903,7 @@
                 <a:latin typeface="Arial" pitchFamily="34" charset="0"/>
                 <a:cs typeface="Arial" pitchFamily="34" charset="0"/>
               </a:rPr>
-              <a:t>How does Appium do?</a:t>
+              <a:t>What is Appium?</a:t>
             </a:r>
           </a:p>
         </p:txBody>
@@ -3248,7 +3940,58 @@
                 <a:latin typeface="Arial" pitchFamily="34" charset="0"/>
                 <a:cs typeface="Arial" pitchFamily="34" charset="0"/>
               </a:rPr>
-              <a:t>Receive connection from client</a:t>
+              <a:t>Appium is an open-source tool for automating </a:t>
+            </a:r>
+            <a:r>
+              <a:rPr lang="en-US" sz="2000" b="1" dirty="0">
+                <a:solidFill>
+                  <a:schemeClr val="tx2"/>
+                </a:solidFill>
+                <a:latin typeface="Arial" pitchFamily="34" charset="0"/>
+                <a:cs typeface="Arial" pitchFamily="34" charset="0"/>
+              </a:rPr>
+              <a:t>native</a:t>
+            </a:r>
+            <a:r>
+              <a:rPr lang="en-US" sz="2000" dirty="0">
+                <a:latin typeface="Arial" pitchFamily="34" charset="0"/>
+                <a:cs typeface="Arial" pitchFamily="34" charset="0"/>
+              </a:rPr>
+              <a:t>, </a:t>
+            </a:r>
+            <a:r>
+              <a:rPr lang="en-US" sz="2000" b="1" dirty="0">
+                <a:solidFill>
+                  <a:schemeClr val="tx2"/>
+                </a:solidFill>
+                <a:latin typeface="Arial" pitchFamily="34" charset="0"/>
+                <a:cs typeface="Arial" pitchFamily="34" charset="0"/>
+              </a:rPr>
+              <a:t>mobile web</a:t>
+            </a:r>
+            <a:r>
+              <a:rPr lang="en-US" sz="2000" dirty="0">
+                <a:latin typeface="Arial" pitchFamily="34" charset="0"/>
+                <a:cs typeface="Arial" pitchFamily="34" charset="0"/>
+              </a:rPr>
+              <a:t>, and </a:t>
+            </a:r>
+            <a:r>
+              <a:rPr lang="en-US" sz="2000" b="1" dirty="0">
+                <a:solidFill>
+                  <a:schemeClr val="tx2"/>
+                </a:solidFill>
+                <a:latin typeface="Arial" pitchFamily="34" charset="0"/>
+                <a:cs typeface="Arial" pitchFamily="34" charset="0"/>
+              </a:rPr>
+              <a:t>hybrid applications</a:t>
+            </a:r>
+            <a:r>
+              <a:rPr lang="en-US" sz="1600" dirty="0">
+                <a:latin typeface="Arial" pitchFamily="34" charset="0"/>
+                <a:cs typeface="Arial" pitchFamily="34" charset="0"/>
+              </a:rPr>
+              <a:t>.</a:t>
             </a:r>
           </a:p>
           <a:p>
@@ -3262,7 +4005,41 @@
                 <a:latin typeface="Arial" pitchFamily="34" charset="0"/>
                 <a:cs typeface="Arial" pitchFamily="34" charset="0"/>
               </a:rPr>
-              <a:t>Listen command</a:t>
+              <a:t>It allows you to run the automated tests on </a:t>
+            </a:r>
+            <a:r>
+              <a:rPr lang="en-US" sz="2000" b="1" dirty="0">
+                <a:solidFill>
+                  <a:schemeClr val="tx2"/>
+                </a:solidFill>
+                <a:latin typeface="Arial" pitchFamily="34" charset="0"/>
+                <a:cs typeface="Arial" pitchFamily="34" charset="0"/>
+              </a:rPr>
+              <a:t>real devices</a:t>
+            </a:r>
+            <a:r>
+              <a:rPr lang="en-US" sz="2000" dirty="0">
+                <a:latin typeface="Arial" pitchFamily="34" charset="0"/>
+                <a:cs typeface="Arial" pitchFamily="34" charset="0"/>
+              </a:rPr>
+              <a:t>, or </a:t>
+            </a:r>
+            <a:r>
+              <a:rPr lang="en-US" sz="2000" b="1" dirty="0">
+                <a:solidFill>
+                  <a:schemeClr val="tx2"/>
+                </a:solidFill>
+                <a:latin typeface="Arial" pitchFamily="34" charset="0"/>
+                <a:cs typeface="Arial" pitchFamily="34" charset="0"/>
+              </a:rPr>
+              <a:t>simulators</a:t>
+            </a:r>
+            <a:r>
+              <a:rPr lang="en-US" sz="2000" dirty="0">
+                <a:latin typeface="Arial" pitchFamily="34" charset="0"/>
+                <a:cs typeface="Arial" pitchFamily="34" charset="0"/>
+              </a:rPr>
+              <a:t>.</a:t>
             </a:r>
           </a:p>
           <a:p>
@@ -3276,7 +4053,34 @@
                 <a:latin typeface="Arial" pitchFamily="34" charset="0"/>
                 <a:cs typeface="Arial" pitchFamily="34" charset="0"/>
               </a:rPr>
-              <a:t>Execute command</a:t>
+              <a:t>Support both </a:t>
+            </a:r>
+            <a:r>
+              <a:rPr lang="en-US" sz="2000" b="1" dirty="0">
+                <a:solidFill>
+                  <a:schemeClr val="tx2"/>
+                </a:solidFill>
+                <a:latin typeface="Arial" pitchFamily="34" charset="0"/>
+                <a:cs typeface="Arial" pitchFamily="34" charset="0"/>
+              </a:rPr>
+              <a:t>iOS</a:t>
+            </a:r>
+            <a:r>
+              <a:rPr lang="en-US" sz="2000" dirty="0">
+                <a:latin typeface="Arial" pitchFamily="34" charset="0"/>
+                <a:cs typeface="Arial" pitchFamily="34" charset="0"/>
+              </a:rPr>
+              <a:t> and </a:t>
+            </a:r>
+            <a:r>
+              <a:rPr lang="en-US" sz="2000" b="1" dirty="0">
+                <a:solidFill>
+                  <a:schemeClr val="tx2"/>
+                </a:solidFill>
+                <a:latin typeface="Arial" pitchFamily="34" charset="0"/>
+                <a:cs typeface="Arial" pitchFamily="34" charset="0"/>
+              </a:rPr>
+              <a:t>Android</a:t>
             </a:r>
           </a:p>
           <a:p>
@@ -3290,7 +4094,24 @@
                 <a:latin typeface="Arial" pitchFamily="34" charset="0"/>
                 <a:cs typeface="Arial" pitchFamily="34" charset="0"/>
               </a:rPr>
-              <a:t>Response back the command execution status </a:t>
+              <a:t>And also you can use </a:t>
+            </a:r>
+            <a:r>
+              <a:rPr lang="en-US" sz="2000" b="1" dirty="0">
+                <a:solidFill>
+                  <a:schemeClr val="tx2"/>
+                </a:solidFill>
+                <a:latin typeface="Arial" pitchFamily="34" charset="0"/>
+                <a:cs typeface="Arial" pitchFamily="34" charset="0"/>
+              </a:rPr>
+              <a:t>Robot Framework</a:t>
+            </a:r>
+            <a:r>
+              <a:rPr lang="en-US" sz="2000" dirty="0">
+                <a:latin typeface="Arial" pitchFamily="34" charset="0"/>
+                <a:cs typeface="Arial" pitchFamily="34" charset="0"/>
+              </a:rPr>
+              <a:t> to create automation script</a:t>
             </a:r>
           </a:p>
         </p:txBody>
@@ -3300,7 +4121,7 @@
           <p:cNvPr id="5" name="Picture 4">
             <a:extLst>
               <a:ext uri="{FF2B5EF4-FFF2-40B4-BE49-F238E27FC236}">
-                <a16:creationId xmlns:a16="http://schemas.microsoft.com/office/drawing/2014/main" id="{A38B38B8-2F36-4293-88D9-3F5FC9648DC2}"/>
+                <a16:creationId xmlns:a16="http://schemas.microsoft.com/office/drawing/2014/main" xmlns="" id="{A38B38B8-2F36-4293-88D9-3F5FC9648DC2}"/>
               </a:ext>
             </a:extLst>
           </p:cNvPr>
@@ -3323,7 +4144,7 @@
         </p:blipFill>
         <p:spPr>
           <a:xfrm>
-            <a:off x="3757563" y="4467126"/>
+            <a:off x="4267200" y="4905475"/>
             <a:ext cx="1019274" cy="1019274"/>
           </a:xfrm>
           <a:prstGeom prst="rect">
@@ -3331,454 +4152,10 @@
           </a:prstGeom>
         </p:spPr>
       </p:pic>
-      <p:pic>
-        <p:nvPicPr>
-          <p:cNvPr id="6" name="Picture 5">
-            <a:extLst>
-              <a:ext uri="{FF2B5EF4-FFF2-40B4-BE49-F238E27FC236}">
-                <a16:creationId xmlns:a16="http://schemas.microsoft.com/office/drawing/2014/main" id="{5AAB1CE1-5824-4F88-9357-B13FD374AFE6}"/>
-              </a:ext>
-            </a:extLst>
-          </p:cNvPr>
-          <p:cNvPicPr>
-            <a:picLocks noChangeAspect="1"/>
-          </p:cNvPicPr>
-          <p:nvPr/>
-        </p:nvPicPr>
-        <p:blipFill>
-          <a:blip r:embed="rId3" cstate="print">
-            <a:extLst>
-              <a:ext uri="{28A0092B-C50C-407E-A947-70E740481C1C}">
-                <a14:useLocalDpi xmlns:a14="http://schemas.microsoft.com/office/drawing/2010/main" val="0"/>
-              </a:ext>
-            </a:extLst>
-          </a:blip>
-          <a:stretch>
-            <a:fillRect/>
-          </a:stretch>
-        </p:blipFill>
-        <p:spPr>
-          <a:xfrm>
-            <a:off x="1066800" y="4564524"/>
-            <a:ext cx="845676" cy="845676"/>
-          </a:xfrm>
-          <a:prstGeom prst="rect">
-            <a:avLst/>
-          </a:prstGeom>
-        </p:spPr>
-      </p:pic>
-      <p:pic>
-        <p:nvPicPr>
-          <p:cNvPr id="10" name="Picture 9">
-            <a:extLst>
-              <a:ext uri="{FF2B5EF4-FFF2-40B4-BE49-F238E27FC236}">
-                <a16:creationId xmlns:a16="http://schemas.microsoft.com/office/drawing/2014/main" id="{25D1B5FD-E0AD-4A26-B5A8-A862E857F9A4}"/>
-              </a:ext>
-            </a:extLst>
-          </p:cNvPr>
-          <p:cNvPicPr>
-            <a:picLocks noChangeAspect="1"/>
-          </p:cNvPicPr>
-          <p:nvPr/>
-        </p:nvPicPr>
-        <p:blipFill>
-          <a:blip r:embed="rId4" cstate="print">
-            <a:extLst>
-              <a:ext uri="{28A0092B-C50C-407E-A947-70E740481C1C}">
-                <a14:useLocalDpi xmlns:a14="http://schemas.microsoft.com/office/drawing/2010/main" val="0"/>
-              </a:ext>
-            </a:extLst>
-          </a:blip>
-          <a:stretch>
-            <a:fillRect/>
-          </a:stretch>
-        </p:blipFill>
-        <p:spPr>
-          <a:xfrm>
-            <a:off x="7315200" y="4519563"/>
-            <a:ext cx="914400" cy="914400"/>
-          </a:xfrm>
-          <a:prstGeom prst="rect">
-            <a:avLst/>
-          </a:prstGeom>
-        </p:spPr>
-      </p:pic>
-      <p:pic>
-        <p:nvPicPr>
-          <p:cNvPr id="12" name="Picture 11">
-            <a:extLst>
-              <a:ext uri="{FF2B5EF4-FFF2-40B4-BE49-F238E27FC236}">
-                <a16:creationId xmlns:a16="http://schemas.microsoft.com/office/drawing/2014/main" id="{D930F063-0DA2-4988-9599-4B97544A766F}"/>
-              </a:ext>
-            </a:extLst>
-          </p:cNvPr>
-          <p:cNvPicPr>
-            <a:picLocks noChangeAspect="1"/>
-          </p:cNvPicPr>
-          <p:nvPr/>
-        </p:nvPicPr>
-        <p:blipFill>
-          <a:blip r:embed="rId5">
-            <a:extLst>
-              <a:ext uri="{28A0092B-C50C-407E-A947-70E740481C1C}">
-                <a14:useLocalDpi xmlns:a14="http://schemas.microsoft.com/office/drawing/2010/main" val="0"/>
-              </a:ext>
-            </a:extLst>
-          </a:blip>
-          <a:stretch>
-            <a:fillRect/>
-          </a:stretch>
-        </p:blipFill>
-        <p:spPr>
-          <a:xfrm>
-            <a:off x="6309784" y="4426034"/>
-            <a:ext cx="1024036" cy="1024036"/>
-          </a:xfrm>
-          <a:prstGeom prst="rect">
-            <a:avLst/>
-          </a:prstGeom>
-        </p:spPr>
-      </p:pic>
-      <p:sp>
-        <p:nvSpPr>
-          <p:cNvPr id="13" name="Arrow: Curved Down 12">
-            <a:extLst>
-              <a:ext uri="{FF2B5EF4-FFF2-40B4-BE49-F238E27FC236}">
-                <a16:creationId xmlns:a16="http://schemas.microsoft.com/office/drawing/2014/main" id="{0476FFDE-8C67-4A66-BEDF-5D025DAD5477}"/>
-              </a:ext>
-            </a:extLst>
-          </p:cNvPr>
-          <p:cNvSpPr/>
-          <p:nvPr/>
-        </p:nvSpPr>
-        <p:spPr>
-          <a:xfrm>
-            <a:off x="2086074" y="4267200"/>
-            <a:ext cx="1671489" cy="381000"/>
-          </a:xfrm>
-          <a:prstGeom prst="curvedDownArrow">
-            <a:avLst/>
-          </a:prstGeom>
-          <a:solidFill>
-            <a:schemeClr val="tx2"/>
-          </a:solidFill>
-        </p:spPr>
-        <p:style>
-          <a:lnRef idx="2">
-            <a:schemeClr val="dk1">
-              <a:shade val="50000"/>
-            </a:schemeClr>
-          </a:lnRef>
-          <a:fillRef idx="1">
-            <a:schemeClr val="dk1"/>
-          </a:fillRef>
-          <a:effectRef idx="0">
-            <a:schemeClr val="dk1"/>
-          </a:effectRef>
-          <a:fontRef idx="minor">
-            <a:schemeClr val="lt1"/>
-          </a:fontRef>
-        </p:style>
-        <p:txBody>
-          <a:bodyPr rtlCol="0" anchor="ctr"/>
-          <a:lstStyle/>
-          <a:p>
-            <a:pPr algn="ctr"/>
-            <a:endParaRPr lang="en-US">
-              <a:solidFill>
-                <a:schemeClr val="tx1"/>
-              </a:solidFill>
-            </a:endParaRPr>
-          </a:p>
-        </p:txBody>
-      </p:sp>
-      <p:sp>
-        <p:nvSpPr>
-          <p:cNvPr id="14" name="Arrow: Curved Down 13">
-            <a:extLst>
-              <a:ext uri="{FF2B5EF4-FFF2-40B4-BE49-F238E27FC236}">
-                <a16:creationId xmlns:a16="http://schemas.microsoft.com/office/drawing/2014/main" id="{81C21EA8-58BF-45C7-8326-717AD6ACDB49}"/>
-              </a:ext>
-            </a:extLst>
-          </p:cNvPr>
-          <p:cNvSpPr/>
-          <p:nvPr/>
-        </p:nvSpPr>
-        <p:spPr>
-          <a:xfrm rot="10800000">
-            <a:off x="2057401" y="5410199"/>
-            <a:ext cx="1671489" cy="381000"/>
-          </a:xfrm>
-          <a:prstGeom prst="curvedDownArrow">
-            <a:avLst/>
-          </a:prstGeom>
-          <a:solidFill>
-            <a:schemeClr val="tx2"/>
-          </a:solidFill>
-        </p:spPr>
-        <p:style>
-          <a:lnRef idx="2">
-            <a:schemeClr val="dk1">
-              <a:shade val="50000"/>
-            </a:schemeClr>
-          </a:lnRef>
-          <a:fillRef idx="1">
-            <a:schemeClr val="dk1"/>
-          </a:fillRef>
-          <a:effectRef idx="0">
-            <a:schemeClr val="dk1"/>
-          </a:effectRef>
-          <a:fontRef idx="minor">
-            <a:schemeClr val="lt1"/>
-          </a:fontRef>
-        </p:style>
-        <p:txBody>
-          <a:bodyPr rtlCol="0" anchor="ctr"/>
-          <a:lstStyle/>
-          <a:p>
-            <a:pPr algn="ctr"/>
-            <a:endParaRPr lang="en-US">
-              <a:solidFill>
-                <a:schemeClr val="tx1"/>
-              </a:solidFill>
-            </a:endParaRPr>
-          </a:p>
-        </p:txBody>
-      </p:sp>
-      <p:sp>
-        <p:nvSpPr>
-          <p:cNvPr id="15" name="Arrow: Curved Down 14">
-            <a:extLst>
-              <a:ext uri="{FF2B5EF4-FFF2-40B4-BE49-F238E27FC236}">
-                <a16:creationId xmlns:a16="http://schemas.microsoft.com/office/drawing/2014/main" id="{D50FA253-097B-410C-B357-C4B1A070EEEB}"/>
-              </a:ext>
-            </a:extLst>
-          </p:cNvPr>
-          <p:cNvSpPr/>
-          <p:nvPr/>
-        </p:nvSpPr>
-        <p:spPr>
-          <a:xfrm>
-            <a:off x="4724400" y="4259723"/>
-            <a:ext cx="1671489" cy="381000"/>
-          </a:xfrm>
-          <a:prstGeom prst="curvedDownArrow">
-            <a:avLst/>
-          </a:prstGeom>
-          <a:solidFill>
-            <a:schemeClr val="tx2"/>
-          </a:solidFill>
-        </p:spPr>
-        <p:style>
-          <a:lnRef idx="2">
-            <a:schemeClr val="dk1">
-              <a:shade val="50000"/>
-            </a:schemeClr>
-          </a:lnRef>
-          <a:fillRef idx="1">
-            <a:schemeClr val="dk1"/>
-          </a:fillRef>
-          <a:effectRef idx="0">
-            <a:schemeClr val="dk1"/>
-          </a:effectRef>
-          <a:fontRef idx="minor">
-            <a:schemeClr val="lt1"/>
-          </a:fontRef>
-        </p:style>
-        <p:txBody>
-          <a:bodyPr rtlCol="0" anchor="ctr"/>
-          <a:lstStyle/>
-          <a:p>
-            <a:pPr algn="ctr"/>
-            <a:endParaRPr lang="en-US">
-              <a:solidFill>
-                <a:schemeClr val="tx1"/>
-              </a:solidFill>
-            </a:endParaRPr>
-          </a:p>
-        </p:txBody>
-      </p:sp>
-      <p:sp>
-        <p:nvSpPr>
-          <p:cNvPr id="16" name="Arrow: Curved Down 15">
-            <a:extLst>
-              <a:ext uri="{FF2B5EF4-FFF2-40B4-BE49-F238E27FC236}">
-                <a16:creationId xmlns:a16="http://schemas.microsoft.com/office/drawing/2014/main" id="{5D5B6792-A694-429D-9CE3-0EB70FA2CFB1}"/>
-              </a:ext>
-            </a:extLst>
-          </p:cNvPr>
-          <p:cNvSpPr/>
-          <p:nvPr/>
-        </p:nvSpPr>
-        <p:spPr>
-          <a:xfrm rot="10800000">
-            <a:off x="4733827" y="5410199"/>
-            <a:ext cx="1671489" cy="381000"/>
-          </a:xfrm>
-          <a:prstGeom prst="curvedDownArrow">
-            <a:avLst/>
-          </a:prstGeom>
-          <a:solidFill>
-            <a:schemeClr val="tx2"/>
-          </a:solidFill>
-        </p:spPr>
-        <p:style>
-          <a:lnRef idx="2">
-            <a:schemeClr val="dk1">
-              <a:shade val="50000"/>
-            </a:schemeClr>
-          </a:lnRef>
-          <a:fillRef idx="1">
-            <a:schemeClr val="dk1"/>
-          </a:fillRef>
-          <a:effectRef idx="0">
-            <a:schemeClr val="dk1"/>
-          </a:effectRef>
-          <a:fontRef idx="minor">
-            <a:schemeClr val="lt1"/>
-          </a:fontRef>
-        </p:style>
-        <p:txBody>
-          <a:bodyPr rtlCol="0" anchor="ctr"/>
-          <a:lstStyle/>
-          <a:p>
-            <a:pPr algn="ctr"/>
-            <a:endParaRPr lang="en-US">
-              <a:solidFill>
-                <a:schemeClr val="tx1"/>
-              </a:solidFill>
-            </a:endParaRPr>
-          </a:p>
-        </p:txBody>
-      </p:sp>
-      <p:sp>
-        <p:nvSpPr>
-          <p:cNvPr id="17" name="TextBox 16">
-            <a:extLst>
-              <a:ext uri="{FF2B5EF4-FFF2-40B4-BE49-F238E27FC236}">
-                <a16:creationId xmlns:a16="http://schemas.microsoft.com/office/drawing/2014/main" id="{9A3141F0-D871-4075-B80D-A9B7D111C010}"/>
-              </a:ext>
-            </a:extLst>
-          </p:cNvPr>
-          <p:cNvSpPr txBox="1"/>
-          <p:nvPr/>
-        </p:nvSpPr>
-        <p:spPr>
-          <a:xfrm>
-            <a:off x="762000" y="5638800"/>
-            <a:ext cx="1404552" cy="461665"/>
-          </a:xfrm>
-          <a:prstGeom prst="rect">
-            <a:avLst/>
-          </a:prstGeom>
-          <a:noFill/>
-        </p:spPr>
-        <p:txBody>
-          <a:bodyPr wrap="none" rtlCol="0">
-            <a:spAutoFit/>
-          </a:bodyPr>
-          <a:lstStyle/>
-          <a:p>
-            <a:r>
-              <a:rPr lang="en-US" sz="1200" dirty="0">
-                <a:latin typeface="Arial" panose="020B0604020202020204" pitchFamily="34" charset="0"/>
-                <a:cs typeface="Arial" panose="020B0604020202020204" pitchFamily="34" charset="0"/>
-              </a:rPr>
-              <a:t>Robot Framework</a:t>
-            </a:r>
-          </a:p>
-          <a:p>
-            <a:pPr algn="ctr"/>
-            <a:r>
-              <a:rPr lang="en-US" sz="1200" dirty="0">
-                <a:latin typeface="Arial" panose="020B0604020202020204" pitchFamily="34" charset="0"/>
-                <a:cs typeface="Arial" panose="020B0604020202020204" pitchFamily="34" charset="0"/>
-              </a:rPr>
-              <a:t>Script</a:t>
-            </a:r>
-          </a:p>
-        </p:txBody>
-      </p:sp>
-      <p:sp>
-        <p:nvSpPr>
-          <p:cNvPr id="18" name="TextBox 17">
-            <a:extLst>
-              <a:ext uri="{FF2B5EF4-FFF2-40B4-BE49-F238E27FC236}">
-                <a16:creationId xmlns:a16="http://schemas.microsoft.com/office/drawing/2014/main" id="{6A2745A3-AFD8-445D-B314-C1E8837A3650}"/>
-              </a:ext>
-            </a:extLst>
-          </p:cNvPr>
-          <p:cNvSpPr txBox="1"/>
-          <p:nvPr/>
-        </p:nvSpPr>
-        <p:spPr>
-          <a:xfrm>
-            <a:off x="3611866" y="5693803"/>
-            <a:ext cx="1199367" cy="276999"/>
-          </a:xfrm>
-          <a:prstGeom prst="rect">
-            <a:avLst/>
-          </a:prstGeom>
-          <a:noFill/>
-        </p:spPr>
-        <p:txBody>
-          <a:bodyPr wrap="none" rtlCol="0">
-            <a:spAutoFit/>
-          </a:bodyPr>
-          <a:lstStyle/>
-          <a:p>
-            <a:r>
-              <a:rPr lang="en-US" sz="1200" dirty="0">
-                <a:latin typeface="Arial" panose="020B0604020202020204" pitchFamily="34" charset="0"/>
-                <a:cs typeface="Arial" panose="020B0604020202020204" pitchFamily="34" charset="0"/>
-              </a:rPr>
-              <a:t>Appium Server</a:t>
-            </a:r>
-          </a:p>
-        </p:txBody>
-      </p:sp>
-      <p:sp>
-        <p:nvSpPr>
-          <p:cNvPr id="19" name="TextBox 18">
-            <a:extLst>
-              <a:ext uri="{FF2B5EF4-FFF2-40B4-BE49-F238E27FC236}">
-                <a16:creationId xmlns:a16="http://schemas.microsoft.com/office/drawing/2014/main" id="{F7E808B9-0987-4005-B506-7560BBB4367C}"/>
-              </a:ext>
-            </a:extLst>
-          </p:cNvPr>
-          <p:cNvSpPr txBox="1"/>
-          <p:nvPr/>
-        </p:nvSpPr>
-        <p:spPr>
-          <a:xfrm>
-            <a:off x="6862601" y="5693803"/>
-            <a:ext cx="942437" cy="276999"/>
-          </a:xfrm>
-          <a:prstGeom prst="rect">
-            <a:avLst/>
-          </a:prstGeom>
-          <a:noFill/>
-        </p:spPr>
-        <p:txBody>
-          <a:bodyPr wrap="none" rtlCol="0">
-            <a:spAutoFit/>
-          </a:bodyPr>
-          <a:lstStyle/>
-          <a:p>
-            <a:r>
-              <a:rPr lang="en-US" sz="1200" dirty="0">
-                <a:latin typeface="Arial" panose="020B0604020202020204" pitchFamily="34" charset="0"/>
-                <a:cs typeface="Arial" panose="020B0604020202020204" pitchFamily="34" charset="0"/>
-              </a:rPr>
-              <a:t>Mobile App</a:t>
-            </a:r>
-          </a:p>
-        </p:txBody>
-      </p:sp>
     </p:spTree>
     <p:extLst>
       <p:ext uri="{BB962C8B-B14F-4D97-AF65-F5344CB8AC3E}">
-        <p14:creationId xmlns:p14="http://schemas.microsoft.com/office/powerpoint/2010/main" val="2383180338"/>
+        <p14:creationId xmlns:p14="http://schemas.microsoft.com/office/powerpoint/2010/main" val="2221107649"/>
       </p:ext>
     </p:extLst>
   </p:cSld>
@@ -3833,21 +4210,7 @@
                 <a:latin typeface="Arial" pitchFamily="34" charset="0"/>
                 <a:cs typeface="Arial" pitchFamily="34" charset="0"/>
               </a:rPr>
-              <a:t>What is </a:t>
-            </a:r>
-            <a:r>
-              <a:rPr lang="en-US" sz="3000" b="1" dirty="0" err="1">
-                <a:latin typeface="Arial" pitchFamily="34" charset="0"/>
-                <a:cs typeface="Arial" pitchFamily="34" charset="0"/>
-              </a:rPr>
-              <a:t>UIAutomatorviewer</a:t>
-            </a:r>
-            <a:r>
-              <a:rPr lang="en-US" sz="3000" b="1" dirty="0">
-                <a:latin typeface="Arial" pitchFamily="34" charset="0"/>
-                <a:cs typeface="Arial" pitchFamily="34" charset="0"/>
-              </a:rPr>
-              <a:t>?</a:t>
+              <a:t>How does Appium do?</a:t>
             </a:r>
           </a:p>
         </p:txBody>
@@ -3880,28 +4243,63 @@
               </a:lnSpc>
             </a:pPr>
             <a:r>
-              <a:rPr lang="en-US" sz="2000" dirty="0" err="1">
-                <a:latin typeface="Arial" pitchFamily="34" charset="0"/>
-                <a:cs typeface="Arial" pitchFamily="34" charset="0"/>
-              </a:rPr>
-              <a:t>UIAutomatorviewer</a:t>
-            </a:r>
-            <a:r>
               <a:rPr lang="en-US" sz="2000" dirty="0">
                 <a:latin typeface="Arial" pitchFamily="34" charset="0"/>
                 <a:cs typeface="Arial" pitchFamily="34" charset="0"/>
               </a:rPr>
-              <a:t> is a GUI tool to scan and analyze the UI components of an Android application</a:t>
+              <a:t>Receive connection from client</a:t>
+            </a:r>
+          </a:p>
+          <a:p>
+            <a:pPr>
+              <a:lnSpc>
+                <a:spcPct val="150000"/>
+              </a:lnSpc>
+            </a:pPr>
+            <a:r>
+              <a:rPr lang="en-US" sz="2000" dirty="0">
+                <a:latin typeface="Arial" pitchFamily="34" charset="0"/>
+                <a:cs typeface="Arial" pitchFamily="34" charset="0"/>
+              </a:rPr>
+              <a:t>Listen command</a:t>
+            </a:r>
+          </a:p>
+          <a:p>
+            <a:pPr>
+              <a:lnSpc>
+                <a:spcPct val="150000"/>
+              </a:lnSpc>
+            </a:pPr>
+            <a:r>
+              <a:rPr lang="en-US" sz="2000" dirty="0">
+                <a:latin typeface="Arial" pitchFamily="34" charset="0"/>
+                <a:cs typeface="Arial" pitchFamily="34" charset="0"/>
+              </a:rPr>
+              <a:t>Execute command</a:t>
+            </a:r>
+          </a:p>
+          <a:p>
+            <a:pPr>
+              <a:lnSpc>
+                <a:spcPct val="150000"/>
+              </a:lnSpc>
+            </a:pPr>
+            <a:r>
+              <a:rPr lang="en-US" sz="2000" dirty="0">
+                <a:latin typeface="Arial" pitchFamily="34" charset="0"/>
+                <a:cs typeface="Arial" pitchFamily="34" charset="0"/>
+              </a:rPr>
+              <a:t>Response back the command execution status </a:t>
             </a:r>
           </a:p>
         </p:txBody>
       </p:sp>
       <p:pic>
         <p:nvPicPr>
-          <p:cNvPr id="9" name="Picture 8">
+          <p:cNvPr id="5" name="Picture 4">
             <a:extLst>
               <a:ext uri="{FF2B5EF4-FFF2-40B4-BE49-F238E27FC236}">
-                <a16:creationId xmlns:a16="http://schemas.microsoft.com/office/drawing/2014/main" id="{BB384A56-A231-4867-AFB0-C5136DCA66BD}"/>
+                <a16:creationId xmlns:a16="http://schemas.microsoft.com/office/drawing/2014/main" xmlns="" id="{A38B38B8-2F36-4293-88D9-3F5FC9648DC2}"/>
               </a:ext>
             </a:extLst>
           </p:cNvPr>
@@ -3924,69 +4322,128 @@
         </p:blipFill>
         <p:spPr>
           <a:xfrm>
-            <a:off x="2040731" y="2663912"/>
-            <a:ext cx="5062537" cy="3813088"/>
+            <a:off x="3757563" y="4467126"/>
+            <a:ext cx="1019274" cy="1019274"/>
           </a:xfrm>
           <a:prstGeom prst="rect">
             <a:avLst/>
           </a:prstGeom>
         </p:spPr>
       </p:pic>
-      <p:sp>
-        <p:nvSpPr>
-          <p:cNvPr id="11" name="TextBox 10">
+      <p:pic>
+        <p:nvPicPr>
+          <p:cNvPr id="6" name="Picture 5">
             <a:extLst>
               <a:ext uri="{FF2B5EF4-FFF2-40B4-BE49-F238E27FC236}">
-                <a16:creationId xmlns:a16="http://schemas.microsoft.com/office/drawing/2014/main" id="{73B036B6-1162-43B4-BCA8-74E7AF649F4F}"/>
+                <a16:creationId xmlns:a16="http://schemas.microsoft.com/office/drawing/2014/main" xmlns="" id="{5AAB1CE1-5824-4F88-9357-B13FD374AFE6}"/>
               </a:ext>
             </a:extLst>
           </p:cNvPr>
-          <p:cNvSpPr txBox="1"/>
+          <p:cNvPicPr>
+            <a:picLocks noChangeAspect="1"/>
+          </p:cNvPicPr>
           <p:nvPr/>
-        </p:nvSpPr>
-        <p:spPr>
-          <a:xfrm>
-            <a:off x="780974" y="3672680"/>
-            <a:ext cx="1124026" cy="461665"/>
+        </p:nvPicPr>
+        <p:blipFill>
+          <a:blip r:embed="rId3" cstate="print">
+            <a:extLst>
+              <a:ext uri="{28A0092B-C50C-407E-A947-70E740481C1C}">
+                <a14:useLocalDpi xmlns:a14="http://schemas.microsoft.com/office/drawing/2010/main" val="0"/>
+              </a:ext>
+            </a:extLst>
+          </a:blip>
+          <a:stretch>
+            <a:fillRect/>
+          </a:stretch>
+        </p:blipFill>
+        <p:spPr>
+          <a:xfrm>
+            <a:off x="1066800" y="4564524"/>
+            <a:ext cx="845676" cy="845676"/>
           </a:xfrm>
           <a:prstGeom prst="rect">
             <a:avLst/>
           </a:prstGeom>
-          <a:noFill/>
-        </p:spPr>
-        <p:txBody>
-          <a:bodyPr wrap="square" rtlCol="0">
-            <a:spAutoFit/>
-          </a:bodyPr>
-          <a:lstStyle/>
-          <a:p>
-            <a:pPr algn="ctr"/>
-            <a:r>
-              <a:rPr lang="en-US" sz="1200" dirty="0">
-                <a:latin typeface="Arial" panose="020B0604020202020204" pitchFamily="34" charset="0"/>
-                <a:cs typeface="Arial" panose="020B0604020202020204" pitchFamily="34" charset="0"/>
-              </a:rPr>
-              <a:t>Image of</a:t>
-            </a:r>
-          </a:p>
-          <a:p>
-            <a:pPr algn="ctr"/>
-            <a:r>
-              <a:rPr lang="en-US" sz="1200" dirty="0">
-                <a:latin typeface="Arial" panose="020B0604020202020204" pitchFamily="34" charset="0"/>
-                <a:cs typeface="Arial" panose="020B0604020202020204" pitchFamily="34" charset="0"/>
-              </a:rPr>
-              <a:t>Application</a:t>
-            </a:r>
-          </a:p>
-        </p:txBody>
-      </p:sp>
-      <p:sp>
-        <p:nvSpPr>
-          <p:cNvPr id="23" name="Speech Bubble: Rectangle 22">
+        </p:spPr>
+      </p:pic>
+      <p:pic>
+        <p:nvPicPr>
+          <p:cNvPr id="10" name="Picture 9">
             <a:extLst>
               <a:ext uri="{FF2B5EF4-FFF2-40B4-BE49-F238E27FC236}">
-                <a16:creationId xmlns:a16="http://schemas.microsoft.com/office/drawing/2014/main" id="{D60DD597-C17D-46EE-A46C-B0CDFEED98B9}"/>
+                <a16:creationId xmlns:a16="http://schemas.microsoft.com/office/drawing/2014/main" xmlns="" id="{25D1B5FD-E0AD-4A26-B5A8-A862E857F9A4}"/>
+              </a:ext>
+            </a:extLst>
+          </p:cNvPr>
+          <p:cNvPicPr>
+            <a:picLocks noChangeAspect="1"/>
+          </p:cNvPicPr>
+          <p:nvPr/>
+        </p:nvPicPr>
+        <p:blipFill>
+          <a:blip r:embed="rId4" cstate="print">
+            <a:extLst>
+              <a:ext uri="{28A0092B-C50C-407E-A947-70E740481C1C}">
+                <a14:useLocalDpi xmlns:a14="http://schemas.microsoft.com/office/drawing/2010/main" val="0"/>
+              </a:ext>
+            </a:extLst>
+          </a:blip>
+          <a:stretch>
+            <a:fillRect/>
+          </a:stretch>
+        </p:blipFill>
+        <p:spPr>
+          <a:xfrm>
+            <a:off x="7315200" y="4519563"/>
+            <a:ext cx="914400" cy="914400"/>
+          </a:xfrm>
+          <a:prstGeom prst="rect">
+            <a:avLst/>
+          </a:prstGeom>
+        </p:spPr>
+      </p:pic>
+      <p:pic>
+        <p:nvPicPr>
+          <p:cNvPr id="12" name="Picture 11">
+            <a:extLst>
+              <a:ext uri="{FF2B5EF4-FFF2-40B4-BE49-F238E27FC236}">
+                <a16:creationId xmlns:a16="http://schemas.microsoft.com/office/drawing/2014/main" xmlns="" id="{D930F063-0DA2-4988-9599-4B97544A766F}"/>
+              </a:ext>
+            </a:extLst>
+          </p:cNvPr>
+          <p:cNvPicPr>
+            <a:picLocks noChangeAspect="1"/>
+          </p:cNvPicPr>
+          <p:nvPr/>
+        </p:nvPicPr>
+        <p:blipFill>
+          <a:blip r:embed="rId5">
+            <a:extLst>
+              <a:ext uri="{28A0092B-C50C-407E-A947-70E740481C1C}">
+                <a14:useLocalDpi xmlns:a14="http://schemas.microsoft.com/office/drawing/2010/main" val="0"/>
+              </a:ext>
+            </a:extLst>
+          </a:blip>
+          <a:stretch>
+            <a:fillRect/>
+          </a:stretch>
+        </p:blipFill>
+        <p:spPr>
+          <a:xfrm>
+            <a:off x="6309784" y="4426034"/>
+            <a:ext cx="1024036" cy="1024036"/>
+          </a:xfrm>
+          <a:prstGeom prst="rect">
+            <a:avLst/>
+          </a:prstGeom>
+        </p:spPr>
+      </p:pic>
+      <p:sp>
+        <p:nvSpPr>
+          <p:cNvPr id="13" name="Arrow: Curved Down 12">
+            <a:extLst>
+              <a:ext uri="{FF2B5EF4-FFF2-40B4-BE49-F238E27FC236}">
+                <a16:creationId xmlns:a16="http://schemas.microsoft.com/office/drawing/2014/main" xmlns="" id="{0476FFDE-8C67-4A66-BEDF-5D025DAD5477}"/>
               </a:ext>
             </a:extLst>
           </p:cNvPr>
@@ -3995,21 +4452,15 @@
         </p:nvSpPr>
         <p:spPr>
           <a:xfrm>
-            <a:off x="791766" y="3600258"/>
-            <a:ext cx="1114387" cy="590742"/>
-          </a:xfrm>
-          <a:prstGeom prst="wedgeRectCallout">
-            <a:avLst>
-              <a:gd name="adj1" fmla="val 115214"/>
-              <a:gd name="adj2" fmla="val -27746"/>
-            </a:avLst>
+            <a:off x="2086074" y="4267200"/>
+            <a:ext cx="1671489" cy="381000"/>
+          </a:xfrm>
+          <a:prstGeom prst="curvedDownArrow">
+            <a:avLst/>
           </a:prstGeom>
-          <a:noFill/>
-          <a:ln>
-            <a:solidFill>
-              <a:srgbClr val="FF0000"/>
-            </a:solidFill>
-          </a:ln>
+          <a:solidFill>
+            <a:schemeClr val="tx2"/>
+          </a:solidFill>
         </p:spPr>
         <p:style>
           <a:lnRef idx="2">
@@ -4032,65 +4483,20 @@
           <a:lstStyle/>
           <a:p>
             <a:pPr algn="ctr"/>
-            <a:endParaRPr lang="en-US" dirty="0"/>
-          </a:p>
-        </p:txBody>
-      </p:sp>
-      <p:sp>
-        <p:nvSpPr>
-          <p:cNvPr id="26" name="TextBox 25">
+            <a:endParaRPr lang="en-US">
+              <a:solidFill>
+                <a:schemeClr val="tx1"/>
+              </a:solidFill>
+            </a:endParaRPr>
+          </a:p>
+        </p:txBody>
+      </p:sp>
+      <p:sp>
+        <p:nvSpPr>
+          <p:cNvPr id="14" name="Arrow: Curved Down 13">
             <a:extLst>
               <a:ext uri="{FF2B5EF4-FFF2-40B4-BE49-F238E27FC236}">
-                <a16:creationId xmlns:a16="http://schemas.microsoft.com/office/drawing/2014/main" id="{A1F76118-A4B2-4346-A382-C4657B9012C4}"/>
-              </a:ext>
-            </a:extLst>
-          </p:cNvPr>
-          <p:cNvSpPr txBox="1"/>
-          <p:nvPr/>
-        </p:nvSpPr>
-        <p:spPr>
-          <a:xfrm>
-            <a:off x="7410374" y="3554447"/>
-            <a:ext cx="1124026" cy="461665"/>
-          </a:xfrm>
-          <a:prstGeom prst="rect">
-            <a:avLst/>
-          </a:prstGeom>
-          <a:noFill/>
-        </p:spPr>
-        <p:txBody>
-          <a:bodyPr wrap="square" rtlCol="0">
-            <a:spAutoFit/>
-          </a:bodyPr>
-          <a:lstStyle/>
-          <a:p>
-            <a:pPr algn="ctr"/>
-            <a:r>
-              <a:rPr lang="en-US" sz="1200" dirty="0">
-                <a:latin typeface="Arial" panose="020B0604020202020204" pitchFamily="34" charset="0"/>
-                <a:cs typeface="Arial" panose="020B0604020202020204" pitchFamily="34" charset="0"/>
-              </a:rPr>
-              <a:t>Object</a:t>
-            </a:r>
-          </a:p>
-          <a:p>
-            <a:pPr algn="ctr"/>
-            <a:r>
-              <a:rPr lang="en-US" sz="1200" dirty="0">
-                <a:latin typeface="Arial" panose="020B0604020202020204" pitchFamily="34" charset="0"/>
-                <a:cs typeface="Arial" panose="020B0604020202020204" pitchFamily="34" charset="0"/>
-              </a:rPr>
-              <a:t>hierarchy</a:t>
-            </a:r>
-          </a:p>
-        </p:txBody>
-      </p:sp>
-      <p:sp>
-        <p:nvSpPr>
-          <p:cNvPr id="27" name="Speech Bubble: Rectangle 26">
-            <a:extLst>
-              <a:ext uri="{FF2B5EF4-FFF2-40B4-BE49-F238E27FC236}">
-                <a16:creationId xmlns:a16="http://schemas.microsoft.com/office/drawing/2014/main" id="{3059A663-F515-447A-A02D-1A916683F128}"/>
+                <a16:creationId xmlns:a16="http://schemas.microsoft.com/office/drawing/2014/main" xmlns="" id="{81C21EA8-58BF-45C7-8326-717AD6ACDB49}"/>
               </a:ext>
             </a:extLst>
           </p:cNvPr>
@@ -4098,22 +4504,16 @@
           <p:nvPr/>
         </p:nvSpPr>
         <p:spPr>
-          <a:xfrm>
-            <a:off x="7414040" y="3489909"/>
-            <a:ext cx="1114387" cy="590742"/>
-          </a:xfrm>
-          <a:prstGeom prst="wedgeRectCallout">
-            <a:avLst>
-              <a:gd name="adj1" fmla="val -94691"/>
-              <a:gd name="adj2" fmla="val 4652"/>
-            </a:avLst>
+          <a:xfrm rot="10800000">
+            <a:off x="2057401" y="5410199"/>
+            <a:ext cx="1671489" cy="381000"/>
+          </a:xfrm>
+          <a:prstGeom prst="curvedDownArrow">
+            <a:avLst/>
           </a:prstGeom>
-          <a:noFill/>
-          <a:ln>
-            <a:solidFill>
-              <a:srgbClr val="FF0000"/>
-            </a:solidFill>
-          </a:ln>
+          <a:solidFill>
+            <a:schemeClr val="tx2"/>
+          </a:solidFill>
         </p:spPr>
         <p:style>
           <a:lnRef idx="2">
@@ -4136,69 +4536,20 @@
           <a:lstStyle/>
           <a:p>
             <a:pPr algn="ctr"/>
-            <a:endParaRPr lang="en-US" dirty="0"/>
-          </a:p>
-        </p:txBody>
-      </p:sp>
-      <p:sp>
-        <p:nvSpPr>
-          <p:cNvPr id="28" name="TextBox 27">
+            <a:endParaRPr lang="en-US">
+              <a:solidFill>
+                <a:schemeClr val="tx1"/>
+              </a:solidFill>
+            </a:endParaRPr>
+          </a:p>
+        </p:txBody>
+      </p:sp>
+      <p:sp>
+        <p:nvSpPr>
+          <p:cNvPr id="15" name="Arrow: Curved Down 14">
             <a:extLst>
               <a:ext uri="{FF2B5EF4-FFF2-40B4-BE49-F238E27FC236}">
-                <a16:creationId xmlns:a16="http://schemas.microsoft.com/office/drawing/2014/main" id="{57A4E4C5-0B06-4A2B-8B55-35FFFED4220E}"/>
-              </a:ext>
-            </a:extLst>
-          </p:cNvPr>
-          <p:cNvSpPr txBox="1"/>
-          <p:nvPr/>
-        </p:nvSpPr>
-        <p:spPr>
-          <a:xfrm>
-            <a:off x="7410374" y="5398538"/>
-            <a:ext cx="1124026" cy="461665"/>
-          </a:xfrm>
-          <a:prstGeom prst="rect">
-            <a:avLst/>
-          </a:prstGeom>
-          <a:noFill/>
-        </p:spPr>
-        <p:txBody>
-          <a:bodyPr wrap="square" rtlCol="0">
-            <a:spAutoFit/>
-          </a:bodyPr>
-          <a:lstStyle/>
-          <a:p>
-            <a:pPr algn="ctr"/>
-            <a:r>
-              <a:rPr lang="en-US" sz="1200" dirty="0">
-                <a:latin typeface="Arial" panose="020B0604020202020204" pitchFamily="34" charset="0"/>
-                <a:cs typeface="Arial" panose="020B0604020202020204" pitchFamily="34" charset="0"/>
-              </a:rPr>
-              <a:t>Object</a:t>
-            </a:r>
-          </a:p>
-          <a:p>
-            <a:pPr algn="ctr"/>
-            <a:r>
-              <a:rPr lang="en-US" sz="1200" dirty="0" err="1">
-                <a:latin typeface="Arial" panose="020B0604020202020204" pitchFamily="34" charset="0"/>
-                <a:cs typeface="Arial" panose="020B0604020202020204" pitchFamily="34" charset="0"/>
-              </a:rPr>
-              <a:t>prpperty</a:t>
-            </a:r>
-            <a:endParaRPr lang="en-US" sz="1200" dirty="0">
-              <a:latin typeface="Arial" panose="020B0604020202020204" pitchFamily="34" charset="0"/>
-              <a:cs typeface="Arial" panose="020B0604020202020204" pitchFamily="34" charset="0"/>
-            </a:endParaRPr>
-          </a:p>
-        </p:txBody>
-      </p:sp>
-      <p:sp>
-        <p:nvSpPr>
-          <p:cNvPr id="29" name="Speech Bubble: Rectangle 28">
-            <a:extLst>
-              <a:ext uri="{FF2B5EF4-FFF2-40B4-BE49-F238E27FC236}">
-                <a16:creationId xmlns:a16="http://schemas.microsoft.com/office/drawing/2014/main" id="{9DC1B31D-7CD6-4D9F-B693-259B7B7C0958}"/>
+                <a16:creationId xmlns:a16="http://schemas.microsoft.com/office/drawing/2014/main" xmlns="" id="{D50FA253-097B-410C-B357-C4B1A070EEEB}"/>
               </a:ext>
             </a:extLst>
           </p:cNvPr>
@@ -4207,21 +4558,15 @@
         </p:nvSpPr>
         <p:spPr>
           <a:xfrm>
-            <a:off x="7414040" y="5334000"/>
-            <a:ext cx="1114387" cy="590742"/>
-          </a:xfrm>
-          <a:prstGeom prst="wedgeRectCallout">
-            <a:avLst>
-              <a:gd name="adj1" fmla="val -150030"/>
-              <a:gd name="adj2" fmla="val 4652"/>
-            </a:avLst>
+            <a:off x="4724400" y="4259723"/>
+            <a:ext cx="1671489" cy="381000"/>
+          </a:xfrm>
+          <a:prstGeom prst="curvedDownArrow">
+            <a:avLst/>
           </a:prstGeom>
-          <a:noFill/>
-          <a:ln>
-            <a:solidFill>
-              <a:srgbClr val="FF0000"/>
-            </a:solidFill>
-          </a:ln>
+          <a:solidFill>
+            <a:schemeClr val="tx2"/>
+          </a:solidFill>
         </p:spPr>
         <p:style>
           <a:lnRef idx="2">
@@ -4244,6 +4589,660 @@
           <a:lstStyle/>
           <a:p>
             <a:pPr algn="ctr"/>
+            <a:endParaRPr lang="en-US">
+              <a:solidFill>
+                <a:schemeClr val="tx1"/>
+              </a:solidFill>
+            </a:endParaRPr>
+          </a:p>
+        </p:txBody>
+      </p:sp>
+      <p:sp>
+        <p:nvSpPr>
+          <p:cNvPr id="16" name="Arrow: Curved Down 15">
+            <a:extLst>
+              <a:ext uri="{FF2B5EF4-FFF2-40B4-BE49-F238E27FC236}">
+                <a16:creationId xmlns:a16="http://schemas.microsoft.com/office/drawing/2014/main" xmlns="" id="{5D5B6792-A694-429D-9CE3-0EB70FA2CFB1}"/>
+              </a:ext>
+            </a:extLst>
+          </p:cNvPr>
+          <p:cNvSpPr/>
+          <p:nvPr/>
+        </p:nvSpPr>
+        <p:spPr>
+          <a:xfrm rot="10800000">
+            <a:off x="4733827" y="5410199"/>
+            <a:ext cx="1671489" cy="381000"/>
+          </a:xfrm>
+          <a:prstGeom prst="curvedDownArrow">
+            <a:avLst/>
+          </a:prstGeom>
+          <a:solidFill>
+            <a:schemeClr val="tx2"/>
+          </a:solidFill>
+        </p:spPr>
+        <p:style>
+          <a:lnRef idx="2">
+            <a:schemeClr val="dk1">
+              <a:shade val="50000"/>
+            </a:schemeClr>
+          </a:lnRef>
+          <a:fillRef idx="1">
+            <a:schemeClr val="dk1"/>
+          </a:fillRef>
+          <a:effectRef idx="0">
+            <a:schemeClr val="dk1"/>
+          </a:effectRef>
+          <a:fontRef idx="minor">
+            <a:schemeClr val="lt1"/>
+          </a:fontRef>
+        </p:style>
+        <p:txBody>
+          <a:bodyPr rtlCol="0" anchor="ctr"/>
+          <a:lstStyle/>
+          <a:p>
+            <a:pPr algn="ctr"/>
+            <a:endParaRPr lang="en-US">
+              <a:solidFill>
+                <a:schemeClr val="tx1"/>
+              </a:solidFill>
+            </a:endParaRPr>
+          </a:p>
+        </p:txBody>
+      </p:sp>
+      <p:sp>
+        <p:nvSpPr>
+          <p:cNvPr id="17" name="TextBox 16">
+            <a:extLst>
+              <a:ext uri="{FF2B5EF4-FFF2-40B4-BE49-F238E27FC236}">
+                <a16:creationId xmlns:a16="http://schemas.microsoft.com/office/drawing/2014/main" xmlns="" id="{9A3141F0-D871-4075-B80D-A9B7D111C010}"/>
+              </a:ext>
+            </a:extLst>
+          </p:cNvPr>
+          <p:cNvSpPr txBox="1"/>
+          <p:nvPr/>
+        </p:nvSpPr>
+        <p:spPr>
+          <a:xfrm>
+            <a:off x="762000" y="5638800"/>
+            <a:ext cx="1404552" cy="461665"/>
+          </a:xfrm>
+          <a:prstGeom prst="rect">
+            <a:avLst/>
+          </a:prstGeom>
+          <a:noFill/>
+        </p:spPr>
+        <p:txBody>
+          <a:bodyPr wrap="none" rtlCol="0">
+            <a:spAutoFit/>
+          </a:bodyPr>
+          <a:lstStyle/>
+          <a:p>
+            <a:r>
+              <a:rPr lang="en-US" sz="1200" dirty="0">
+                <a:latin typeface="Arial" panose="020B0604020202020204" pitchFamily="34" charset="0"/>
+                <a:cs typeface="Arial" panose="020B0604020202020204" pitchFamily="34" charset="0"/>
+              </a:rPr>
+              <a:t>Robot Framework</a:t>
+            </a:r>
+          </a:p>
+          <a:p>
+            <a:pPr algn="ctr"/>
+            <a:r>
+              <a:rPr lang="en-US" sz="1200" dirty="0">
+                <a:latin typeface="Arial" panose="020B0604020202020204" pitchFamily="34" charset="0"/>
+                <a:cs typeface="Arial" panose="020B0604020202020204" pitchFamily="34" charset="0"/>
+              </a:rPr>
+              <a:t>Script</a:t>
+            </a:r>
+          </a:p>
+        </p:txBody>
+      </p:sp>
+      <p:sp>
+        <p:nvSpPr>
+          <p:cNvPr id="18" name="TextBox 17">
+            <a:extLst>
+              <a:ext uri="{FF2B5EF4-FFF2-40B4-BE49-F238E27FC236}">
+                <a16:creationId xmlns:a16="http://schemas.microsoft.com/office/drawing/2014/main" xmlns="" id="{6A2745A3-AFD8-445D-B314-C1E8837A3650}"/>
+              </a:ext>
+            </a:extLst>
+          </p:cNvPr>
+          <p:cNvSpPr txBox="1"/>
+          <p:nvPr/>
+        </p:nvSpPr>
+        <p:spPr>
+          <a:xfrm>
+            <a:off x="3611866" y="5693803"/>
+            <a:ext cx="1199367" cy="276999"/>
+          </a:xfrm>
+          <a:prstGeom prst="rect">
+            <a:avLst/>
+          </a:prstGeom>
+          <a:noFill/>
+        </p:spPr>
+        <p:txBody>
+          <a:bodyPr wrap="none" rtlCol="0">
+            <a:spAutoFit/>
+          </a:bodyPr>
+          <a:lstStyle/>
+          <a:p>
+            <a:r>
+              <a:rPr lang="en-US" sz="1200" dirty="0">
+                <a:latin typeface="Arial" panose="020B0604020202020204" pitchFamily="34" charset="0"/>
+                <a:cs typeface="Arial" panose="020B0604020202020204" pitchFamily="34" charset="0"/>
+              </a:rPr>
+              <a:t>Appium Server</a:t>
+            </a:r>
+          </a:p>
+        </p:txBody>
+      </p:sp>
+      <p:sp>
+        <p:nvSpPr>
+          <p:cNvPr id="19" name="TextBox 18">
+            <a:extLst>
+              <a:ext uri="{FF2B5EF4-FFF2-40B4-BE49-F238E27FC236}">
+                <a16:creationId xmlns:a16="http://schemas.microsoft.com/office/drawing/2014/main" xmlns="" id="{F7E808B9-0987-4005-B506-7560BBB4367C}"/>
+              </a:ext>
+            </a:extLst>
+          </p:cNvPr>
+          <p:cNvSpPr txBox="1"/>
+          <p:nvPr/>
+        </p:nvSpPr>
+        <p:spPr>
+          <a:xfrm>
+            <a:off x="6862601" y="5693803"/>
+            <a:ext cx="942437" cy="276999"/>
+          </a:xfrm>
+          <a:prstGeom prst="rect">
+            <a:avLst/>
+          </a:prstGeom>
+          <a:noFill/>
+        </p:spPr>
+        <p:txBody>
+          <a:bodyPr wrap="none" rtlCol="0">
+            <a:spAutoFit/>
+          </a:bodyPr>
+          <a:lstStyle/>
+          <a:p>
+            <a:r>
+              <a:rPr lang="en-US" sz="1200" dirty="0">
+                <a:latin typeface="Arial" panose="020B0604020202020204" pitchFamily="34" charset="0"/>
+                <a:cs typeface="Arial" panose="020B0604020202020204" pitchFamily="34" charset="0"/>
+              </a:rPr>
+              <a:t>Mobile App</a:t>
+            </a:r>
+          </a:p>
+        </p:txBody>
+      </p:sp>
+    </p:spTree>
+    <p:extLst>
+      <p:ext uri="{BB962C8B-B14F-4D97-AF65-F5344CB8AC3E}">
+        <p14:creationId xmlns:p14="http://schemas.microsoft.com/office/powerpoint/2010/main" val="2383180338"/>
+      </p:ext>
+    </p:extLst>
+  </p:cSld>
+  <p:clrMapOvr>
+    <a:masterClrMapping/>
+  </p:clrMapOvr>
+</p:sld>
+</file>
+
+<file path=ppt/slides/slide12.xml><?xml version="1.0" encoding="utf-8"?>
+<p:sld xmlns:a="http://schemas.openxmlformats.org/drawingml/2006/main" xmlns:r="http://schemas.openxmlformats.org/officeDocument/2006/relationships" xmlns:p="http://schemas.openxmlformats.org/presentationml/2006/main">
+  <p:cSld>
+    <p:spTree>
+      <p:nvGrpSpPr>
+        <p:cNvPr id="1" name=""/>
+        <p:cNvGrpSpPr/>
+        <p:nvPr/>
+      </p:nvGrpSpPr>
+      <p:grpSpPr>
+        <a:xfrm>
+          <a:off x="0" y="0"/>
+          <a:ext cx="0" cy="0"/>
+          <a:chOff x="0" y="0"/>
+          <a:chExt cx="0" cy="0"/>
+        </a:xfrm>
+      </p:grpSpPr>
+      <p:sp>
+        <p:nvSpPr>
+          <p:cNvPr id="2" name="Title 1"/>
+          <p:cNvSpPr>
+            <a:spLocks noGrp="1"/>
+          </p:cNvSpPr>
+          <p:nvPr>
+            <p:ph type="title"/>
+          </p:nvPr>
+        </p:nvSpPr>
+        <p:spPr>
+          <a:xfrm>
+            <a:off x="457200" y="274638"/>
+            <a:ext cx="8686800" cy="1143000"/>
+          </a:xfrm>
+        </p:spPr>
+        <p:txBody>
+          <a:bodyPr>
+            <a:normAutofit/>
+          </a:bodyPr>
+          <a:lstStyle/>
+          <a:p>
+            <a:pPr algn="l"/>
+            <a:r>
+              <a:rPr lang="en-US" sz="3000" b="1" dirty="0">
+                <a:latin typeface="Arial" pitchFamily="34" charset="0"/>
+                <a:cs typeface="Arial" pitchFamily="34" charset="0"/>
+              </a:rPr>
+              <a:t>What is </a:t>
+            </a:r>
+            <a:r>
+              <a:rPr lang="en-US" sz="3000" b="1" dirty="0" err="1">
+                <a:latin typeface="Arial" pitchFamily="34" charset="0"/>
+                <a:cs typeface="Arial" pitchFamily="34" charset="0"/>
+              </a:rPr>
+              <a:t>UIAutomatorviewer</a:t>
+            </a:r>
+            <a:r>
+              <a:rPr lang="en-US" sz="3000" b="1" dirty="0">
+                <a:latin typeface="Arial" pitchFamily="34" charset="0"/>
+                <a:cs typeface="Arial" pitchFamily="34" charset="0"/>
+              </a:rPr>
+              <a:t>?</a:t>
+            </a:r>
+          </a:p>
+        </p:txBody>
+      </p:sp>
+      <p:sp>
+        <p:nvSpPr>
+          <p:cNvPr id="3" name="Content Placeholder 2"/>
+          <p:cNvSpPr>
+            <a:spLocks noGrp="1"/>
+          </p:cNvSpPr>
+          <p:nvPr>
+            <p:ph idx="1"/>
+          </p:nvPr>
+        </p:nvSpPr>
+        <p:spPr>
+          <a:xfrm>
+            <a:off x="457200" y="1371600"/>
+            <a:ext cx="8382000" cy="5105400"/>
+          </a:xfrm>
+        </p:spPr>
+        <p:txBody>
+          <a:bodyPr>
+            <a:normAutofit/>
+          </a:bodyPr>
+          <a:lstStyle/>
+          <a:p>
+            <a:pPr>
+              <a:lnSpc>
+                <a:spcPct val="150000"/>
+              </a:lnSpc>
+            </a:pPr>
+            <a:r>
+              <a:rPr lang="en-US" sz="2000" dirty="0" err="1">
+                <a:latin typeface="Arial" pitchFamily="34" charset="0"/>
+                <a:cs typeface="Arial" pitchFamily="34" charset="0"/>
+              </a:rPr>
+              <a:t>UIAutomatorviewer</a:t>
+            </a:r>
+            <a:r>
+              <a:rPr lang="en-US" sz="2000" dirty="0">
+                <a:latin typeface="Arial" pitchFamily="34" charset="0"/>
+                <a:cs typeface="Arial" pitchFamily="34" charset="0"/>
+              </a:rPr>
+              <a:t> is a GUI tool to scan and analyze the UI components of an Android application</a:t>
+            </a:r>
+          </a:p>
+        </p:txBody>
+      </p:sp>
+      <p:pic>
+        <p:nvPicPr>
+          <p:cNvPr id="9" name="Picture 8">
+            <a:extLst>
+              <a:ext uri="{FF2B5EF4-FFF2-40B4-BE49-F238E27FC236}">
+                <a16:creationId xmlns:a16="http://schemas.microsoft.com/office/drawing/2014/main" xmlns="" id="{BB384A56-A231-4867-AFB0-C5136DCA66BD}"/>
+              </a:ext>
+            </a:extLst>
+          </p:cNvPr>
+          <p:cNvPicPr>
+            <a:picLocks noChangeAspect="1"/>
+          </p:cNvPicPr>
+          <p:nvPr/>
+        </p:nvPicPr>
+        <p:blipFill>
+          <a:blip r:embed="rId2">
+            <a:extLst>
+              <a:ext uri="{28A0092B-C50C-407E-A947-70E740481C1C}">
+                <a14:useLocalDpi xmlns:a14="http://schemas.microsoft.com/office/drawing/2010/main" val="0"/>
+              </a:ext>
+            </a:extLst>
+          </a:blip>
+          <a:stretch>
+            <a:fillRect/>
+          </a:stretch>
+        </p:blipFill>
+        <p:spPr>
+          <a:xfrm>
+            <a:off x="2040731" y="2663912"/>
+            <a:ext cx="5062537" cy="3813088"/>
+          </a:xfrm>
+          <a:prstGeom prst="rect">
+            <a:avLst/>
+          </a:prstGeom>
+        </p:spPr>
+      </p:pic>
+      <p:sp>
+        <p:nvSpPr>
+          <p:cNvPr id="11" name="TextBox 10">
+            <a:extLst>
+              <a:ext uri="{FF2B5EF4-FFF2-40B4-BE49-F238E27FC236}">
+                <a16:creationId xmlns:a16="http://schemas.microsoft.com/office/drawing/2014/main" xmlns="" id="{73B036B6-1162-43B4-BCA8-74E7AF649F4F}"/>
+              </a:ext>
+            </a:extLst>
+          </p:cNvPr>
+          <p:cNvSpPr txBox="1"/>
+          <p:nvPr/>
+        </p:nvSpPr>
+        <p:spPr>
+          <a:xfrm>
+            <a:off x="780974" y="3672680"/>
+            <a:ext cx="1124026" cy="461665"/>
+          </a:xfrm>
+          <a:prstGeom prst="rect">
+            <a:avLst/>
+          </a:prstGeom>
+          <a:noFill/>
+        </p:spPr>
+        <p:txBody>
+          <a:bodyPr wrap="square" rtlCol="0">
+            <a:spAutoFit/>
+          </a:bodyPr>
+          <a:lstStyle/>
+          <a:p>
+            <a:pPr algn="ctr"/>
+            <a:r>
+              <a:rPr lang="en-US" sz="1200" dirty="0">
+                <a:latin typeface="Arial" panose="020B0604020202020204" pitchFamily="34" charset="0"/>
+                <a:cs typeface="Arial" panose="020B0604020202020204" pitchFamily="34" charset="0"/>
+              </a:rPr>
+              <a:t>Image of</a:t>
+            </a:r>
+          </a:p>
+          <a:p>
+            <a:pPr algn="ctr"/>
+            <a:r>
+              <a:rPr lang="en-US" sz="1200" dirty="0">
+                <a:latin typeface="Arial" panose="020B0604020202020204" pitchFamily="34" charset="0"/>
+                <a:cs typeface="Arial" panose="020B0604020202020204" pitchFamily="34" charset="0"/>
+              </a:rPr>
+              <a:t>Application</a:t>
+            </a:r>
+          </a:p>
+        </p:txBody>
+      </p:sp>
+      <p:sp>
+        <p:nvSpPr>
+          <p:cNvPr id="23" name="Speech Bubble: Rectangle 22">
+            <a:extLst>
+              <a:ext uri="{FF2B5EF4-FFF2-40B4-BE49-F238E27FC236}">
+                <a16:creationId xmlns:a16="http://schemas.microsoft.com/office/drawing/2014/main" xmlns="" id="{D60DD597-C17D-46EE-A46C-B0CDFEED98B9}"/>
+              </a:ext>
+            </a:extLst>
+          </p:cNvPr>
+          <p:cNvSpPr/>
+          <p:nvPr/>
+        </p:nvSpPr>
+        <p:spPr>
+          <a:xfrm>
+            <a:off x="791766" y="3600258"/>
+            <a:ext cx="1114387" cy="590742"/>
+          </a:xfrm>
+          <a:prstGeom prst="wedgeRectCallout">
+            <a:avLst>
+              <a:gd name="adj1" fmla="val 115214"/>
+              <a:gd name="adj2" fmla="val -27746"/>
+            </a:avLst>
+          </a:prstGeom>
+          <a:noFill/>
+          <a:ln>
+            <a:solidFill>
+              <a:srgbClr val="FF0000"/>
+            </a:solidFill>
+          </a:ln>
+        </p:spPr>
+        <p:style>
+          <a:lnRef idx="2">
+            <a:schemeClr val="dk1">
+              <a:shade val="50000"/>
+            </a:schemeClr>
+          </a:lnRef>
+          <a:fillRef idx="1">
+            <a:schemeClr val="dk1"/>
+          </a:fillRef>
+          <a:effectRef idx="0">
+            <a:schemeClr val="dk1"/>
+          </a:effectRef>
+          <a:fontRef idx="minor">
+            <a:schemeClr val="lt1"/>
+          </a:fontRef>
+        </p:style>
+        <p:txBody>
+          <a:bodyPr rtlCol="0" anchor="ctr"/>
+          <a:lstStyle/>
+          <a:p>
+            <a:pPr algn="ctr"/>
+            <a:endParaRPr lang="en-US" dirty="0"/>
+          </a:p>
+        </p:txBody>
+      </p:sp>
+      <p:sp>
+        <p:nvSpPr>
+          <p:cNvPr id="26" name="TextBox 25">
+            <a:extLst>
+              <a:ext uri="{FF2B5EF4-FFF2-40B4-BE49-F238E27FC236}">
+                <a16:creationId xmlns:a16="http://schemas.microsoft.com/office/drawing/2014/main" xmlns="" id="{A1F76118-A4B2-4346-A382-C4657B9012C4}"/>
+              </a:ext>
+            </a:extLst>
+          </p:cNvPr>
+          <p:cNvSpPr txBox="1"/>
+          <p:nvPr/>
+        </p:nvSpPr>
+        <p:spPr>
+          <a:xfrm>
+            <a:off x="7410374" y="3554447"/>
+            <a:ext cx="1124026" cy="461665"/>
+          </a:xfrm>
+          <a:prstGeom prst="rect">
+            <a:avLst/>
+          </a:prstGeom>
+          <a:noFill/>
+        </p:spPr>
+        <p:txBody>
+          <a:bodyPr wrap="square" rtlCol="0">
+            <a:spAutoFit/>
+          </a:bodyPr>
+          <a:lstStyle/>
+          <a:p>
+            <a:pPr algn="ctr"/>
+            <a:r>
+              <a:rPr lang="en-US" sz="1200" dirty="0">
+                <a:latin typeface="Arial" panose="020B0604020202020204" pitchFamily="34" charset="0"/>
+                <a:cs typeface="Arial" panose="020B0604020202020204" pitchFamily="34" charset="0"/>
+              </a:rPr>
+              <a:t>Object</a:t>
+            </a:r>
+          </a:p>
+          <a:p>
+            <a:pPr algn="ctr"/>
+            <a:r>
+              <a:rPr lang="en-US" sz="1200" dirty="0">
+                <a:latin typeface="Arial" panose="020B0604020202020204" pitchFamily="34" charset="0"/>
+                <a:cs typeface="Arial" panose="020B0604020202020204" pitchFamily="34" charset="0"/>
+              </a:rPr>
+              <a:t>hierarchy</a:t>
+            </a:r>
+          </a:p>
+        </p:txBody>
+      </p:sp>
+      <p:sp>
+        <p:nvSpPr>
+          <p:cNvPr id="27" name="Speech Bubble: Rectangle 26">
+            <a:extLst>
+              <a:ext uri="{FF2B5EF4-FFF2-40B4-BE49-F238E27FC236}">
+                <a16:creationId xmlns:a16="http://schemas.microsoft.com/office/drawing/2014/main" xmlns="" id="{3059A663-F515-447A-A02D-1A916683F128}"/>
+              </a:ext>
+            </a:extLst>
+          </p:cNvPr>
+          <p:cNvSpPr/>
+          <p:nvPr/>
+        </p:nvSpPr>
+        <p:spPr>
+          <a:xfrm>
+            <a:off x="7414040" y="3489909"/>
+            <a:ext cx="1114387" cy="590742"/>
+          </a:xfrm>
+          <a:prstGeom prst="wedgeRectCallout">
+            <a:avLst>
+              <a:gd name="adj1" fmla="val -94691"/>
+              <a:gd name="adj2" fmla="val 4652"/>
+            </a:avLst>
+          </a:prstGeom>
+          <a:noFill/>
+          <a:ln>
+            <a:solidFill>
+              <a:srgbClr val="FF0000"/>
+            </a:solidFill>
+          </a:ln>
+        </p:spPr>
+        <p:style>
+          <a:lnRef idx="2">
+            <a:schemeClr val="dk1">
+              <a:shade val="50000"/>
+            </a:schemeClr>
+          </a:lnRef>
+          <a:fillRef idx="1">
+            <a:schemeClr val="dk1"/>
+          </a:fillRef>
+          <a:effectRef idx="0">
+            <a:schemeClr val="dk1"/>
+          </a:effectRef>
+          <a:fontRef idx="minor">
+            <a:schemeClr val="lt1"/>
+          </a:fontRef>
+        </p:style>
+        <p:txBody>
+          <a:bodyPr rtlCol="0" anchor="ctr"/>
+          <a:lstStyle/>
+          <a:p>
+            <a:pPr algn="ctr"/>
+            <a:endParaRPr lang="en-US" dirty="0"/>
+          </a:p>
+        </p:txBody>
+      </p:sp>
+      <p:sp>
+        <p:nvSpPr>
+          <p:cNvPr id="28" name="TextBox 27">
+            <a:extLst>
+              <a:ext uri="{FF2B5EF4-FFF2-40B4-BE49-F238E27FC236}">
+                <a16:creationId xmlns:a16="http://schemas.microsoft.com/office/drawing/2014/main" xmlns="" id="{57A4E4C5-0B06-4A2B-8B55-35FFFED4220E}"/>
+              </a:ext>
+            </a:extLst>
+          </p:cNvPr>
+          <p:cNvSpPr txBox="1"/>
+          <p:nvPr/>
+        </p:nvSpPr>
+        <p:spPr>
+          <a:xfrm>
+            <a:off x="7410374" y="5398538"/>
+            <a:ext cx="1124026" cy="461665"/>
+          </a:xfrm>
+          <a:prstGeom prst="rect">
+            <a:avLst/>
+          </a:prstGeom>
+          <a:noFill/>
+        </p:spPr>
+        <p:txBody>
+          <a:bodyPr wrap="square" rtlCol="0">
+            <a:spAutoFit/>
+          </a:bodyPr>
+          <a:lstStyle/>
+          <a:p>
+            <a:pPr algn="ctr"/>
+            <a:r>
+              <a:rPr lang="en-US" sz="1200" dirty="0">
+                <a:latin typeface="Arial" panose="020B0604020202020204" pitchFamily="34" charset="0"/>
+                <a:cs typeface="Arial" panose="020B0604020202020204" pitchFamily="34" charset="0"/>
+              </a:rPr>
+              <a:t>Object</a:t>
+            </a:r>
+          </a:p>
+          <a:p>
+            <a:pPr algn="ctr"/>
+            <a:r>
+              <a:rPr lang="en-US" sz="1200" dirty="0" err="1">
+                <a:latin typeface="Arial" panose="020B0604020202020204" pitchFamily="34" charset="0"/>
+                <a:cs typeface="Arial" panose="020B0604020202020204" pitchFamily="34" charset="0"/>
+              </a:rPr>
+              <a:t>prpperty</a:t>
+            </a:r>
+            <a:endParaRPr lang="en-US" sz="1200" dirty="0">
+              <a:latin typeface="Arial" panose="020B0604020202020204" pitchFamily="34" charset="0"/>
+              <a:cs typeface="Arial" panose="020B0604020202020204" pitchFamily="34" charset="0"/>
+            </a:endParaRPr>
+          </a:p>
+        </p:txBody>
+      </p:sp>
+      <p:sp>
+        <p:nvSpPr>
+          <p:cNvPr id="29" name="Speech Bubble: Rectangle 28">
+            <a:extLst>
+              <a:ext uri="{FF2B5EF4-FFF2-40B4-BE49-F238E27FC236}">
+                <a16:creationId xmlns:a16="http://schemas.microsoft.com/office/drawing/2014/main" xmlns="" id="{9DC1B31D-7CD6-4D9F-B693-259B7B7C0958}"/>
+              </a:ext>
+            </a:extLst>
+          </p:cNvPr>
+          <p:cNvSpPr/>
+          <p:nvPr/>
+        </p:nvSpPr>
+        <p:spPr>
+          <a:xfrm>
+            <a:off x="7414040" y="5334000"/>
+            <a:ext cx="1114387" cy="590742"/>
+          </a:xfrm>
+          <a:prstGeom prst="wedgeRectCallout">
+            <a:avLst>
+              <a:gd name="adj1" fmla="val -150030"/>
+              <a:gd name="adj2" fmla="val 4652"/>
+            </a:avLst>
+          </a:prstGeom>
+          <a:noFill/>
+          <a:ln>
+            <a:solidFill>
+              <a:srgbClr val="FF0000"/>
+            </a:solidFill>
+          </a:ln>
+        </p:spPr>
+        <p:style>
+          <a:lnRef idx="2">
+            <a:schemeClr val="dk1">
+              <a:shade val="50000"/>
+            </a:schemeClr>
+          </a:lnRef>
+          <a:fillRef idx="1">
+            <a:schemeClr val="dk1"/>
+          </a:fillRef>
+          <a:effectRef idx="0">
+            <a:schemeClr val="dk1"/>
+          </a:effectRef>
+          <a:fontRef idx="minor">
+            <a:schemeClr val="lt1"/>
+          </a:fontRef>
+        </p:style>
+        <p:txBody>
+          <a:bodyPr rtlCol="0" anchor="ctr"/>
+          <a:lstStyle/>
+          <a:p>
+            <a:pPr algn="ctr"/>
             <a:endParaRPr lang="en-US" dirty="0"/>
           </a:p>
         </p:txBody>
@@ -4261,7 +5260,7 @@
 </p:sld>
 </file>
 
-<file path=ppt/slides/slide12.xml><?xml version="1.0" encoding="utf-8"?>
+<file path=ppt/slides/slide13.xml><?xml version="1.0" encoding="utf-8"?>
 <p:sld xmlns:a="http://schemas.openxmlformats.org/drawingml/2006/main" xmlns:r="http://schemas.openxmlformats.org/officeDocument/2006/relationships" xmlns:p="http://schemas.openxmlformats.org/presentationml/2006/main">
   <p:cSld>
     <p:bg>
@@ -4291,7 +5290,7 @@
           <p:cNvPr id="2" name="Title 1">
             <a:extLst>
               <a:ext uri="{FF2B5EF4-FFF2-40B4-BE49-F238E27FC236}">
-                <a16:creationId xmlns:a16="http://schemas.microsoft.com/office/drawing/2014/main" id="{0266D3F6-82D5-437B-AC00-2DDC88D276F7}"/>
+                <a16:creationId xmlns:a16="http://schemas.microsoft.com/office/drawing/2014/main" xmlns="" id="{0266D3F6-82D5-437B-AC00-2DDC88D276F7}"/>
               </a:ext>
             </a:extLst>
           </p:cNvPr>
@@ -4333,216 +5332,13 @@
   <p:clrMapOvr>
     <a:masterClrMapping/>
   </p:clrMapOvr>
-</p:sld>
-</file>
-
-<file path=ppt/slides/slide13.xml><?xml version="1.0" encoding="utf-8"?>
-<p:sld xmlns:a="http://schemas.openxmlformats.org/drawingml/2006/main" xmlns:r="http://schemas.openxmlformats.org/officeDocument/2006/relationships" xmlns:p="http://schemas.openxmlformats.org/presentationml/2006/main">
-  <p:cSld>
-    <p:spTree>
-      <p:nvGrpSpPr>
-        <p:cNvPr id="1" name=""/>
-        <p:cNvGrpSpPr/>
-        <p:nvPr/>
-      </p:nvGrpSpPr>
-      <p:grpSpPr>
-        <a:xfrm>
-          <a:off x="0" y="0"/>
-          <a:ext cx="0" cy="0"/>
-          <a:chOff x="0" y="0"/>
-          <a:chExt cx="0" cy="0"/>
-        </a:xfrm>
-      </p:grpSpPr>
-      <p:sp>
-        <p:nvSpPr>
-          <p:cNvPr id="2" name="Title 1"/>
-          <p:cNvSpPr>
-            <a:spLocks noGrp="1"/>
-          </p:cNvSpPr>
-          <p:nvPr>
-            <p:ph type="title"/>
-          </p:nvPr>
-        </p:nvSpPr>
-        <p:spPr>
-          <a:xfrm>
-            <a:off x="457200" y="274638"/>
-            <a:ext cx="8686800" cy="1143000"/>
-          </a:xfrm>
-        </p:spPr>
-        <p:txBody>
-          <a:bodyPr>
-            <a:normAutofit/>
-          </a:bodyPr>
-          <a:lstStyle/>
-          <a:p>
-            <a:pPr algn="l"/>
-            <a:r>
-              <a:rPr lang="en-US" sz="3000" b="1" dirty="0">
-                <a:latin typeface="Arial" pitchFamily="34" charset="0"/>
-                <a:cs typeface="Arial" pitchFamily="34" charset="0"/>
-              </a:rPr>
-              <a:t>Create First Mobile Testing Script</a:t>
-            </a:r>
-          </a:p>
-        </p:txBody>
-      </p:sp>
-      <p:sp>
-        <p:nvSpPr>
-          <p:cNvPr id="3" name="Content Placeholder 2"/>
-          <p:cNvSpPr>
-            <a:spLocks noGrp="1"/>
-          </p:cNvSpPr>
-          <p:nvPr>
-            <p:ph idx="1"/>
-          </p:nvPr>
-        </p:nvSpPr>
-        <p:spPr>
-          <a:xfrm>
-            <a:off x="457200" y="1371600"/>
-            <a:ext cx="8382000" cy="5105400"/>
-          </a:xfrm>
-        </p:spPr>
-        <p:txBody>
-          <a:bodyPr>
-            <a:normAutofit/>
-          </a:bodyPr>
-          <a:lstStyle/>
-          <a:p>
-            <a:pPr>
-              <a:lnSpc>
-                <a:spcPct val="150000"/>
-              </a:lnSpc>
-            </a:pPr>
-            <a:r>
-              <a:rPr lang="en-US" sz="2000" dirty="0">
-                <a:latin typeface="Arial" pitchFamily="34" charset="0"/>
-                <a:cs typeface="Arial" pitchFamily="34" charset="0"/>
-              </a:rPr>
-              <a:t>Test Step</a:t>
-            </a:r>
-          </a:p>
-          <a:p>
-            <a:pPr marL="800100" lvl="1" indent="-342900">
-              <a:lnSpc>
-                <a:spcPct val="150000"/>
-              </a:lnSpc>
-              <a:buFont typeface="+mj-lt"/>
-              <a:buAutoNum type="arabicPeriod"/>
-            </a:pPr>
-            <a:r>
-              <a:rPr lang="en-US" sz="1600" dirty="0">
-                <a:latin typeface="Arial" pitchFamily="34" charset="0"/>
-                <a:cs typeface="Arial" pitchFamily="34" charset="0"/>
-              </a:rPr>
-              <a:t>Open </a:t>
-            </a:r>
-            <a:r>
-              <a:rPr lang="en-US" sz="1600" b="1" dirty="0">
-                <a:latin typeface="Arial" pitchFamily="34" charset="0"/>
-                <a:cs typeface="Arial" pitchFamily="34" charset="0"/>
-              </a:rPr>
-              <a:t>Unit Converter </a:t>
-            </a:r>
-            <a:r>
-              <a:rPr lang="en-US" sz="1600" dirty="0">
-                <a:latin typeface="Arial" pitchFamily="34" charset="0"/>
-                <a:cs typeface="Arial" pitchFamily="34" charset="0"/>
-              </a:rPr>
-              <a:t>Application</a:t>
-            </a:r>
-          </a:p>
-          <a:p>
-            <a:pPr marL="800100" lvl="1" indent="-342900">
-              <a:lnSpc>
-                <a:spcPct val="150000"/>
-              </a:lnSpc>
-              <a:buFont typeface="+mj-lt"/>
-              <a:buAutoNum type="arabicPeriod"/>
-            </a:pPr>
-            <a:r>
-              <a:rPr lang="en-US" sz="1600" dirty="0">
-                <a:latin typeface="Arial" pitchFamily="34" charset="0"/>
-                <a:cs typeface="Arial" pitchFamily="34" charset="0"/>
-              </a:rPr>
-              <a:t>Click 7 Button</a:t>
-            </a:r>
-          </a:p>
-          <a:p>
-            <a:pPr marL="800100" lvl="1" indent="-342900">
-              <a:lnSpc>
-                <a:spcPct val="150000"/>
-              </a:lnSpc>
-              <a:buFont typeface="+mj-lt"/>
-              <a:buAutoNum type="arabicPeriod"/>
-            </a:pPr>
-            <a:r>
-              <a:rPr lang="en-US" sz="1600" dirty="0">
-                <a:latin typeface="Arial" pitchFamily="34" charset="0"/>
-                <a:cs typeface="Arial" pitchFamily="34" charset="0"/>
-              </a:rPr>
-              <a:t>Click 9 Button</a:t>
-            </a:r>
-          </a:p>
-          <a:p>
-            <a:pPr marL="800100" lvl="1" indent="-342900">
-              <a:lnSpc>
-                <a:spcPct val="150000"/>
-              </a:lnSpc>
-              <a:buFont typeface="+mj-lt"/>
-              <a:buAutoNum type="arabicPeriod"/>
-            </a:pPr>
-            <a:r>
-              <a:rPr lang="en-US" sz="1600" dirty="0">
-                <a:latin typeface="Arial" pitchFamily="34" charset="0"/>
-                <a:cs typeface="Arial" pitchFamily="34" charset="0"/>
-              </a:rPr>
-              <a:t>Verify that application convert data correctly</a:t>
-            </a:r>
-          </a:p>
-          <a:p>
-            <a:pPr marL="800100" lvl="1" indent="-342900">
-              <a:lnSpc>
-                <a:spcPct val="150000"/>
-              </a:lnSpc>
-              <a:buFont typeface="+mj-lt"/>
-              <a:buAutoNum type="arabicPeriod"/>
-            </a:pPr>
-            <a:r>
-              <a:rPr lang="en-US" sz="1600" dirty="0">
-                <a:latin typeface="Arial" pitchFamily="34" charset="0"/>
-                <a:cs typeface="Arial" pitchFamily="34" charset="0"/>
-              </a:rPr>
-              <a:t>Click Menu </a:t>
-            </a:r>
-          </a:p>
-          <a:p>
-            <a:pPr marL="800100" lvl="1" indent="-342900">
-              <a:lnSpc>
-                <a:spcPct val="150000"/>
-              </a:lnSpc>
-              <a:buFont typeface="+mj-lt"/>
-              <a:buAutoNum type="arabicPeriod"/>
-            </a:pPr>
-            <a:r>
-              <a:rPr lang="en-US" sz="1600" dirty="0">
-                <a:latin typeface="Arial" pitchFamily="34" charset="0"/>
-                <a:cs typeface="Arial" pitchFamily="34" charset="0"/>
-              </a:rPr>
-              <a:t>Verify that menu is opened</a:t>
-            </a:r>
-          </a:p>
-        </p:txBody>
-      </p:sp>
-    </p:spTree>
-    <p:extLst>
-      <p:ext uri="{BB962C8B-B14F-4D97-AF65-F5344CB8AC3E}">
-        <p14:creationId xmlns:p14="http://schemas.microsoft.com/office/powerpoint/2010/main" val="3146756349"/>
-      </p:ext>
-    </p:extLst>
-  </p:cSld>
-  <p:clrMapOvr>
-    <a:masterClrMapping/>
-  </p:clrMapOvr>
+  <p:timing>
+    <p:tnLst>
+      <p:par>
+        <p:cTn id="1" dur="indefinite" restart="never" nodeType="tmRoot"/>
+      </p:par>
+    </p:tnLst>
+  </p:timing>
 </p:sld>
 </file>
 
@@ -4591,6 +5387,255 @@
                 <a:latin typeface="Arial" pitchFamily="34" charset="0"/>
                 <a:cs typeface="Arial" pitchFamily="34" charset="0"/>
               </a:rPr>
+              <a:t>Create First Mobile Testing Script</a:t>
+            </a:r>
+          </a:p>
+        </p:txBody>
+      </p:sp>
+      <p:sp>
+        <p:nvSpPr>
+          <p:cNvPr id="3" name="Content Placeholder 2"/>
+          <p:cNvSpPr>
+            <a:spLocks noGrp="1"/>
+          </p:cNvSpPr>
+          <p:nvPr>
+            <p:ph idx="1"/>
+          </p:nvPr>
+        </p:nvSpPr>
+        <p:spPr>
+          <a:xfrm>
+            <a:off x="457200" y="1371600"/>
+            <a:ext cx="8382000" cy="5105400"/>
+          </a:xfrm>
+        </p:spPr>
+        <p:txBody>
+          <a:bodyPr>
+            <a:normAutofit/>
+          </a:bodyPr>
+          <a:lstStyle/>
+          <a:p>
+            <a:pPr>
+              <a:lnSpc>
+                <a:spcPct val="150000"/>
+              </a:lnSpc>
+            </a:pPr>
+            <a:r>
+              <a:rPr lang="en-US" sz="2000" dirty="0" smtClean="0">
+                <a:latin typeface="Arial" pitchFamily="34" charset="0"/>
+                <a:cs typeface="Arial" pitchFamily="34" charset="0"/>
+              </a:rPr>
+              <a:t>Install </a:t>
+            </a:r>
+            <a:r>
+              <a:rPr lang="en-US" sz="2000" dirty="0" err="1" smtClean="0">
+                <a:latin typeface="Arial" pitchFamily="34" charset="0"/>
+                <a:cs typeface="Arial" pitchFamily="34" charset="0"/>
+              </a:rPr>
+              <a:t>robotframework-appiumlibrary</a:t>
+            </a:r>
+            <a:endParaRPr lang="en-US" sz="2000" dirty="0" smtClean="0">
+              <a:latin typeface="Arial" pitchFamily="34" charset="0"/>
+              <a:cs typeface="Arial" pitchFamily="34" charset="0"/>
+            </a:endParaRPr>
+          </a:p>
+          <a:p>
+            <a:pPr>
+              <a:lnSpc>
+                <a:spcPct val="150000"/>
+              </a:lnSpc>
+            </a:pPr>
+            <a:r>
+              <a:rPr lang="en-US" sz="2000" dirty="0" smtClean="0">
+                <a:latin typeface="Arial" pitchFamily="34" charset="0"/>
+                <a:cs typeface="Arial" pitchFamily="34" charset="0"/>
+              </a:rPr>
+              <a:t>Test </a:t>
+            </a:r>
+            <a:r>
+              <a:rPr lang="en-US" sz="2000" dirty="0">
+                <a:latin typeface="Arial" pitchFamily="34" charset="0"/>
+                <a:cs typeface="Arial" pitchFamily="34" charset="0"/>
+              </a:rPr>
+              <a:t>Step</a:t>
+            </a:r>
+          </a:p>
+          <a:p>
+            <a:pPr marL="800100" lvl="1" indent="-342900">
+              <a:lnSpc>
+                <a:spcPct val="150000"/>
+              </a:lnSpc>
+              <a:buFont typeface="+mj-lt"/>
+              <a:buAutoNum type="arabicPeriod"/>
+            </a:pPr>
+            <a:r>
+              <a:rPr lang="en-US" sz="1600" dirty="0">
+                <a:latin typeface="Arial" pitchFamily="34" charset="0"/>
+                <a:cs typeface="Arial" pitchFamily="34" charset="0"/>
+              </a:rPr>
+              <a:t>Open </a:t>
+            </a:r>
+            <a:r>
+              <a:rPr lang="en-US" sz="1600" b="1" dirty="0">
+                <a:latin typeface="Arial" pitchFamily="34" charset="0"/>
+                <a:cs typeface="Arial" pitchFamily="34" charset="0"/>
+              </a:rPr>
+              <a:t>Unit Converter </a:t>
+            </a:r>
+            <a:r>
+              <a:rPr lang="en-US" sz="1600" dirty="0">
+                <a:latin typeface="Arial" pitchFamily="34" charset="0"/>
+                <a:cs typeface="Arial" pitchFamily="34" charset="0"/>
+              </a:rPr>
+              <a:t>Application</a:t>
+            </a:r>
+          </a:p>
+          <a:p>
+            <a:pPr marL="800100" lvl="1" indent="-342900">
+              <a:lnSpc>
+                <a:spcPct val="150000"/>
+              </a:lnSpc>
+              <a:buFont typeface="+mj-lt"/>
+              <a:buAutoNum type="arabicPeriod"/>
+            </a:pPr>
+            <a:r>
+              <a:rPr lang="en-US" sz="1600" dirty="0">
+                <a:latin typeface="Arial" pitchFamily="34" charset="0"/>
+                <a:cs typeface="Arial" pitchFamily="34" charset="0"/>
+              </a:rPr>
+              <a:t>Click 7 Button</a:t>
+            </a:r>
+          </a:p>
+          <a:p>
+            <a:pPr marL="800100" lvl="1" indent="-342900">
+              <a:lnSpc>
+                <a:spcPct val="150000"/>
+              </a:lnSpc>
+              <a:buFont typeface="+mj-lt"/>
+              <a:buAutoNum type="arabicPeriod"/>
+            </a:pPr>
+            <a:r>
+              <a:rPr lang="en-US" sz="1600" dirty="0">
+                <a:latin typeface="Arial" pitchFamily="34" charset="0"/>
+                <a:cs typeface="Arial" pitchFamily="34" charset="0"/>
+              </a:rPr>
+              <a:t>Click 9 Button</a:t>
+            </a:r>
+          </a:p>
+          <a:p>
+            <a:pPr marL="800100" lvl="1" indent="-342900">
+              <a:lnSpc>
+                <a:spcPct val="150000"/>
+              </a:lnSpc>
+              <a:buFont typeface="+mj-lt"/>
+              <a:buAutoNum type="arabicPeriod"/>
+            </a:pPr>
+            <a:r>
+              <a:rPr lang="en-US" sz="1600" dirty="0">
+                <a:latin typeface="Arial" pitchFamily="34" charset="0"/>
+                <a:cs typeface="Arial" pitchFamily="34" charset="0"/>
+              </a:rPr>
+              <a:t>Verify that application convert data correctly</a:t>
+            </a:r>
+          </a:p>
+          <a:p>
+            <a:pPr marL="800100" lvl="1" indent="-342900">
+              <a:lnSpc>
+                <a:spcPct val="150000"/>
+              </a:lnSpc>
+              <a:buFont typeface="+mj-lt"/>
+              <a:buAutoNum type="arabicPeriod"/>
+            </a:pPr>
+            <a:r>
+              <a:rPr lang="en-US" sz="1600" dirty="0">
+                <a:latin typeface="Arial" pitchFamily="34" charset="0"/>
+                <a:cs typeface="Arial" pitchFamily="34" charset="0"/>
+              </a:rPr>
+              <a:t>Click Menu </a:t>
+            </a:r>
+          </a:p>
+          <a:p>
+            <a:pPr marL="800100" lvl="1" indent="-342900">
+              <a:lnSpc>
+                <a:spcPct val="150000"/>
+              </a:lnSpc>
+              <a:buFont typeface="+mj-lt"/>
+              <a:buAutoNum type="arabicPeriod"/>
+            </a:pPr>
+            <a:r>
+              <a:rPr lang="en-US" sz="1600" dirty="0">
+                <a:latin typeface="Arial" pitchFamily="34" charset="0"/>
+                <a:cs typeface="Arial" pitchFamily="34" charset="0"/>
+              </a:rPr>
+              <a:t>Verify that menu is opened</a:t>
+            </a:r>
+          </a:p>
+        </p:txBody>
+      </p:sp>
+    </p:spTree>
+    <p:extLst>
+      <p:ext uri="{BB962C8B-B14F-4D97-AF65-F5344CB8AC3E}">
+        <p14:creationId xmlns:p14="http://schemas.microsoft.com/office/powerpoint/2010/main" val="3146756349"/>
+      </p:ext>
+    </p:extLst>
+  </p:cSld>
+  <p:clrMapOvr>
+    <a:masterClrMapping/>
+  </p:clrMapOvr>
+  <p:timing>
+    <p:tnLst>
+      <p:par>
+        <p:cTn id="1" dur="indefinite" restart="never" nodeType="tmRoot"/>
+      </p:par>
+    </p:tnLst>
+  </p:timing>
+</p:sld>
+</file>
+
+<file path=ppt/slides/slide15.xml><?xml version="1.0" encoding="utf-8"?>
+<p:sld xmlns:a="http://schemas.openxmlformats.org/drawingml/2006/main" xmlns:r="http://schemas.openxmlformats.org/officeDocument/2006/relationships" xmlns:p="http://schemas.openxmlformats.org/presentationml/2006/main">
+  <p:cSld>
+    <p:spTree>
+      <p:nvGrpSpPr>
+        <p:cNvPr id="1" name=""/>
+        <p:cNvGrpSpPr/>
+        <p:nvPr/>
+      </p:nvGrpSpPr>
+      <p:grpSpPr>
+        <a:xfrm>
+          <a:off x="0" y="0"/>
+          <a:ext cx="0" cy="0"/>
+          <a:chOff x="0" y="0"/>
+          <a:chExt cx="0" cy="0"/>
+        </a:xfrm>
+      </p:grpSpPr>
+      <p:sp>
+        <p:nvSpPr>
+          <p:cNvPr id="2" name="Title 1"/>
+          <p:cNvSpPr>
+            <a:spLocks noGrp="1"/>
+          </p:cNvSpPr>
+          <p:nvPr>
+            <p:ph type="title"/>
+          </p:nvPr>
+        </p:nvSpPr>
+        <p:spPr>
+          <a:xfrm>
+            <a:off x="457200" y="274638"/>
+            <a:ext cx="8686800" cy="1143000"/>
+          </a:xfrm>
+        </p:spPr>
+        <p:txBody>
+          <a:bodyPr>
+            <a:normAutofit/>
+          </a:bodyPr>
+          <a:lstStyle/>
+          <a:p>
+            <a:pPr algn="l"/>
+            <a:r>
+              <a:rPr lang="en-US" sz="3000" b="1" dirty="0">
+                <a:latin typeface="Arial" pitchFamily="34" charset="0"/>
+                <a:cs typeface="Arial" pitchFamily="34" charset="0"/>
+              </a:rPr>
               <a:t>Example Robot Framework Script</a:t>
             </a:r>
           </a:p>
@@ -4771,7 +5816,7 @@
           <p:cNvPr id="7" name="Picture 6">
             <a:extLst>
               <a:ext uri="{FF2B5EF4-FFF2-40B4-BE49-F238E27FC236}">
-                <a16:creationId xmlns:a16="http://schemas.microsoft.com/office/drawing/2014/main" id="{1C1897B6-E82F-4C6B-9D17-9FC34E040CAA}"/>
+                <a16:creationId xmlns:a16="http://schemas.microsoft.com/office/drawing/2014/main" xmlns="" id="{1C1897B6-E82F-4C6B-9D17-9FC34E040CAA}"/>
               </a:ext>
             </a:extLst>
           </p:cNvPr>
@@ -4812,10 +5857,17 @@
   <p:clrMapOvr>
     <a:masterClrMapping/>
   </p:clrMapOvr>
+  <p:timing>
+    <p:tnLst>
+      <p:par>
+        <p:cTn id="1" dur="indefinite" restart="never" nodeType="tmRoot"/>
+      </p:par>
+    </p:tnLst>
+  </p:timing>
 </p:sld>
 </file>
 
-<file path=ppt/slides/slide15.xml><?xml version="1.0" encoding="utf-8"?>
+<file path=ppt/slides/slide16.xml><?xml version="1.0" encoding="utf-8"?>
 <p:sld xmlns:a="http://schemas.openxmlformats.org/drawingml/2006/main" xmlns:r="http://schemas.openxmlformats.org/officeDocument/2006/relationships" xmlns:p="http://schemas.openxmlformats.org/presentationml/2006/main">
   <p:cSld>
     <p:spTree>
@@ -5090,7 +6142,7 @@
           <p:cNvPr id="5" name="Picture 4">
             <a:extLst>
               <a:ext uri="{FF2B5EF4-FFF2-40B4-BE49-F238E27FC236}">
-                <a16:creationId xmlns:a16="http://schemas.microsoft.com/office/drawing/2014/main" id="{04B827E4-A72F-4EE5-B0A1-A86AA5BE0159}"/>
+                <a16:creationId xmlns:a16="http://schemas.microsoft.com/office/drawing/2014/main" xmlns="" id="{04B827E4-A72F-4EE5-B0A1-A86AA5BE0159}"/>
               </a:ext>
             </a:extLst>
           </p:cNvPr>
@@ -5126,7 +6178,7 @@
           <p:cNvPr id="10" name="Picture 9">
             <a:extLst>
               <a:ext uri="{FF2B5EF4-FFF2-40B4-BE49-F238E27FC236}">
-                <a16:creationId xmlns:a16="http://schemas.microsoft.com/office/drawing/2014/main" id="{2D347FCF-7067-4F71-8471-4A0D8685CB1F}"/>
+                <a16:creationId xmlns:a16="http://schemas.microsoft.com/office/drawing/2014/main" xmlns="" id="{2D347FCF-7067-4F71-8471-4A0D8685CB1F}"/>
               </a:ext>
             </a:extLst>
           </p:cNvPr>
@@ -5162,7 +6214,7 @@
           <p:cNvPr id="12" name="Picture 11">
             <a:extLst>
               <a:ext uri="{FF2B5EF4-FFF2-40B4-BE49-F238E27FC236}">
-                <a16:creationId xmlns:a16="http://schemas.microsoft.com/office/drawing/2014/main" id="{E3415B23-5E22-4784-BF26-A311744F89FF}"/>
+                <a16:creationId xmlns:a16="http://schemas.microsoft.com/office/drawing/2014/main" xmlns="" id="{E3415B23-5E22-4784-BF26-A311744F89FF}"/>
               </a:ext>
             </a:extLst>
           </p:cNvPr>
@@ -5198,7 +6250,7 @@
           <p:cNvPr id="14" name="Picture 13">
             <a:extLst>
               <a:ext uri="{FF2B5EF4-FFF2-40B4-BE49-F238E27FC236}">
-                <a16:creationId xmlns:a16="http://schemas.microsoft.com/office/drawing/2014/main" id="{3973DD4E-0906-42FD-8968-F53F9E886087}"/>
+                <a16:creationId xmlns:a16="http://schemas.microsoft.com/office/drawing/2014/main" xmlns="" id="{3973DD4E-0906-42FD-8968-F53F9E886087}"/>
               </a:ext>
             </a:extLst>
           </p:cNvPr>
@@ -5234,7 +6286,7 @@
           <p:cNvPr id="15" name="TextBox 14">
             <a:extLst>
               <a:ext uri="{FF2B5EF4-FFF2-40B4-BE49-F238E27FC236}">
-                <a16:creationId xmlns:a16="http://schemas.microsoft.com/office/drawing/2014/main" id="{1129F262-611B-41BB-91D9-B83AA8C9C9C8}"/>
+                <a16:creationId xmlns:a16="http://schemas.microsoft.com/office/drawing/2014/main" xmlns="" id="{1129F262-611B-41BB-91D9-B83AA8C9C9C8}"/>
               </a:ext>
             </a:extLst>
           </p:cNvPr>
@@ -5277,7 +6329,7 @@
           <p:cNvPr id="16" name="Speech Bubble: Rectangle 15">
             <a:extLst>
               <a:ext uri="{FF2B5EF4-FFF2-40B4-BE49-F238E27FC236}">
-                <a16:creationId xmlns:a16="http://schemas.microsoft.com/office/drawing/2014/main" id="{35848570-A817-412A-BD37-76FD81D18326}"/>
+                <a16:creationId xmlns:a16="http://schemas.microsoft.com/office/drawing/2014/main" xmlns="" id="{35848570-A817-412A-BD37-76FD81D18326}"/>
               </a:ext>
             </a:extLst>
           </p:cNvPr>
@@ -5332,7 +6384,7 @@
           <p:cNvPr id="17" name="TextBox 16">
             <a:extLst>
               <a:ext uri="{FF2B5EF4-FFF2-40B4-BE49-F238E27FC236}">
-                <a16:creationId xmlns:a16="http://schemas.microsoft.com/office/drawing/2014/main" id="{13D820EC-9042-434E-96F3-A4D6CFB203FF}"/>
+                <a16:creationId xmlns:a16="http://schemas.microsoft.com/office/drawing/2014/main" xmlns="" id="{13D820EC-9042-434E-96F3-A4D6CFB203FF}"/>
               </a:ext>
             </a:extLst>
           </p:cNvPr>
@@ -5375,7 +6427,7 @@
           <p:cNvPr id="18" name="Speech Bubble: Rectangle 17">
             <a:extLst>
               <a:ext uri="{FF2B5EF4-FFF2-40B4-BE49-F238E27FC236}">
-                <a16:creationId xmlns:a16="http://schemas.microsoft.com/office/drawing/2014/main" id="{1CFA6ADF-FED8-4B34-9D12-F23240FB9413}"/>
+                <a16:creationId xmlns:a16="http://schemas.microsoft.com/office/drawing/2014/main" xmlns="" id="{1CFA6ADF-FED8-4B34-9D12-F23240FB9413}"/>
               </a:ext>
             </a:extLst>
           </p:cNvPr>
@@ -5435,10 +6487,17 @@
   <p:clrMapOvr>
     <a:masterClrMapping/>
   </p:clrMapOvr>
+  <p:timing>
+    <p:tnLst>
+      <p:par>
+        <p:cTn id="1" dur="indefinite" restart="never" nodeType="tmRoot"/>
+      </p:par>
+    </p:tnLst>
+  </p:timing>
 </p:sld>
 </file>
 
-<file path=ppt/slides/slide16.xml><?xml version="1.0" encoding="utf-8"?>
+<file path=ppt/slides/slide17.xml><?xml version="1.0" encoding="utf-8"?>
 <p:sld xmlns:a="http://schemas.openxmlformats.org/drawingml/2006/main" xmlns:r="http://schemas.openxmlformats.org/officeDocument/2006/relationships" xmlns:p="http://schemas.openxmlformats.org/presentationml/2006/main">
   <p:cSld>
     <p:bg>
@@ -5468,7 +6527,7 @@
           <p:cNvPr id="2" name="Title 1">
             <a:extLst>
               <a:ext uri="{FF2B5EF4-FFF2-40B4-BE49-F238E27FC236}">
-                <a16:creationId xmlns:a16="http://schemas.microsoft.com/office/drawing/2014/main" id="{0266D3F6-82D5-437B-AC00-2DDC88D276F7}"/>
+                <a16:creationId xmlns:a16="http://schemas.microsoft.com/office/drawing/2014/main" xmlns="" id="{0266D3F6-82D5-437B-AC00-2DDC88D276F7}"/>
               </a:ext>
             </a:extLst>
           </p:cNvPr>
@@ -5510,320 +6569,13 @@
   <p:clrMapOvr>
     <a:masterClrMapping/>
   </p:clrMapOvr>
-</p:sld>
-</file>
-
-<file path=ppt/slides/slide17.xml><?xml version="1.0" encoding="utf-8"?>
-<p:sld xmlns:a="http://schemas.openxmlformats.org/drawingml/2006/main" xmlns:r="http://schemas.openxmlformats.org/officeDocument/2006/relationships" xmlns:p="http://schemas.openxmlformats.org/presentationml/2006/main">
-  <p:cSld>
-    <p:spTree>
-      <p:nvGrpSpPr>
-        <p:cNvPr id="1" name=""/>
-        <p:cNvGrpSpPr/>
-        <p:nvPr/>
-      </p:nvGrpSpPr>
-      <p:grpSpPr>
-        <a:xfrm>
-          <a:off x="0" y="0"/>
-          <a:ext cx="0" cy="0"/>
-          <a:chOff x="0" y="0"/>
-          <a:chExt cx="0" cy="0"/>
-        </a:xfrm>
-      </p:grpSpPr>
-      <p:sp>
-        <p:nvSpPr>
-          <p:cNvPr id="2" name="Title 1"/>
-          <p:cNvSpPr>
-            <a:spLocks noGrp="1"/>
-          </p:cNvSpPr>
-          <p:nvPr>
-            <p:ph type="title"/>
-          </p:nvPr>
-        </p:nvSpPr>
-        <p:spPr>
-          <a:xfrm>
-            <a:off x="457200" y="274638"/>
-            <a:ext cx="8686800" cy="1143000"/>
-          </a:xfrm>
-        </p:spPr>
-        <p:txBody>
-          <a:bodyPr>
-            <a:normAutofit/>
-          </a:bodyPr>
-          <a:lstStyle/>
-          <a:p>
-            <a:pPr algn="l"/>
-            <a:r>
-              <a:rPr lang="en-US" sz="3000" b="1" dirty="0">
-                <a:latin typeface="Arial" pitchFamily="34" charset="0"/>
-                <a:cs typeface="Arial" pitchFamily="34" charset="0"/>
-              </a:rPr>
-              <a:t>Environment Installation</a:t>
-            </a:r>
-          </a:p>
-        </p:txBody>
-      </p:sp>
-      <p:sp>
-        <p:nvSpPr>
-          <p:cNvPr id="3" name="Content Placeholder 2"/>
-          <p:cNvSpPr>
-            <a:spLocks noGrp="1"/>
-          </p:cNvSpPr>
-          <p:nvPr>
-            <p:ph idx="1"/>
-          </p:nvPr>
-        </p:nvSpPr>
-        <p:spPr>
-          <a:xfrm>
-            <a:off x="457200" y="1371600"/>
-            <a:ext cx="8229600" cy="4525963"/>
-          </a:xfrm>
-        </p:spPr>
-        <p:txBody>
-          <a:bodyPr>
-            <a:normAutofit fontScale="85000" lnSpcReduction="20000"/>
-          </a:bodyPr>
-          <a:lstStyle/>
-          <a:p>
-            <a:pPr>
-              <a:lnSpc>
-                <a:spcPct val="150000"/>
-              </a:lnSpc>
-            </a:pPr>
-            <a:r>
-              <a:rPr lang="en-US" sz="2400" dirty="0">
-                <a:latin typeface="Arial" pitchFamily="34" charset="0"/>
-                <a:cs typeface="Arial" pitchFamily="34" charset="0"/>
-              </a:rPr>
-              <a:t>System requirement</a:t>
-            </a:r>
-          </a:p>
-          <a:p>
-            <a:pPr lvl="1">
-              <a:lnSpc>
-                <a:spcPct val="150000"/>
-              </a:lnSpc>
-            </a:pPr>
-            <a:r>
-              <a:rPr lang="en-US" sz="2000" dirty="0">
-                <a:latin typeface="Arial" pitchFamily="34" charset="0"/>
-                <a:cs typeface="Arial" pitchFamily="34" charset="0"/>
-              </a:rPr>
-              <a:t>Install Appium</a:t>
-            </a:r>
-          </a:p>
-          <a:p>
-            <a:pPr lvl="2">
-              <a:lnSpc>
-                <a:spcPct val="150000"/>
-              </a:lnSpc>
-            </a:pPr>
-            <a:r>
-              <a:rPr lang="en-US" sz="1600" dirty="0">
-                <a:latin typeface="Arial" pitchFamily="34" charset="0"/>
-                <a:cs typeface="Arial" pitchFamily="34" charset="0"/>
-              </a:rPr>
-              <a:t>http://appium.io/docs/en/about-appium/getting-started/</a:t>
-            </a:r>
-          </a:p>
-          <a:p>
-            <a:pPr lvl="1">
-              <a:lnSpc>
-                <a:spcPct val="150000"/>
-              </a:lnSpc>
-            </a:pPr>
-            <a:r>
-              <a:rPr lang="en-US" sz="2000" dirty="0">
-                <a:latin typeface="Arial" pitchFamily="34" charset="0"/>
-                <a:cs typeface="Arial" pitchFamily="34" charset="0"/>
-              </a:rPr>
-              <a:t>Install </a:t>
-            </a:r>
-            <a:r>
-              <a:rPr lang="en-US" sz="2000" dirty="0" err="1">
-                <a:latin typeface="Arial" pitchFamily="34" charset="0"/>
-                <a:cs typeface="Arial" pitchFamily="34" charset="0"/>
-              </a:rPr>
-              <a:t>Xcode</a:t>
-            </a:r>
-            <a:endParaRPr lang="en-US" sz="1600" dirty="0">
-              <a:latin typeface="Arial" pitchFamily="34" charset="0"/>
-              <a:cs typeface="Arial" pitchFamily="34" charset="0"/>
-            </a:endParaRPr>
-          </a:p>
-          <a:p>
-            <a:pPr>
-              <a:lnSpc>
-                <a:spcPct val="150000"/>
-              </a:lnSpc>
-            </a:pPr>
-            <a:r>
-              <a:rPr lang="en-US" sz="2400" dirty="0">
-                <a:latin typeface="Arial" pitchFamily="34" charset="0"/>
-                <a:cs typeface="Arial" pitchFamily="34" charset="0"/>
-              </a:rPr>
-              <a:t>Appium </a:t>
-            </a:r>
-            <a:r>
-              <a:rPr lang="en-US" sz="2400" dirty="0" err="1">
-                <a:latin typeface="Arial" pitchFamily="34" charset="0"/>
-                <a:cs typeface="Arial" pitchFamily="34" charset="0"/>
-              </a:rPr>
-              <a:t>XCUITest</a:t>
-            </a:r>
-            <a:r>
-              <a:rPr lang="en-US" sz="2400" dirty="0">
-                <a:latin typeface="Arial" pitchFamily="34" charset="0"/>
-                <a:cs typeface="Arial" pitchFamily="34" charset="0"/>
-              </a:rPr>
-              <a:t> Driver Real Device Setup</a:t>
-            </a:r>
-          </a:p>
-          <a:p>
-            <a:pPr lvl="1">
-              <a:lnSpc>
-                <a:spcPct val="150000"/>
-              </a:lnSpc>
-            </a:pPr>
-            <a:r>
-              <a:rPr lang="en-US" sz="2000" dirty="0">
-                <a:latin typeface="Arial" pitchFamily="34" charset="0"/>
-                <a:cs typeface="Arial" pitchFamily="34" charset="0"/>
-              </a:rPr>
-              <a:t>brew install </a:t>
-            </a:r>
-            <a:r>
-              <a:rPr lang="en-US" sz="2000" dirty="0" err="1">
-                <a:latin typeface="Arial" pitchFamily="34" charset="0"/>
-                <a:cs typeface="Arial" pitchFamily="34" charset="0"/>
-              </a:rPr>
-              <a:t>libimobiledevice</a:t>
-            </a:r>
-            <a:endParaRPr lang="en-US" sz="2000" dirty="0">
-              <a:latin typeface="Arial" pitchFamily="34" charset="0"/>
-              <a:cs typeface="Arial" pitchFamily="34" charset="0"/>
-            </a:endParaRPr>
-          </a:p>
-          <a:p>
-            <a:pPr lvl="1">
-              <a:lnSpc>
-                <a:spcPct val="150000"/>
-              </a:lnSpc>
-            </a:pPr>
-            <a:r>
-              <a:rPr lang="en-US" sz="2000" dirty="0" err="1">
-                <a:latin typeface="Arial" pitchFamily="34" charset="0"/>
-                <a:cs typeface="Arial" pitchFamily="34" charset="0"/>
-              </a:rPr>
-              <a:t>npm</a:t>
-            </a:r>
-            <a:r>
-              <a:rPr lang="en-US" sz="2000" dirty="0">
-                <a:latin typeface="Arial" pitchFamily="34" charset="0"/>
-                <a:cs typeface="Arial" pitchFamily="34" charset="0"/>
-              </a:rPr>
-              <a:t> install -g </a:t>
-            </a:r>
-            <a:r>
-              <a:rPr lang="en-US" sz="2000" dirty="0" err="1">
-                <a:latin typeface="Arial" pitchFamily="34" charset="0"/>
-                <a:cs typeface="Arial" pitchFamily="34" charset="0"/>
-              </a:rPr>
-              <a:t>ios</a:t>
-            </a:r>
-            <a:r>
-              <a:rPr lang="en-US" sz="2000" dirty="0">
-                <a:latin typeface="Arial" pitchFamily="34" charset="0"/>
-                <a:cs typeface="Arial" pitchFamily="34" charset="0"/>
-              </a:rPr>
-              <a:t>-deploy</a:t>
-            </a:r>
-          </a:p>
-          <a:p>
-            <a:pPr lvl="1">
-              <a:lnSpc>
-                <a:spcPct val="150000"/>
-              </a:lnSpc>
-            </a:pPr>
-            <a:r>
-              <a:rPr lang="en-US" sz="2000" dirty="0">
-                <a:latin typeface="Arial" pitchFamily="34" charset="0"/>
-                <a:cs typeface="Arial" pitchFamily="34" charset="0"/>
-              </a:rPr>
-              <a:t>brew install </a:t>
-            </a:r>
-            <a:r>
-              <a:rPr lang="en-US" sz="2000" dirty="0" err="1">
-                <a:latin typeface="Arial" pitchFamily="34" charset="0"/>
-                <a:cs typeface="Arial" pitchFamily="34" charset="0"/>
-              </a:rPr>
-              <a:t>ios</a:t>
-            </a:r>
-            <a:r>
-              <a:rPr lang="en-US" sz="2000" dirty="0">
-                <a:latin typeface="Arial" pitchFamily="34" charset="0"/>
-                <a:cs typeface="Arial" pitchFamily="34" charset="0"/>
-              </a:rPr>
-              <a:t>-deploy</a:t>
-            </a:r>
-          </a:p>
-          <a:p>
-            <a:pPr>
-              <a:lnSpc>
-                <a:spcPct val="150000"/>
-              </a:lnSpc>
-            </a:pPr>
-            <a:r>
-              <a:rPr lang="en-US" sz="2400" dirty="0">
-                <a:latin typeface="Arial" pitchFamily="34" charset="0"/>
-                <a:cs typeface="Arial" pitchFamily="34" charset="0"/>
-              </a:rPr>
-              <a:t>Follow the full manual configuration to setup </a:t>
-            </a:r>
-            <a:r>
-              <a:rPr lang="en-US" sz="2400" b="1" dirty="0" err="1">
-                <a:solidFill>
-                  <a:schemeClr val="accent1"/>
-                </a:solidFill>
-                <a:latin typeface="Arial" pitchFamily="34" charset="0"/>
-                <a:cs typeface="Arial" pitchFamily="34" charset="0"/>
-              </a:rPr>
-              <a:t>WedDriverAgent</a:t>
-            </a:r>
-            <a:endParaRPr lang="en-US" sz="2400" b="1" dirty="0">
-              <a:solidFill>
-                <a:schemeClr val="accent1"/>
-              </a:solidFill>
-              <a:latin typeface="Arial" pitchFamily="34" charset="0"/>
-              <a:cs typeface="Arial" pitchFamily="34" charset="0"/>
-            </a:endParaRPr>
-          </a:p>
-          <a:p>
-            <a:pPr lvl="1">
-              <a:lnSpc>
-                <a:spcPct val="150000"/>
-              </a:lnSpc>
-            </a:pPr>
-            <a:r>
-              <a:rPr lang="en-US" sz="2000" dirty="0">
-                <a:latin typeface="Arial" pitchFamily="34" charset="0"/>
-                <a:cs typeface="Arial" pitchFamily="34" charset="0"/>
-              </a:rPr>
-              <a:t>http://appium.io/docs/en/drivers/ios-xcuitest-real-devices/#full-manual-configuration</a:t>
-            </a:r>
-          </a:p>
-        </p:txBody>
-      </p:sp>
-    </p:spTree>
-    <p:extLst>
-      <p:ext uri="{BB962C8B-B14F-4D97-AF65-F5344CB8AC3E}">
-        <p14:creationId xmlns:p14="http://schemas.microsoft.com/office/powerpoint/2010/main" val="3430971783"/>
-      </p:ext>
-    </p:extLst>
-  </p:cSld>
-  <p:clrMapOvr>
-    <a:masterClrMapping/>
-  </p:clrMapOvr>
+  <p:timing>
+    <p:tnLst>
+      <p:par>
+        <p:cTn id="1" dur="indefinite" restart="never" nodeType="tmRoot"/>
+      </p:par>
+    </p:tnLst>
+  </p:timing>
 </p:sld>
 </file>
 
@@ -5872,6 +6624,327 @@
                 <a:latin typeface="Arial" pitchFamily="34" charset="0"/>
                 <a:cs typeface="Arial" pitchFamily="34" charset="0"/>
               </a:rPr>
+              <a:t>Environment Installation</a:t>
+            </a:r>
+          </a:p>
+        </p:txBody>
+      </p:sp>
+      <p:sp>
+        <p:nvSpPr>
+          <p:cNvPr id="3" name="Content Placeholder 2"/>
+          <p:cNvSpPr>
+            <a:spLocks noGrp="1"/>
+          </p:cNvSpPr>
+          <p:nvPr>
+            <p:ph idx="1"/>
+          </p:nvPr>
+        </p:nvSpPr>
+        <p:spPr>
+          <a:xfrm>
+            <a:off x="457200" y="1371600"/>
+            <a:ext cx="8229600" cy="4525963"/>
+          </a:xfrm>
+        </p:spPr>
+        <p:txBody>
+          <a:bodyPr>
+            <a:normAutofit fontScale="85000" lnSpcReduction="20000"/>
+          </a:bodyPr>
+          <a:lstStyle/>
+          <a:p>
+            <a:pPr>
+              <a:lnSpc>
+                <a:spcPct val="150000"/>
+              </a:lnSpc>
+            </a:pPr>
+            <a:r>
+              <a:rPr lang="en-US" sz="2400" dirty="0">
+                <a:latin typeface="Arial" pitchFamily="34" charset="0"/>
+                <a:cs typeface="Arial" pitchFamily="34" charset="0"/>
+              </a:rPr>
+              <a:t>System requirement</a:t>
+            </a:r>
+          </a:p>
+          <a:p>
+            <a:pPr lvl="1">
+              <a:lnSpc>
+                <a:spcPct val="150000"/>
+              </a:lnSpc>
+            </a:pPr>
+            <a:r>
+              <a:rPr lang="en-US" sz="2000" dirty="0">
+                <a:latin typeface="Arial" pitchFamily="34" charset="0"/>
+                <a:cs typeface="Arial" pitchFamily="34" charset="0"/>
+              </a:rPr>
+              <a:t>Install Appium</a:t>
+            </a:r>
+          </a:p>
+          <a:p>
+            <a:pPr lvl="2">
+              <a:lnSpc>
+                <a:spcPct val="150000"/>
+              </a:lnSpc>
+            </a:pPr>
+            <a:r>
+              <a:rPr lang="en-US" sz="1600" dirty="0">
+                <a:latin typeface="Arial" pitchFamily="34" charset="0"/>
+                <a:cs typeface="Arial" pitchFamily="34" charset="0"/>
+              </a:rPr>
+              <a:t>http://appium.io/docs/en/about-appium/getting-started/</a:t>
+            </a:r>
+          </a:p>
+          <a:p>
+            <a:pPr lvl="1">
+              <a:lnSpc>
+                <a:spcPct val="150000"/>
+              </a:lnSpc>
+            </a:pPr>
+            <a:r>
+              <a:rPr lang="en-US" sz="2000" dirty="0">
+                <a:latin typeface="Arial" pitchFamily="34" charset="0"/>
+                <a:cs typeface="Arial" pitchFamily="34" charset="0"/>
+              </a:rPr>
+              <a:t>Install </a:t>
+            </a:r>
+            <a:r>
+              <a:rPr lang="en-US" sz="2000" dirty="0" err="1">
+                <a:latin typeface="Arial" pitchFamily="34" charset="0"/>
+                <a:cs typeface="Arial" pitchFamily="34" charset="0"/>
+              </a:rPr>
+              <a:t>Xcode</a:t>
+            </a:r>
+            <a:endParaRPr lang="en-US" sz="1600" dirty="0">
+              <a:latin typeface="Arial" pitchFamily="34" charset="0"/>
+              <a:cs typeface="Arial" pitchFamily="34" charset="0"/>
+            </a:endParaRPr>
+          </a:p>
+          <a:p>
+            <a:pPr>
+              <a:lnSpc>
+                <a:spcPct val="150000"/>
+              </a:lnSpc>
+            </a:pPr>
+            <a:r>
+              <a:rPr lang="en-US" sz="2400" dirty="0">
+                <a:latin typeface="Arial" pitchFamily="34" charset="0"/>
+                <a:cs typeface="Arial" pitchFamily="34" charset="0"/>
+              </a:rPr>
+              <a:t>Appium </a:t>
+            </a:r>
+            <a:r>
+              <a:rPr lang="en-US" sz="2400" dirty="0" err="1">
+                <a:latin typeface="Arial" pitchFamily="34" charset="0"/>
+                <a:cs typeface="Arial" pitchFamily="34" charset="0"/>
+              </a:rPr>
+              <a:t>XCUITest</a:t>
+            </a:r>
+            <a:r>
+              <a:rPr lang="en-US" sz="2400" dirty="0">
+                <a:latin typeface="Arial" pitchFamily="34" charset="0"/>
+                <a:cs typeface="Arial" pitchFamily="34" charset="0"/>
+              </a:rPr>
+              <a:t> Driver Real Device Setup</a:t>
+            </a:r>
+          </a:p>
+          <a:p>
+            <a:pPr lvl="1">
+              <a:lnSpc>
+                <a:spcPct val="150000"/>
+              </a:lnSpc>
+            </a:pPr>
+            <a:r>
+              <a:rPr lang="en-US" sz="2000" dirty="0">
+                <a:latin typeface="Arial" pitchFamily="34" charset="0"/>
+                <a:cs typeface="Arial" pitchFamily="34" charset="0"/>
+              </a:rPr>
+              <a:t>brew install </a:t>
+            </a:r>
+            <a:r>
+              <a:rPr lang="en-US" sz="2000" dirty="0" err="1">
+                <a:latin typeface="Arial" pitchFamily="34" charset="0"/>
+                <a:cs typeface="Arial" pitchFamily="34" charset="0"/>
+              </a:rPr>
+              <a:t>libimobiledevice</a:t>
+            </a:r>
+            <a:endParaRPr lang="en-US" sz="2000" dirty="0">
+              <a:latin typeface="Arial" pitchFamily="34" charset="0"/>
+              <a:cs typeface="Arial" pitchFamily="34" charset="0"/>
+            </a:endParaRPr>
+          </a:p>
+          <a:p>
+            <a:pPr lvl="1">
+              <a:lnSpc>
+                <a:spcPct val="150000"/>
+              </a:lnSpc>
+            </a:pPr>
+            <a:r>
+              <a:rPr lang="en-US" sz="2000" dirty="0" err="1">
+                <a:latin typeface="Arial" pitchFamily="34" charset="0"/>
+                <a:cs typeface="Arial" pitchFamily="34" charset="0"/>
+              </a:rPr>
+              <a:t>npm</a:t>
+            </a:r>
+            <a:r>
+              <a:rPr lang="en-US" sz="2000" dirty="0">
+                <a:latin typeface="Arial" pitchFamily="34" charset="0"/>
+                <a:cs typeface="Arial" pitchFamily="34" charset="0"/>
+              </a:rPr>
+              <a:t> install -g </a:t>
+            </a:r>
+            <a:r>
+              <a:rPr lang="en-US" sz="2000" dirty="0" err="1">
+                <a:latin typeface="Arial" pitchFamily="34" charset="0"/>
+                <a:cs typeface="Arial" pitchFamily="34" charset="0"/>
+              </a:rPr>
+              <a:t>ios</a:t>
+            </a:r>
+            <a:r>
+              <a:rPr lang="en-US" sz="2000" dirty="0">
+                <a:latin typeface="Arial" pitchFamily="34" charset="0"/>
+                <a:cs typeface="Arial" pitchFamily="34" charset="0"/>
+              </a:rPr>
+              <a:t>-deploy</a:t>
+            </a:r>
+          </a:p>
+          <a:p>
+            <a:pPr lvl="1">
+              <a:lnSpc>
+                <a:spcPct val="150000"/>
+              </a:lnSpc>
+            </a:pPr>
+            <a:r>
+              <a:rPr lang="en-US" sz="2000" dirty="0">
+                <a:latin typeface="Arial" pitchFamily="34" charset="0"/>
+                <a:cs typeface="Arial" pitchFamily="34" charset="0"/>
+              </a:rPr>
+              <a:t>brew install </a:t>
+            </a:r>
+            <a:r>
+              <a:rPr lang="en-US" sz="2000" dirty="0" err="1">
+                <a:latin typeface="Arial" pitchFamily="34" charset="0"/>
+                <a:cs typeface="Arial" pitchFamily="34" charset="0"/>
+              </a:rPr>
+              <a:t>ios</a:t>
+            </a:r>
+            <a:r>
+              <a:rPr lang="en-US" sz="2000" dirty="0">
+                <a:latin typeface="Arial" pitchFamily="34" charset="0"/>
+                <a:cs typeface="Arial" pitchFamily="34" charset="0"/>
+              </a:rPr>
+              <a:t>-deploy</a:t>
+            </a:r>
+          </a:p>
+          <a:p>
+            <a:pPr>
+              <a:lnSpc>
+                <a:spcPct val="150000"/>
+              </a:lnSpc>
+            </a:pPr>
+            <a:r>
+              <a:rPr lang="en-US" sz="2400" dirty="0">
+                <a:latin typeface="Arial" pitchFamily="34" charset="0"/>
+                <a:cs typeface="Arial" pitchFamily="34" charset="0"/>
+              </a:rPr>
+              <a:t>Follow the full manual configuration to setup </a:t>
+            </a:r>
+            <a:r>
+              <a:rPr lang="en-US" sz="2400" b="1" dirty="0" err="1">
+                <a:solidFill>
+                  <a:schemeClr val="accent1"/>
+                </a:solidFill>
+                <a:latin typeface="Arial" pitchFamily="34" charset="0"/>
+                <a:cs typeface="Arial" pitchFamily="34" charset="0"/>
+              </a:rPr>
+              <a:t>WedDriverAgent</a:t>
+            </a:r>
+            <a:endParaRPr lang="en-US" sz="2400" b="1" dirty="0">
+              <a:solidFill>
+                <a:schemeClr val="accent1"/>
+              </a:solidFill>
+              <a:latin typeface="Arial" pitchFamily="34" charset="0"/>
+              <a:cs typeface="Arial" pitchFamily="34" charset="0"/>
+            </a:endParaRPr>
+          </a:p>
+          <a:p>
+            <a:pPr lvl="1">
+              <a:lnSpc>
+                <a:spcPct val="150000"/>
+              </a:lnSpc>
+            </a:pPr>
+            <a:r>
+              <a:rPr lang="en-US" sz="2000" dirty="0">
+                <a:latin typeface="Arial" pitchFamily="34" charset="0"/>
+                <a:cs typeface="Arial" pitchFamily="34" charset="0"/>
+              </a:rPr>
+              <a:t>http://appium.io/docs/en/drivers/ios-xcuitest-real-devices/#full-manual-configuration</a:t>
+            </a:r>
+          </a:p>
+        </p:txBody>
+      </p:sp>
+    </p:spTree>
+    <p:extLst>
+      <p:ext uri="{BB962C8B-B14F-4D97-AF65-F5344CB8AC3E}">
+        <p14:creationId xmlns:p14="http://schemas.microsoft.com/office/powerpoint/2010/main" val="3430971783"/>
+      </p:ext>
+    </p:extLst>
+  </p:cSld>
+  <p:clrMapOvr>
+    <a:masterClrMapping/>
+  </p:clrMapOvr>
+  <p:timing>
+    <p:tnLst>
+      <p:par>
+        <p:cTn id="1" dur="indefinite" restart="never" nodeType="tmRoot"/>
+      </p:par>
+    </p:tnLst>
+  </p:timing>
+</p:sld>
+</file>
+
+<file path=ppt/slides/slide19.xml><?xml version="1.0" encoding="utf-8"?>
+<p:sld xmlns:a="http://schemas.openxmlformats.org/drawingml/2006/main" xmlns:r="http://schemas.openxmlformats.org/officeDocument/2006/relationships" xmlns:p="http://schemas.openxmlformats.org/presentationml/2006/main">
+  <p:cSld>
+    <p:spTree>
+      <p:nvGrpSpPr>
+        <p:cNvPr id="1" name=""/>
+        <p:cNvGrpSpPr/>
+        <p:nvPr/>
+      </p:nvGrpSpPr>
+      <p:grpSpPr>
+        <a:xfrm>
+          <a:off x="0" y="0"/>
+          <a:ext cx="0" cy="0"/>
+          <a:chOff x="0" y="0"/>
+          <a:chExt cx="0" cy="0"/>
+        </a:xfrm>
+      </p:grpSpPr>
+      <p:sp>
+        <p:nvSpPr>
+          <p:cNvPr id="2" name="Title 1"/>
+          <p:cNvSpPr>
+            <a:spLocks noGrp="1"/>
+          </p:cNvSpPr>
+          <p:nvPr>
+            <p:ph type="title"/>
+          </p:nvPr>
+        </p:nvSpPr>
+        <p:spPr>
+          <a:xfrm>
+            <a:off x="457200" y="274638"/>
+            <a:ext cx="8686800" cy="1143000"/>
+          </a:xfrm>
+        </p:spPr>
+        <p:txBody>
+          <a:bodyPr>
+            <a:normAutofit/>
+          </a:bodyPr>
+          <a:lstStyle/>
+          <a:p>
+            <a:pPr algn="l"/>
+            <a:r>
+              <a:rPr lang="en-US" sz="3000" b="1" dirty="0">
+                <a:latin typeface="Arial" pitchFamily="34" charset="0"/>
+                <a:cs typeface="Arial" pitchFamily="34" charset="0"/>
+              </a:rPr>
               <a:t>Example Robot Framework Script</a:t>
             </a:r>
           </a:p>
@@ -6052,7 +7125,7 @@
           <p:cNvPr id="5" name="Picture 4">
             <a:extLst>
               <a:ext uri="{FF2B5EF4-FFF2-40B4-BE49-F238E27FC236}">
-                <a16:creationId xmlns:a16="http://schemas.microsoft.com/office/drawing/2014/main" id="{E1D19FE5-9D56-4BD7-906F-875FFFD7A484}"/>
+                <a16:creationId xmlns:a16="http://schemas.microsoft.com/office/drawing/2014/main" xmlns="" id="{E1D19FE5-9D56-4BD7-906F-875FFFD7A484}"/>
               </a:ext>
             </a:extLst>
           </p:cNvPr>
@@ -6093,10 +7166,99 @@
   <p:clrMapOvr>
     <a:masterClrMapping/>
   </p:clrMapOvr>
+  <p:timing>
+    <p:tnLst>
+      <p:par>
+        <p:cTn id="1" dur="indefinite" restart="never" nodeType="tmRoot"/>
+      </p:par>
+    </p:tnLst>
+  </p:timing>
 </p:sld>
 </file>
 
-<file path=ppt/slides/slide19.xml><?xml version="1.0" encoding="utf-8"?>
+<file path=ppt/slides/slide2.xml><?xml version="1.0" encoding="utf-8"?>
+<p:sld xmlns:a="http://schemas.openxmlformats.org/drawingml/2006/main" xmlns:r="http://schemas.openxmlformats.org/officeDocument/2006/relationships" xmlns:p="http://schemas.openxmlformats.org/presentationml/2006/main">
+  <p:cSld>
+    <p:bg>
+      <p:bgPr>
+        <a:solidFill>
+          <a:schemeClr val="tx1"/>
+        </a:solidFill>
+        <a:effectLst/>
+      </p:bgPr>
+    </p:bg>
+    <p:spTree>
+      <p:nvGrpSpPr>
+        <p:cNvPr id="1" name=""/>
+        <p:cNvGrpSpPr/>
+        <p:nvPr/>
+      </p:nvGrpSpPr>
+      <p:grpSpPr>
+        <a:xfrm>
+          <a:off x="0" y="0"/>
+          <a:ext cx="0" cy="0"/>
+          <a:chOff x="0" y="0"/>
+          <a:chExt cx="0" cy="0"/>
+        </a:xfrm>
+      </p:grpSpPr>
+      <p:sp>
+        <p:nvSpPr>
+          <p:cNvPr id="2" name="Title 1">
+            <a:extLst>
+              <a:ext uri="{FF2B5EF4-FFF2-40B4-BE49-F238E27FC236}">
+                <a16:creationId xmlns:a16="http://schemas.microsoft.com/office/drawing/2014/main" xmlns="" id="{0266D3F6-82D5-437B-AC00-2DDC88D276F7}"/>
+              </a:ext>
+            </a:extLst>
+          </p:cNvPr>
+          <p:cNvSpPr>
+            <a:spLocks noGrp="1"/>
+          </p:cNvSpPr>
+          <p:nvPr>
+            <p:ph type="title"/>
+          </p:nvPr>
+        </p:nvSpPr>
+        <p:spPr>
+          <a:xfrm>
+            <a:off x="457200" y="2743200"/>
+            <a:ext cx="8229600" cy="1143000"/>
+          </a:xfrm>
+        </p:spPr>
+        <p:txBody>
+          <a:bodyPr/>
+          <a:lstStyle/>
+          <a:p>
+            <a:r>
+              <a:rPr lang="en-US" dirty="0">
+                <a:solidFill>
+                  <a:schemeClr val="bg1"/>
+                </a:solidFill>
+              </a:rPr>
+              <a:t>Automated Android  App</a:t>
+            </a:r>
+          </a:p>
+        </p:txBody>
+      </p:sp>
+    </p:spTree>
+    <p:extLst>
+      <p:ext uri="{BB962C8B-B14F-4D97-AF65-F5344CB8AC3E}">
+        <p14:creationId xmlns:p14="http://schemas.microsoft.com/office/powerpoint/2010/main" val="38374196"/>
+      </p:ext>
+    </p:extLst>
+  </p:cSld>
+  <p:clrMapOvr>
+    <a:masterClrMapping/>
+  </p:clrMapOvr>
+  <p:timing>
+    <p:tnLst>
+      <p:par>
+        <p:cTn id="1" dur="indefinite" restart="never" nodeType="tmRoot"/>
+      </p:par>
+    </p:tnLst>
+  </p:timing>
+</p:sld>
+</file>
+
+<file path=ppt/slides/slide20.xml><?xml version="1.0" encoding="utf-8"?>
 <p:sld xmlns:a="http://schemas.openxmlformats.org/drawingml/2006/main" xmlns:r="http://schemas.openxmlformats.org/officeDocument/2006/relationships" xmlns:p="http://schemas.openxmlformats.org/presentationml/2006/main">
   <p:cSld>
     <p:spTree>
@@ -6262,7 +7424,7 @@
           <p:cNvPr id="6" name="Picture 5">
             <a:extLst>
               <a:ext uri="{FF2B5EF4-FFF2-40B4-BE49-F238E27FC236}">
-                <a16:creationId xmlns:a16="http://schemas.microsoft.com/office/drawing/2014/main" id="{B9BA088C-1C1B-4889-8C02-C6CFDBFB39DE}"/>
+                <a16:creationId xmlns:a16="http://schemas.microsoft.com/office/drawing/2014/main" xmlns="" id="{B9BA088C-1C1B-4889-8C02-C6CFDBFB39DE}"/>
               </a:ext>
             </a:extLst>
           </p:cNvPr>
@@ -6303,166 +7465,13 @@
   <p:clrMapOvr>
     <a:masterClrMapping/>
   </p:clrMapOvr>
-</p:sld>
-</file>
-
-<file path=ppt/slides/slide2.xml><?xml version="1.0" encoding="utf-8"?>
-<p:sld xmlns:a="http://schemas.openxmlformats.org/drawingml/2006/main" xmlns:r="http://schemas.openxmlformats.org/officeDocument/2006/relationships" xmlns:p="http://schemas.openxmlformats.org/presentationml/2006/main">
-  <p:cSld>
-    <p:spTree>
-      <p:nvGrpSpPr>
-        <p:cNvPr id="1" name=""/>
-        <p:cNvGrpSpPr/>
-        <p:nvPr/>
-      </p:nvGrpSpPr>
-      <p:grpSpPr>
-        <a:xfrm>
-          <a:off x="0" y="0"/>
-          <a:ext cx="0" cy="0"/>
-          <a:chOff x="0" y="0"/>
-          <a:chExt cx="0" cy="0"/>
-        </a:xfrm>
-      </p:grpSpPr>
-      <p:sp>
-        <p:nvSpPr>
-          <p:cNvPr id="2" name="Title 1"/>
-          <p:cNvSpPr>
-            <a:spLocks noGrp="1"/>
-          </p:cNvSpPr>
-          <p:nvPr>
-            <p:ph type="title"/>
-          </p:nvPr>
-        </p:nvSpPr>
-        <p:spPr>
-          <a:xfrm>
-            <a:off x="457200" y="274638"/>
-            <a:ext cx="8686800" cy="1143000"/>
-          </a:xfrm>
-        </p:spPr>
-        <p:txBody>
-          <a:bodyPr>
-            <a:normAutofit/>
-          </a:bodyPr>
-          <a:lstStyle/>
-          <a:p>
-            <a:pPr algn="l"/>
-            <a:r>
-              <a:rPr lang="en-US" sz="3000" b="1" dirty="0">
-                <a:latin typeface="Arial" pitchFamily="34" charset="0"/>
-                <a:cs typeface="Arial" pitchFamily="34" charset="0"/>
-              </a:rPr>
-              <a:t>Environment Installation</a:t>
-            </a:r>
-          </a:p>
-        </p:txBody>
-      </p:sp>
-      <p:sp>
-        <p:nvSpPr>
-          <p:cNvPr id="3" name="Content Placeholder 2"/>
-          <p:cNvSpPr>
-            <a:spLocks noGrp="1"/>
-          </p:cNvSpPr>
-          <p:nvPr>
-            <p:ph idx="1"/>
-          </p:nvPr>
-        </p:nvSpPr>
-        <p:spPr>
-          <a:xfrm>
-            <a:off x="457200" y="1371600"/>
-            <a:ext cx="8229600" cy="4525963"/>
-          </a:xfrm>
-        </p:spPr>
-        <p:txBody>
-          <a:bodyPr>
-            <a:normAutofit/>
-          </a:bodyPr>
-          <a:lstStyle/>
-          <a:p>
-            <a:pPr>
-              <a:lnSpc>
-                <a:spcPct val="150000"/>
-              </a:lnSpc>
-            </a:pPr>
-            <a:r>
-              <a:rPr lang="en-US" sz="2400" dirty="0">
-                <a:latin typeface="Arial" pitchFamily="34" charset="0"/>
-                <a:cs typeface="Arial" pitchFamily="34" charset="0"/>
-              </a:rPr>
-              <a:t>Install Android SDK</a:t>
-            </a:r>
-          </a:p>
-          <a:p>
-            <a:pPr>
-              <a:lnSpc>
-                <a:spcPct val="150000"/>
-              </a:lnSpc>
-            </a:pPr>
-            <a:r>
-              <a:rPr lang="en-US" sz="2400" dirty="0">
-                <a:latin typeface="Arial" pitchFamily="34" charset="0"/>
-                <a:cs typeface="Arial" pitchFamily="34" charset="0"/>
-              </a:rPr>
-              <a:t>Install Appium</a:t>
-            </a:r>
-          </a:p>
-          <a:p>
-            <a:pPr>
-              <a:lnSpc>
-                <a:spcPct val="150000"/>
-              </a:lnSpc>
-            </a:pPr>
-            <a:r>
-              <a:rPr lang="en-US" sz="2400" dirty="0">
-                <a:latin typeface="Arial" pitchFamily="34" charset="0"/>
-                <a:cs typeface="Arial" pitchFamily="34" charset="0"/>
-              </a:rPr>
-              <a:t>Prepare Android real device</a:t>
-            </a:r>
-          </a:p>
-          <a:p>
-            <a:pPr>
-              <a:lnSpc>
-                <a:spcPct val="150000"/>
-              </a:lnSpc>
-            </a:pPr>
-            <a:r>
-              <a:rPr lang="en-US" sz="2400" dirty="0">
-                <a:latin typeface="Arial" pitchFamily="34" charset="0"/>
-                <a:cs typeface="Arial" pitchFamily="34" charset="0"/>
-              </a:rPr>
-              <a:t>Install application on real device</a:t>
-            </a:r>
-          </a:p>
-          <a:p>
-            <a:pPr>
-              <a:lnSpc>
-                <a:spcPct val="150000"/>
-              </a:lnSpc>
-            </a:pPr>
-            <a:r>
-              <a:rPr lang="en-US" sz="2400" dirty="0">
-                <a:latin typeface="Arial" pitchFamily="34" charset="0"/>
-                <a:cs typeface="Arial" pitchFamily="34" charset="0"/>
-              </a:rPr>
-              <a:t>Install Robot Framework Appium Library</a:t>
-            </a:r>
-            <a:endParaRPr lang="en-US" sz="1600" dirty="0">
-              <a:latin typeface="Arial" pitchFamily="34" charset="0"/>
-              <a:cs typeface="Arial" pitchFamily="34" charset="0"/>
-            </a:endParaRPr>
-          </a:p>
-        </p:txBody>
-      </p:sp>
-    </p:spTree>
-    <p:extLst>
-      <p:ext uri="{BB962C8B-B14F-4D97-AF65-F5344CB8AC3E}">
-        <p14:creationId xmlns:p14="http://schemas.microsoft.com/office/powerpoint/2010/main" val="1441549779"/>
-      </p:ext>
-    </p:extLst>
-  </p:cSld>
-  <p:clrMapOvr>
-    <a:masterClrMapping/>
-  </p:clrMapOvr>
+  <p:timing>
+    <p:tnLst>
+      <p:par>
+        <p:cTn id="1" dur="indefinite" restart="never" nodeType="tmRoot"/>
+      </p:par>
+    </p:tnLst>
+  </p:timing>
 </p:sld>
 </file>
 
@@ -6511,7 +7520,7 @@
                 <a:latin typeface="Arial" pitchFamily="34" charset="0"/>
                 <a:cs typeface="Arial" pitchFamily="34" charset="0"/>
               </a:rPr>
-              <a:t>Install Android SDK</a:t>
+              <a:t>Environment Installation</a:t>
             </a:r>
           </a:p>
         </p:txBody>
@@ -6529,12 +7538,12 @@
         <p:spPr>
           <a:xfrm>
             <a:off x="457200" y="1371600"/>
-            <a:ext cx="8229600" cy="5105400"/>
+            <a:ext cx="8229600" cy="4525963"/>
           </a:xfrm>
         </p:spPr>
         <p:txBody>
           <a:bodyPr>
-            <a:normAutofit fontScale="92500" lnSpcReduction="10000"/>
+            <a:normAutofit/>
           </a:bodyPr>
           <a:lstStyle/>
           <a:p>
@@ -6544,278 +7553,92 @@
               </a:lnSpc>
             </a:pPr>
             <a:r>
-              <a:rPr lang="en-US" sz="1600" dirty="0">
-                <a:latin typeface="Arial" pitchFamily="34" charset="0"/>
-                <a:cs typeface="Arial" pitchFamily="34" charset="0"/>
-              </a:rPr>
-              <a:t>Go to </a:t>
-            </a:r>
-            <a:r>
-              <a:rPr lang="en-US" sz="1600" dirty="0">
-                <a:latin typeface="Arial" pitchFamily="34" charset="0"/>
-                <a:cs typeface="Arial" pitchFamily="34" charset="0"/>
-                <a:hlinkClick r:id="rId2"/>
-              </a:rPr>
-              <a:t>https://developer.android.com/studio/</a:t>
+              <a:rPr lang="en-US" sz="2400" dirty="0">
+                <a:latin typeface="Arial" pitchFamily="34" charset="0"/>
+                <a:cs typeface="Arial" pitchFamily="34" charset="0"/>
+              </a:rPr>
+              <a:t>Install Android SDK</a:t>
+            </a:r>
+          </a:p>
+          <a:p>
+            <a:pPr>
+              <a:lnSpc>
+                <a:spcPct val="150000"/>
+              </a:lnSpc>
+            </a:pPr>
+            <a:r>
+              <a:rPr lang="en-US" sz="2400" dirty="0">
+                <a:latin typeface="Arial" pitchFamily="34" charset="0"/>
+                <a:cs typeface="Arial" pitchFamily="34" charset="0"/>
+              </a:rPr>
+              <a:t>Install Appium</a:t>
+            </a:r>
+          </a:p>
+          <a:p>
+            <a:pPr>
+              <a:lnSpc>
+                <a:spcPct val="150000"/>
+              </a:lnSpc>
+            </a:pPr>
+            <a:r>
+              <a:rPr lang="en-US" sz="2400" dirty="0">
+                <a:latin typeface="Arial" pitchFamily="34" charset="0"/>
+                <a:cs typeface="Arial" pitchFamily="34" charset="0"/>
+              </a:rPr>
+              <a:t>Prepare Android real device</a:t>
+            </a:r>
+          </a:p>
+          <a:p>
+            <a:pPr>
+              <a:lnSpc>
+                <a:spcPct val="150000"/>
+              </a:lnSpc>
+            </a:pPr>
+            <a:r>
+              <a:rPr lang="en-US" sz="2400" dirty="0">
+                <a:latin typeface="Arial" pitchFamily="34" charset="0"/>
+                <a:cs typeface="Arial" pitchFamily="34" charset="0"/>
+              </a:rPr>
+              <a:t>Install application on real device</a:t>
+            </a:r>
+          </a:p>
+          <a:p>
+            <a:pPr>
+              <a:lnSpc>
+                <a:spcPct val="150000"/>
+              </a:lnSpc>
+            </a:pPr>
+            <a:r>
+              <a:rPr lang="en-US" sz="2400" dirty="0">
+                <a:latin typeface="Arial" pitchFamily="34" charset="0"/>
+                <a:cs typeface="Arial" pitchFamily="34" charset="0"/>
+              </a:rPr>
+              <a:t>Install Robot Framework Appium Library</a:t>
             </a:r>
             <a:endParaRPr lang="en-US" sz="1600" dirty="0">
               <a:latin typeface="Arial" pitchFamily="34" charset="0"/>
               <a:cs typeface="Arial" pitchFamily="34" charset="0"/>
             </a:endParaRPr>
           </a:p>
-          <a:p>
-            <a:pPr>
-              <a:lnSpc>
-                <a:spcPct val="150000"/>
-              </a:lnSpc>
-            </a:pPr>
-            <a:r>
-              <a:rPr lang="en-US" sz="1600" dirty="0">
-                <a:latin typeface="Arial" pitchFamily="34" charset="0"/>
-                <a:cs typeface="Arial" pitchFamily="34" charset="0"/>
-              </a:rPr>
-              <a:t>Click Download Android Studio</a:t>
-            </a:r>
-          </a:p>
-          <a:p>
-            <a:pPr>
-              <a:lnSpc>
-                <a:spcPct val="150000"/>
-              </a:lnSpc>
-            </a:pPr>
-            <a:r>
-              <a:rPr lang="en-US" sz="1600" dirty="0">
-                <a:latin typeface="Arial" pitchFamily="34" charset="0"/>
-                <a:cs typeface="Arial" pitchFamily="34" charset="0"/>
-              </a:rPr>
-              <a:t>After downloaded, double click to install</a:t>
-            </a:r>
-          </a:p>
-          <a:p>
-            <a:pPr lvl="1">
-              <a:lnSpc>
-                <a:spcPct val="150000"/>
-              </a:lnSpc>
-            </a:pPr>
-            <a:r>
-              <a:rPr lang="en-US" sz="1200" b="1" dirty="0">
-                <a:solidFill>
-                  <a:srgbClr val="FF0000"/>
-                </a:solidFill>
-                <a:latin typeface="Arial" pitchFamily="34" charset="0"/>
-                <a:cs typeface="Arial" pitchFamily="34" charset="0"/>
-              </a:rPr>
-              <a:t>Unselect Virtual Device</a:t>
-            </a:r>
-            <a:r>
-              <a:rPr lang="en-US" sz="1200" dirty="0">
-                <a:latin typeface="Arial" pitchFamily="34" charset="0"/>
-                <a:cs typeface="Arial" pitchFamily="34" charset="0"/>
-              </a:rPr>
-              <a:t>, use the default value in the installation wizard (click next until finish)</a:t>
-            </a:r>
-          </a:p>
-          <a:p>
-            <a:pPr lvl="1">
-              <a:lnSpc>
-                <a:spcPct val="150000"/>
-              </a:lnSpc>
-            </a:pPr>
-            <a:r>
-              <a:rPr lang="en-US" sz="1200" dirty="0">
-                <a:latin typeface="Arial" pitchFamily="34" charset="0"/>
-                <a:cs typeface="Arial" pitchFamily="34" charset="0"/>
-              </a:rPr>
-              <a:t>After finished, launch Android Studio to install additional </a:t>
-            </a:r>
-            <a:r>
-              <a:rPr lang="en-US" sz="1200" dirty="0">
-                <a:solidFill>
-                  <a:srgbClr val="FF0000"/>
-                </a:solidFill>
-                <a:latin typeface="Arial" pitchFamily="34" charset="0"/>
-                <a:cs typeface="Arial" pitchFamily="34" charset="0"/>
-              </a:rPr>
-              <a:t>SDK components</a:t>
-            </a:r>
-          </a:p>
-          <a:p>
-            <a:pPr lvl="1">
-              <a:lnSpc>
-                <a:spcPct val="150000"/>
-              </a:lnSpc>
-            </a:pPr>
-            <a:r>
-              <a:rPr lang="en-US" sz="1200" dirty="0">
-                <a:latin typeface="Arial" pitchFamily="34" charset="0"/>
-                <a:cs typeface="Arial" pitchFamily="34" charset="0"/>
-              </a:rPr>
-              <a:t>Clink next until finish</a:t>
-            </a:r>
-          </a:p>
-          <a:p>
-            <a:pPr lvl="1">
-              <a:lnSpc>
-                <a:spcPct val="150000"/>
-              </a:lnSpc>
-            </a:pPr>
-            <a:r>
-              <a:rPr lang="en-US" sz="1200" dirty="0">
-                <a:latin typeface="Arial" pitchFamily="34" charset="0"/>
-                <a:cs typeface="Arial" pitchFamily="34" charset="0"/>
-              </a:rPr>
-              <a:t>Now you can close Android Studio</a:t>
-            </a:r>
-          </a:p>
-          <a:p>
-            <a:pPr>
-              <a:lnSpc>
-                <a:spcPct val="150000"/>
-              </a:lnSpc>
-            </a:pPr>
-            <a:r>
-              <a:rPr lang="en-US" sz="1600" dirty="0">
-                <a:latin typeface="Arial" pitchFamily="34" charset="0"/>
-                <a:cs typeface="Arial" pitchFamily="34" charset="0"/>
-              </a:rPr>
-              <a:t>Copy C:\Users\Administrator\AppData\Local\Android\Sdk to C:\Sdk</a:t>
-            </a:r>
-          </a:p>
-          <a:p>
-            <a:pPr>
-              <a:lnSpc>
-                <a:spcPct val="150000"/>
-              </a:lnSpc>
-            </a:pPr>
-            <a:r>
-              <a:rPr lang="en-US" sz="1600" dirty="0">
-                <a:latin typeface="Arial" pitchFamily="34" charset="0"/>
-                <a:cs typeface="Arial" pitchFamily="34" charset="0"/>
-              </a:rPr>
-              <a:t>Chane folder name from C:\Sdk to C:\android-sdk</a:t>
-            </a:r>
-          </a:p>
-          <a:p>
-            <a:pPr>
-              <a:lnSpc>
-                <a:spcPct val="150000"/>
-              </a:lnSpc>
-            </a:pPr>
-            <a:r>
-              <a:rPr lang="en-US" sz="1600" dirty="0">
-                <a:latin typeface="Arial" pitchFamily="34" charset="0"/>
-                <a:cs typeface="Arial" pitchFamily="34" charset="0"/>
-              </a:rPr>
-              <a:t>Add 3 variables into System Variable Path</a:t>
-            </a:r>
-          </a:p>
-          <a:p>
-            <a:pPr lvl="1">
-              <a:lnSpc>
-                <a:spcPct val="150000"/>
-              </a:lnSpc>
-            </a:pPr>
-            <a:r>
-              <a:rPr lang="en-US" sz="1200" dirty="0">
-                <a:latin typeface="Arial" pitchFamily="34" charset="0"/>
-                <a:cs typeface="Arial" pitchFamily="34" charset="0"/>
-              </a:rPr>
-              <a:t>C:\android-sdk\tools</a:t>
-            </a:r>
-          </a:p>
-          <a:p>
-            <a:pPr lvl="1">
-              <a:lnSpc>
-                <a:spcPct val="150000"/>
-              </a:lnSpc>
-            </a:pPr>
-            <a:r>
-              <a:rPr lang="en-US" sz="1200" dirty="0">
-                <a:latin typeface="Arial" pitchFamily="34" charset="0"/>
-                <a:cs typeface="Arial" pitchFamily="34" charset="0"/>
-              </a:rPr>
-              <a:t>C:\android-sdk\platform-tools</a:t>
-            </a:r>
-          </a:p>
-          <a:p>
-            <a:pPr lvl="1">
-              <a:lnSpc>
-                <a:spcPct val="150000"/>
-              </a:lnSpc>
-            </a:pPr>
-            <a:r>
-              <a:rPr lang="en-US" sz="1200" dirty="0">
-                <a:latin typeface="Arial" pitchFamily="34" charset="0"/>
-                <a:cs typeface="Arial" pitchFamily="34" charset="0"/>
-              </a:rPr>
-              <a:t>C:\android-sdk\tools\bin</a:t>
-            </a:r>
-          </a:p>
-          <a:p>
-            <a:pPr>
-              <a:lnSpc>
-                <a:spcPct val="150000"/>
-              </a:lnSpc>
-            </a:pPr>
-            <a:r>
-              <a:rPr lang="en-US" sz="1600" dirty="0">
-                <a:latin typeface="Arial" pitchFamily="34" charset="0"/>
-                <a:cs typeface="Arial" pitchFamily="34" charset="0"/>
-              </a:rPr>
-              <a:t>Add New 2 User Variables</a:t>
-            </a:r>
-          </a:p>
-          <a:p>
-            <a:pPr lvl="1">
-              <a:lnSpc>
-                <a:spcPct val="150000"/>
-              </a:lnSpc>
-            </a:pPr>
-            <a:r>
-              <a:rPr lang="en-US" sz="1200" dirty="0">
-                <a:latin typeface="Arial" pitchFamily="34" charset="0"/>
-                <a:cs typeface="Arial" pitchFamily="34" charset="0"/>
-              </a:rPr>
-              <a:t>Name: ANDROID_HOME, Value: C:\android-sdk</a:t>
-            </a:r>
-          </a:p>
-          <a:p>
-            <a:pPr lvl="1">
-              <a:lnSpc>
-                <a:spcPct val="150000"/>
-              </a:lnSpc>
-            </a:pPr>
-            <a:r>
-              <a:rPr lang="en-US" sz="1200" dirty="0">
-                <a:latin typeface="Arial" pitchFamily="34" charset="0"/>
-                <a:cs typeface="Arial" pitchFamily="34" charset="0"/>
-              </a:rPr>
-              <a:t>Name: ANDROID_SWT, Value: C:\android-sdk\tools\lib\x86_64</a:t>
-            </a:r>
-          </a:p>
-          <a:p>
-            <a:pPr lvl="1">
-              <a:lnSpc>
-                <a:spcPct val="150000"/>
-              </a:lnSpc>
-            </a:pPr>
-            <a:endParaRPr lang="en-US" sz="1200" dirty="0">
-              <a:latin typeface="Arial" pitchFamily="34" charset="0"/>
-              <a:cs typeface="Arial" pitchFamily="34" charset="0"/>
-            </a:endParaRPr>
-          </a:p>
         </p:txBody>
       </p:sp>
     </p:spTree>
     <p:extLst>
       <p:ext uri="{BB962C8B-B14F-4D97-AF65-F5344CB8AC3E}">
-        <p14:creationId xmlns:p14="http://schemas.microsoft.com/office/powerpoint/2010/main" val="71113745"/>
+        <p14:creationId xmlns:p14="http://schemas.microsoft.com/office/powerpoint/2010/main" val="1441549779"/>
       </p:ext>
     </p:extLst>
   </p:cSld>
   <p:clrMapOvr>
     <a:masterClrMapping/>
   </p:clrMapOvr>
+  <p:timing>
+    <p:tnLst>
+      <p:par>
+        <p:cTn id="1" dur="indefinite" restart="never" nodeType="tmRoot"/>
+      </p:par>
+    </p:tnLst>
+  </p:timing>
 </p:sld>
 </file>
 
@@ -6864,7 +7687,7 @@
                 <a:latin typeface="Arial" pitchFamily="34" charset="0"/>
                 <a:cs typeface="Arial" pitchFamily="34" charset="0"/>
               </a:rPr>
-              <a:t>Install Android SDK (Cont.)</a:t>
+              <a:t>Install Android SDK</a:t>
             </a:r>
           </a:p>
         </p:txBody>
@@ -6887,7 +7710,7 @@
         </p:spPr>
         <p:txBody>
           <a:bodyPr>
-            <a:normAutofit/>
+            <a:normAutofit fontScale="92500" lnSpcReduction="10000"/>
           </a:bodyPr>
           <a:lstStyle/>
           <a:p>
@@ -6901,7 +7724,47 @@
                 <a:latin typeface="Arial" pitchFamily="34" charset="0"/>
                 <a:cs typeface="Arial" pitchFamily="34" charset="0"/>
               </a:rPr>
-              <a:t>Open CMD to verify the installation, If it completed you will see output as below</a:t>
+              <a:t>Go to </a:t>
+            </a:r>
+            <a:r>
+              <a:rPr lang="en-US" sz="1600" dirty="0">
+                <a:latin typeface="Arial" pitchFamily="34" charset="0"/>
+                <a:cs typeface="Arial" pitchFamily="34" charset="0"/>
+                <a:hlinkClick r:id="rId2"/>
+              </a:rPr>
+              <a:t>https://developer.android.com/studio/</a:t>
+            </a:r>
+            <a:endParaRPr lang="en-US" sz="1600" dirty="0">
+              <a:latin typeface="Arial" pitchFamily="34" charset="0"/>
+              <a:cs typeface="Arial" pitchFamily="34" charset="0"/>
+            </a:endParaRPr>
+          </a:p>
+          <a:p>
+            <a:pPr>
+              <a:lnSpc>
+                <a:spcPct val="150000"/>
+              </a:lnSpc>
+            </a:pPr>
+            <a:r>
+              <a:rPr lang="en-US" sz="1600" dirty="0">
+                <a:latin typeface="Arial" pitchFamily="34" charset="0"/>
+                <a:cs typeface="Arial" pitchFamily="34" charset="0"/>
+              </a:rPr>
+              <a:t>Click Download Android Studio</a:t>
+            </a:r>
+          </a:p>
+          <a:p>
+            <a:pPr>
+              <a:lnSpc>
+                <a:spcPct val="150000"/>
+              </a:lnSpc>
+            </a:pPr>
+            <a:r>
+              <a:rPr lang="en-US" sz="1600" dirty="0">
+                <a:latin typeface="Arial" pitchFamily="34" charset="0"/>
+                <a:cs typeface="Arial" pitchFamily="34" charset="0"/>
+              </a:rPr>
+              <a:t>After downloaded, double click to install</a:t>
             </a:r>
           </a:p>
           <a:p>
@@ -6911,215 +7774,218 @@
               </a:lnSpc>
             </a:pPr>
             <a:r>
+              <a:rPr lang="en-US" sz="1200" b="1" dirty="0">
+                <a:solidFill>
+                  <a:srgbClr val="FF0000"/>
+                </a:solidFill>
+                <a:latin typeface="Arial" pitchFamily="34" charset="0"/>
+                <a:cs typeface="Arial" pitchFamily="34" charset="0"/>
+              </a:rPr>
+              <a:t>Unselect Virtual Device</a:t>
+            </a:r>
+            <a:r>
               <a:rPr lang="en-US" sz="1200" dirty="0">
                 <a:latin typeface="Arial" pitchFamily="34" charset="0"/>
                 <a:cs typeface="Arial" pitchFamily="34" charset="0"/>
               </a:rPr>
-              <a:t>Type: </a:t>
-            </a:r>
-            <a:r>
-              <a:rPr lang="en-US" sz="1200" dirty="0" err="1">
-                <a:latin typeface="Arial" pitchFamily="34" charset="0"/>
-                <a:cs typeface="Arial" pitchFamily="34" charset="0"/>
-              </a:rPr>
-              <a:t>adb</a:t>
-            </a:r>
+              <a:t>, use the default value in the installation wizard (click next until finish)</a:t>
+            </a:r>
+          </a:p>
+          <a:p>
+            <a:pPr lvl="1">
+              <a:lnSpc>
+                <a:spcPct val="150000"/>
+              </a:lnSpc>
+            </a:pPr>
+            <a:r>
+              <a:rPr lang="en-US" sz="1200" dirty="0">
+                <a:latin typeface="Arial" pitchFamily="34" charset="0"/>
+                <a:cs typeface="Arial" pitchFamily="34" charset="0"/>
+              </a:rPr>
+              <a:t>After finished, launch Android Studio to install additional </a:t>
+            </a:r>
+            <a:r>
+              <a:rPr lang="en-US" sz="1200" dirty="0">
+                <a:solidFill>
+                  <a:srgbClr val="FF0000"/>
+                </a:solidFill>
+                <a:latin typeface="Arial" pitchFamily="34" charset="0"/>
+                <a:cs typeface="Arial" pitchFamily="34" charset="0"/>
+              </a:rPr>
+              <a:t>SDK components</a:t>
+            </a:r>
+          </a:p>
+          <a:p>
+            <a:pPr lvl="1">
+              <a:lnSpc>
+                <a:spcPct val="150000"/>
+              </a:lnSpc>
+            </a:pPr>
+            <a:r>
+              <a:rPr lang="en-US" sz="1200" dirty="0">
+                <a:latin typeface="Arial" pitchFamily="34" charset="0"/>
+                <a:cs typeface="Arial" pitchFamily="34" charset="0"/>
+              </a:rPr>
+              <a:t>Clink next until finish</a:t>
+            </a:r>
+          </a:p>
+          <a:p>
+            <a:pPr lvl="1">
+              <a:lnSpc>
+                <a:spcPct val="150000"/>
+              </a:lnSpc>
+            </a:pPr>
+            <a:r>
+              <a:rPr lang="en-US" sz="1200" dirty="0">
+                <a:latin typeface="Arial" pitchFamily="34" charset="0"/>
+                <a:cs typeface="Arial" pitchFamily="34" charset="0"/>
+              </a:rPr>
+              <a:t>Now you can close Android Studio</a:t>
+            </a:r>
+          </a:p>
+          <a:p>
+            <a:pPr>
+              <a:lnSpc>
+                <a:spcPct val="150000"/>
+              </a:lnSpc>
+            </a:pPr>
+            <a:r>
+              <a:rPr lang="en-US" sz="1600" dirty="0">
+                <a:latin typeface="Arial" pitchFamily="34" charset="0"/>
+                <a:cs typeface="Arial" pitchFamily="34" charset="0"/>
+              </a:rPr>
+              <a:t>Copy C:\Users\Administrator\AppData\Local\Android\Sdk to C:\Sdk</a:t>
+            </a:r>
+          </a:p>
+          <a:p>
+            <a:pPr>
+              <a:lnSpc>
+                <a:spcPct val="150000"/>
+              </a:lnSpc>
+            </a:pPr>
+            <a:r>
+              <a:rPr lang="en-US" sz="1600" dirty="0">
+                <a:latin typeface="Arial" pitchFamily="34" charset="0"/>
+                <a:cs typeface="Arial" pitchFamily="34" charset="0"/>
+              </a:rPr>
+              <a:t>Chane folder name from C:\Sdk to C:\android-sdk</a:t>
+            </a:r>
+          </a:p>
+          <a:p>
+            <a:pPr>
+              <a:lnSpc>
+                <a:spcPct val="150000"/>
+              </a:lnSpc>
+            </a:pPr>
+            <a:r>
+              <a:rPr lang="en-US" sz="1600" dirty="0">
+                <a:latin typeface="Arial" pitchFamily="34" charset="0"/>
+                <a:cs typeface="Arial" pitchFamily="34" charset="0"/>
+              </a:rPr>
+              <a:t>Add 3 variables into System Variable Path</a:t>
+            </a:r>
+          </a:p>
+          <a:p>
+            <a:pPr lvl="1">
+              <a:lnSpc>
+                <a:spcPct val="150000"/>
+              </a:lnSpc>
+            </a:pPr>
+            <a:r>
+              <a:rPr lang="en-US" sz="1200" dirty="0">
+                <a:latin typeface="Arial" pitchFamily="34" charset="0"/>
+                <a:cs typeface="Arial" pitchFamily="34" charset="0"/>
+              </a:rPr>
+              <a:t>C:\android-sdk\tools</a:t>
+            </a:r>
+          </a:p>
+          <a:p>
+            <a:pPr lvl="1">
+              <a:lnSpc>
+                <a:spcPct val="150000"/>
+              </a:lnSpc>
+            </a:pPr>
+            <a:r>
+              <a:rPr lang="en-US" sz="1200" dirty="0">
+                <a:latin typeface="Arial" pitchFamily="34" charset="0"/>
+                <a:cs typeface="Arial" pitchFamily="34" charset="0"/>
+              </a:rPr>
+              <a:t>C:\android-sdk\platform-tools</a:t>
+            </a:r>
+          </a:p>
+          <a:p>
+            <a:pPr lvl="1">
+              <a:lnSpc>
+                <a:spcPct val="150000"/>
+              </a:lnSpc>
+            </a:pPr>
+            <a:r>
+              <a:rPr lang="en-US" sz="1200" dirty="0">
+                <a:latin typeface="Arial" pitchFamily="34" charset="0"/>
+                <a:cs typeface="Arial" pitchFamily="34" charset="0"/>
+              </a:rPr>
+              <a:t>C:\android-sdk\tools\bin</a:t>
+            </a:r>
+          </a:p>
+          <a:p>
+            <a:pPr>
+              <a:lnSpc>
+                <a:spcPct val="150000"/>
+              </a:lnSpc>
+            </a:pPr>
+            <a:r>
+              <a:rPr lang="en-US" sz="1600" dirty="0">
+                <a:latin typeface="Arial" pitchFamily="34" charset="0"/>
+                <a:cs typeface="Arial" pitchFamily="34" charset="0"/>
+              </a:rPr>
+              <a:t>Add New 2 User Variables</a:t>
+            </a:r>
+          </a:p>
+          <a:p>
+            <a:pPr lvl="1">
+              <a:lnSpc>
+                <a:spcPct val="150000"/>
+              </a:lnSpc>
+            </a:pPr>
+            <a:r>
+              <a:rPr lang="en-US" sz="1200" dirty="0">
+                <a:latin typeface="Arial" pitchFamily="34" charset="0"/>
+                <a:cs typeface="Arial" pitchFamily="34" charset="0"/>
+              </a:rPr>
+              <a:t>Name: ANDROID_HOME, Value: C:\android-sdk</a:t>
+            </a:r>
+          </a:p>
+          <a:p>
+            <a:pPr lvl="1">
+              <a:lnSpc>
+                <a:spcPct val="150000"/>
+              </a:lnSpc>
+            </a:pPr>
+            <a:r>
+              <a:rPr lang="en-US" sz="1200" dirty="0">
+                <a:latin typeface="Arial" pitchFamily="34" charset="0"/>
+                <a:cs typeface="Arial" pitchFamily="34" charset="0"/>
+              </a:rPr>
+              <a:t>Name: ANDROID_SWT, Value: C:\android-sdk\tools\lib\x86_64</a:t>
+            </a:r>
+          </a:p>
+          <a:p>
+            <a:pPr lvl="1">
+              <a:lnSpc>
+                <a:spcPct val="150000"/>
+              </a:lnSpc>
+            </a:pPr>
             <a:endParaRPr lang="en-US" sz="1200" dirty="0">
               <a:latin typeface="Arial" pitchFamily="34" charset="0"/>
               <a:cs typeface="Arial" pitchFamily="34" charset="0"/>
             </a:endParaRPr>
           </a:p>
-          <a:p>
-            <a:pPr lvl="1">
-              <a:lnSpc>
-                <a:spcPct val="150000"/>
-              </a:lnSpc>
-            </a:pPr>
-            <a:endParaRPr lang="en-US" sz="1200" dirty="0">
-              <a:latin typeface="Arial" pitchFamily="34" charset="0"/>
-              <a:cs typeface="Arial" pitchFamily="34" charset="0"/>
-            </a:endParaRPr>
-          </a:p>
-          <a:p>
-            <a:pPr lvl="1">
-              <a:lnSpc>
-                <a:spcPct val="150000"/>
-              </a:lnSpc>
-            </a:pPr>
-            <a:endParaRPr lang="en-US" sz="1200" dirty="0">
-              <a:latin typeface="Arial" pitchFamily="34" charset="0"/>
-              <a:cs typeface="Arial" pitchFamily="34" charset="0"/>
-            </a:endParaRPr>
-          </a:p>
-          <a:p>
-            <a:pPr lvl="1">
-              <a:lnSpc>
-                <a:spcPct val="150000"/>
-              </a:lnSpc>
-            </a:pPr>
-            <a:endParaRPr lang="en-US" sz="1200" dirty="0">
-              <a:latin typeface="Arial" pitchFamily="34" charset="0"/>
-              <a:cs typeface="Arial" pitchFamily="34" charset="0"/>
-            </a:endParaRPr>
-          </a:p>
-          <a:p>
-            <a:pPr lvl="1">
-              <a:lnSpc>
-                <a:spcPct val="150000"/>
-              </a:lnSpc>
-            </a:pPr>
-            <a:endParaRPr lang="en-US" sz="1200" dirty="0">
-              <a:latin typeface="Arial" pitchFamily="34" charset="0"/>
-              <a:cs typeface="Arial" pitchFamily="34" charset="0"/>
-            </a:endParaRPr>
-          </a:p>
-          <a:p>
-            <a:pPr lvl="1">
-              <a:lnSpc>
-                <a:spcPct val="150000"/>
-              </a:lnSpc>
-            </a:pPr>
-            <a:endParaRPr lang="en-US" sz="1200" dirty="0">
-              <a:latin typeface="Arial" pitchFamily="34" charset="0"/>
-              <a:cs typeface="Arial" pitchFamily="34" charset="0"/>
-            </a:endParaRPr>
-          </a:p>
-          <a:p>
-            <a:pPr lvl="1">
-              <a:lnSpc>
-                <a:spcPct val="150000"/>
-              </a:lnSpc>
-            </a:pPr>
-            <a:endParaRPr lang="en-US" sz="1200" dirty="0">
-              <a:latin typeface="Arial" pitchFamily="34" charset="0"/>
-              <a:cs typeface="Arial" pitchFamily="34" charset="0"/>
-            </a:endParaRPr>
-          </a:p>
-          <a:p>
-            <a:pPr lvl="1">
-              <a:lnSpc>
-                <a:spcPct val="150000"/>
-              </a:lnSpc>
-            </a:pPr>
-            <a:endParaRPr lang="en-US" sz="1200" dirty="0">
-              <a:latin typeface="Arial" pitchFamily="34" charset="0"/>
-              <a:cs typeface="Arial" pitchFamily="34" charset="0"/>
-            </a:endParaRPr>
-          </a:p>
-          <a:p>
-            <a:pPr lvl="1">
-              <a:lnSpc>
-                <a:spcPct val="150000"/>
-              </a:lnSpc>
-            </a:pPr>
-            <a:endParaRPr lang="en-US" sz="800" dirty="0">
-              <a:latin typeface="Arial" pitchFamily="34" charset="0"/>
-              <a:cs typeface="Arial" pitchFamily="34" charset="0"/>
-            </a:endParaRPr>
-          </a:p>
-          <a:p>
-            <a:pPr lvl="1">
-              <a:lnSpc>
-                <a:spcPct val="150000"/>
-              </a:lnSpc>
-            </a:pPr>
-            <a:r>
-              <a:rPr lang="en-US" sz="1200" dirty="0">
-                <a:latin typeface="Arial" pitchFamily="34" charset="0"/>
-                <a:cs typeface="Arial" pitchFamily="34" charset="0"/>
-              </a:rPr>
-              <a:t>Type: </a:t>
-            </a:r>
-            <a:r>
-              <a:rPr lang="en-US" sz="1200" dirty="0" err="1">
-                <a:latin typeface="Arial" pitchFamily="34" charset="0"/>
-                <a:cs typeface="Arial" pitchFamily="34" charset="0"/>
-              </a:rPr>
-              <a:t>uiautomatorviewer</a:t>
-            </a:r>
-            <a:endParaRPr lang="en-US" sz="1200" dirty="0">
-              <a:latin typeface="Arial" pitchFamily="34" charset="0"/>
-              <a:cs typeface="Arial" pitchFamily="34" charset="0"/>
-            </a:endParaRPr>
-          </a:p>
-        </p:txBody>
-      </p:sp>
-      <p:pic>
-        <p:nvPicPr>
-          <p:cNvPr id="5" name="Picture 4">
-            <a:extLst>
-              <a:ext uri="{FF2B5EF4-FFF2-40B4-BE49-F238E27FC236}">
-                <a16:creationId xmlns:a16="http://schemas.microsoft.com/office/drawing/2014/main" id="{2F8E9FB2-85C3-4508-9EC5-A853A3CBED92}"/>
-              </a:ext>
-            </a:extLst>
-          </p:cNvPr>
-          <p:cNvPicPr>
-            <a:picLocks noChangeAspect="1"/>
-          </p:cNvPicPr>
-          <p:nvPr/>
-        </p:nvPicPr>
-        <p:blipFill>
-          <a:blip r:embed="rId2">
-            <a:extLst>
-              <a:ext uri="{28A0092B-C50C-407E-A947-70E740481C1C}">
-                <a14:useLocalDpi xmlns:a14="http://schemas.microsoft.com/office/drawing/2010/main" val="0"/>
-              </a:ext>
-            </a:extLst>
-          </a:blip>
-          <a:stretch>
-            <a:fillRect/>
-          </a:stretch>
-        </p:blipFill>
-        <p:spPr>
-          <a:xfrm>
-            <a:off x="1295400" y="2133600"/>
-            <a:ext cx="5024437" cy="2221690"/>
-          </a:xfrm>
-          <a:prstGeom prst="rect">
-            <a:avLst/>
-          </a:prstGeom>
-        </p:spPr>
-      </p:pic>
-      <p:pic>
-        <p:nvPicPr>
-          <p:cNvPr id="7" name="Picture 6">
-            <a:extLst>
-              <a:ext uri="{FF2B5EF4-FFF2-40B4-BE49-F238E27FC236}">
-                <a16:creationId xmlns:a16="http://schemas.microsoft.com/office/drawing/2014/main" id="{23C61AAC-EFAA-4E86-BF07-CAEBDF354E26}"/>
-              </a:ext>
-            </a:extLst>
-          </p:cNvPr>
-          <p:cNvPicPr>
-            <a:picLocks noChangeAspect="1"/>
-          </p:cNvPicPr>
-          <p:nvPr/>
-        </p:nvPicPr>
-        <p:blipFill>
-          <a:blip r:embed="rId3">
-            <a:extLst>
-              <a:ext uri="{28A0092B-C50C-407E-A947-70E740481C1C}">
-                <a14:useLocalDpi xmlns:a14="http://schemas.microsoft.com/office/drawing/2010/main" val="0"/>
-              </a:ext>
-            </a:extLst>
-          </a:blip>
-          <a:stretch>
-            <a:fillRect/>
-          </a:stretch>
-        </p:blipFill>
-        <p:spPr>
-          <a:xfrm>
-            <a:off x="1323753" y="4874817"/>
-            <a:ext cx="2995612" cy="1725043"/>
-          </a:xfrm>
-          <a:prstGeom prst="rect">
-            <a:avLst/>
-          </a:prstGeom>
-        </p:spPr>
-      </p:pic>
+        </p:txBody>
+      </p:sp>
     </p:spTree>
     <p:extLst>
       <p:ext uri="{BB962C8B-B14F-4D97-AF65-F5344CB8AC3E}">
-        <p14:creationId xmlns:p14="http://schemas.microsoft.com/office/powerpoint/2010/main" val="2616277711"/>
+        <p14:creationId xmlns:p14="http://schemas.microsoft.com/office/powerpoint/2010/main" val="71113745"/>
       </p:ext>
     </p:extLst>
   </p:cSld>
@@ -7174,7 +8040,7 @@
                 <a:latin typeface="Arial" pitchFamily="34" charset="0"/>
                 <a:cs typeface="Arial" pitchFamily="34" charset="0"/>
               </a:rPr>
-              <a:t>Install Appium</a:t>
+              <a:t>Install Android SDK (Cont.)</a:t>
             </a:r>
           </a:p>
         </p:txBody>
@@ -7207,103 +8073,45 @@
               </a:lnSpc>
             </a:pPr>
             <a:r>
-              <a:rPr lang="en-US" sz="1800" dirty="0">
-                <a:latin typeface="Arial" pitchFamily="34" charset="0"/>
-                <a:cs typeface="Arial" pitchFamily="34" charset="0"/>
-              </a:rPr>
-              <a:t>Go to </a:t>
-            </a:r>
-            <a:r>
-              <a:rPr lang="en-US" sz="1800" dirty="0">
-                <a:latin typeface="Arial" pitchFamily="34" charset="0"/>
-                <a:cs typeface="Arial" pitchFamily="34" charset="0"/>
-                <a:hlinkClick r:id="rId2"/>
-              </a:rPr>
-              <a:t>http://appium.io/</a:t>
-            </a:r>
-            <a:endParaRPr lang="en-US" sz="1800" dirty="0">
+              <a:rPr lang="en-US" sz="1600" dirty="0">
+                <a:latin typeface="Arial" pitchFamily="34" charset="0"/>
+                <a:cs typeface="Arial" pitchFamily="34" charset="0"/>
+              </a:rPr>
+              <a:t>Open CMD to verify the installation, If it completed you will see output as below</a:t>
+            </a:r>
+          </a:p>
+          <a:p>
+            <a:pPr lvl="1">
+              <a:lnSpc>
+                <a:spcPct val="150000"/>
+              </a:lnSpc>
+            </a:pPr>
+            <a:r>
+              <a:rPr lang="en-US" sz="1200" dirty="0">
+                <a:latin typeface="Arial" pitchFamily="34" charset="0"/>
+                <a:cs typeface="Arial" pitchFamily="34" charset="0"/>
+              </a:rPr>
+              <a:t>Type: </a:t>
+            </a:r>
+            <a:r>
+              <a:rPr lang="en-US" sz="1200" dirty="0" err="1">
+                <a:latin typeface="Arial" pitchFamily="34" charset="0"/>
+                <a:cs typeface="Arial" pitchFamily="34" charset="0"/>
+              </a:rPr>
+              <a:t>adb</a:t>
+            </a:r>
+            <a:endParaRPr lang="en-US" sz="1200" dirty="0">
               <a:latin typeface="Arial" pitchFamily="34" charset="0"/>
               <a:cs typeface="Arial" pitchFamily="34" charset="0"/>
             </a:endParaRPr>
           </a:p>
           <a:p>
-            <a:pPr>
-              <a:lnSpc>
-                <a:spcPct val="150000"/>
-              </a:lnSpc>
-            </a:pPr>
-            <a:r>
-              <a:rPr lang="en-US" sz="1800" dirty="0">
-                <a:latin typeface="Arial" pitchFamily="34" charset="0"/>
-                <a:cs typeface="Arial" pitchFamily="34" charset="0"/>
-              </a:rPr>
-              <a:t>Click Download Appium, select the right package for your OS</a:t>
-            </a:r>
-          </a:p>
-          <a:p>
-            <a:pPr marL="0" indent="0">
-              <a:lnSpc>
-                <a:spcPct val="150000"/>
-              </a:lnSpc>
-              <a:buNone/>
-            </a:pPr>
-            <a:r>
-              <a:rPr lang="en-US" sz="1800" dirty="0">
-                <a:latin typeface="Arial" pitchFamily="34" charset="0"/>
-                <a:cs typeface="Arial" pitchFamily="34" charset="0"/>
-              </a:rPr>
-              <a:t>	</a:t>
-            </a:r>
-          </a:p>
-          <a:p>
-            <a:pPr>
-              <a:lnSpc>
-                <a:spcPct val="150000"/>
-              </a:lnSpc>
-            </a:pPr>
-            <a:r>
-              <a:rPr lang="en-US" sz="1800" dirty="0">
-                <a:latin typeface="Arial" pitchFamily="34" charset="0"/>
-                <a:cs typeface="Arial" pitchFamily="34" charset="0"/>
-              </a:rPr>
-              <a:t>After downloaded, double click to install</a:t>
-            </a:r>
-          </a:p>
-          <a:p>
             <a:pPr lvl="1">
               <a:lnSpc>
                 <a:spcPct val="150000"/>
               </a:lnSpc>
             </a:pPr>
-            <a:r>
-              <a:rPr lang="en-US" sz="1400" dirty="0">
-                <a:latin typeface="Arial" pitchFamily="34" charset="0"/>
-                <a:cs typeface="Arial" pitchFamily="34" charset="0"/>
-              </a:rPr>
-              <a:t>Use the default value in the installation wizard (click next until finish)</a:t>
-            </a:r>
-          </a:p>
-          <a:p>
-            <a:pPr lvl="1">
-              <a:lnSpc>
-                <a:spcPct val="150000"/>
-              </a:lnSpc>
-            </a:pPr>
-            <a:r>
-              <a:rPr lang="en-US" sz="1400" dirty="0">
-                <a:latin typeface="Arial" pitchFamily="34" charset="0"/>
-                <a:cs typeface="Arial" pitchFamily="34" charset="0"/>
-              </a:rPr>
-              <a:t>Appium will be opened after install</a:t>
-            </a:r>
-          </a:p>
-          <a:p>
-            <a:pPr>
-              <a:lnSpc>
-                <a:spcPct val="150000"/>
-              </a:lnSpc>
-            </a:pPr>
-            <a:endParaRPr lang="en-US" sz="1400" dirty="0">
+            <a:endParaRPr lang="en-US" sz="1200" dirty="0">
               <a:latin typeface="Arial" pitchFamily="34" charset="0"/>
               <a:cs typeface="Arial" pitchFamily="34" charset="0"/>
             </a:endParaRPr>
@@ -7314,6 +8122,97 @@
                 <a:spcPct val="150000"/>
               </a:lnSpc>
             </a:pPr>
+            <a:endParaRPr lang="en-US" sz="1200" dirty="0">
+              <a:latin typeface="Arial" pitchFamily="34" charset="0"/>
+              <a:cs typeface="Arial" pitchFamily="34" charset="0"/>
+            </a:endParaRPr>
+          </a:p>
+          <a:p>
+            <a:pPr lvl="1">
+              <a:lnSpc>
+                <a:spcPct val="150000"/>
+              </a:lnSpc>
+            </a:pPr>
+            <a:endParaRPr lang="en-US" sz="1200" dirty="0">
+              <a:latin typeface="Arial" pitchFamily="34" charset="0"/>
+              <a:cs typeface="Arial" pitchFamily="34" charset="0"/>
+            </a:endParaRPr>
+          </a:p>
+          <a:p>
+            <a:pPr lvl="1">
+              <a:lnSpc>
+                <a:spcPct val="150000"/>
+              </a:lnSpc>
+            </a:pPr>
+            <a:endParaRPr lang="en-US" sz="1200" dirty="0">
+              <a:latin typeface="Arial" pitchFamily="34" charset="0"/>
+              <a:cs typeface="Arial" pitchFamily="34" charset="0"/>
+            </a:endParaRPr>
+          </a:p>
+          <a:p>
+            <a:pPr lvl="1">
+              <a:lnSpc>
+                <a:spcPct val="150000"/>
+              </a:lnSpc>
+            </a:pPr>
+            <a:endParaRPr lang="en-US" sz="1200" dirty="0">
+              <a:latin typeface="Arial" pitchFamily="34" charset="0"/>
+              <a:cs typeface="Arial" pitchFamily="34" charset="0"/>
+            </a:endParaRPr>
+          </a:p>
+          <a:p>
+            <a:pPr lvl="1">
+              <a:lnSpc>
+                <a:spcPct val="150000"/>
+              </a:lnSpc>
+            </a:pPr>
+            <a:endParaRPr lang="en-US" sz="1200" dirty="0">
+              <a:latin typeface="Arial" pitchFamily="34" charset="0"/>
+              <a:cs typeface="Arial" pitchFamily="34" charset="0"/>
+            </a:endParaRPr>
+          </a:p>
+          <a:p>
+            <a:pPr lvl="1">
+              <a:lnSpc>
+                <a:spcPct val="150000"/>
+              </a:lnSpc>
+            </a:pPr>
+            <a:endParaRPr lang="en-US" sz="1200" dirty="0">
+              <a:latin typeface="Arial" pitchFamily="34" charset="0"/>
+              <a:cs typeface="Arial" pitchFamily="34" charset="0"/>
+            </a:endParaRPr>
+          </a:p>
+          <a:p>
+            <a:pPr lvl="1">
+              <a:lnSpc>
+                <a:spcPct val="150000"/>
+              </a:lnSpc>
+            </a:pPr>
+            <a:endParaRPr lang="en-US" sz="800" dirty="0">
+              <a:latin typeface="Arial" pitchFamily="34" charset="0"/>
+              <a:cs typeface="Arial" pitchFamily="34" charset="0"/>
+            </a:endParaRPr>
+          </a:p>
+          <a:p>
+            <a:pPr lvl="1">
+              <a:lnSpc>
+                <a:spcPct val="150000"/>
+              </a:lnSpc>
+            </a:pPr>
+            <a:r>
+              <a:rPr lang="en-US" sz="1200" dirty="0">
+                <a:latin typeface="Arial" pitchFamily="34" charset="0"/>
+                <a:cs typeface="Arial" pitchFamily="34" charset="0"/>
+              </a:rPr>
+              <a:t>Type: </a:t>
+            </a:r>
+            <a:r>
+              <a:rPr lang="en-US" sz="1200" dirty="0" err="1">
+                <a:latin typeface="Arial" pitchFamily="34" charset="0"/>
+                <a:cs typeface="Arial" pitchFamily="34" charset="0"/>
+              </a:rPr>
+              <a:t>uiautomatorviewer</a:t>
+            </a:r>
             <a:endParaRPr lang="en-US" sz="1200" dirty="0">
               <a:latin typeface="Arial" pitchFamily="34" charset="0"/>
               <a:cs typeface="Arial" pitchFamily="34" charset="0"/>
@@ -7326,7 +8225,43 @@
           <p:cNvPr id="5" name="Picture 4">
             <a:extLst>
               <a:ext uri="{FF2B5EF4-FFF2-40B4-BE49-F238E27FC236}">
-                <a16:creationId xmlns:a16="http://schemas.microsoft.com/office/drawing/2014/main" id="{A79B5FCC-5AAD-425A-8E36-B7C633D7B061}"/>
+                <a16:creationId xmlns:a16="http://schemas.microsoft.com/office/drawing/2014/main" xmlns="" id="{2F8E9FB2-85C3-4508-9EC5-A853A3CBED92}"/>
+              </a:ext>
+            </a:extLst>
+          </p:cNvPr>
+          <p:cNvPicPr>
+            <a:picLocks noChangeAspect="1"/>
+          </p:cNvPicPr>
+          <p:nvPr/>
+        </p:nvPicPr>
+        <p:blipFill>
+          <a:blip r:embed="rId2">
+            <a:extLst>
+              <a:ext uri="{28A0092B-C50C-407E-A947-70E740481C1C}">
+                <a14:useLocalDpi xmlns:a14="http://schemas.microsoft.com/office/drawing/2010/main" val="0"/>
+              </a:ext>
+            </a:extLst>
+          </a:blip>
+          <a:stretch>
+            <a:fillRect/>
+          </a:stretch>
+        </p:blipFill>
+        <p:spPr>
+          <a:xfrm>
+            <a:off x="1295400" y="2133600"/>
+            <a:ext cx="5024437" cy="2221690"/>
+          </a:xfrm>
+          <a:prstGeom prst="rect">
+            <a:avLst/>
+          </a:prstGeom>
+        </p:spPr>
+      </p:pic>
+      <p:pic>
+        <p:nvPicPr>
+          <p:cNvPr id="7" name="Picture 6">
+            <a:extLst>
+              <a:ext uri="{FF2B5EF4-FFF2-40B4-BE49-F238E27FC236}">
+                <a16:creationId xmlns:a16="http://schemas.microsoft.com/office/drawing/2014/main" xmlns="" id="{23C61AAC-EFAA-4E86-BF07-CAEBDF354E26}"/>
               </a:ext>
             </a:extLst>
           </p:cNvPr>
@@ -7349,44 +8284,8 @@
         </p:blipFill>
         <p:spPr>
           <a:xfrm>
-            <a:off x="595312" y="2319337"/>
-            <a:ext cx="8410575" cy="390525"/>
-          </a:xfrm>
-          <a:prstGeom prst="rect">
-            <a:avLst/>
-          </a:prstGeom>
-        </p:spPr>
-      </p:pic>
-      <p:pic>
-        <p:nvPicPr>
-          <p:cNvPr id="7" name="Picture 6">
-            <a:extLst>
-              <a:ext uri="{FF2B5EF4-FFF2-40B4-BE49-F238E27FC236}">
-                <a16:creationId xmlns:a16="http://schemas.microsoft.com/office/drawing/2014/main" id="{9A3215BD-2F22-4419-A0C2-9A3473656176}"/>
-              </a:ext>
-            </a:extLst>
-          </p:cNvPr>
-          <p:cNvPicPr>
-            <a:picLocks noChangeAspect="1"/>
-          </p:cNvPicPr>
-          <p:nvPr/>
-        </p:nvPicPr>
-        <p:blipFill>
-          <a:blip r:embed="rId4">
-            <a:extLst>
-              <a:ext uri="{28A0092B-C50C-407E-A947-70E740481C1C}">
-                <a14:useLocalDpi xmlns:a14="http://schemas.microsoft.com/office/drawing/2010/main" val="0"/>
-              </a:ext>
-            </a:extLst>
-          </a:blip>
-          <a:stretch>
-            <a:fillRect/>
-          </a:stretch>
-        </p:blipFill>
-        <p:spPr>
-          <a:xfrm>
-            <a:off x="4800600" y="3906651"/>
-            <a:ext cx="3324225" cy="2653088"/>
+            <a:off x="1323753" y="4874817"/>
+            <a:ext cx="2995612" cy="1725043"/>
           </a:xfrm>
           <a:prstGeom prst="rect">
             <a:avLst/>
@@ -7396,7 +8295,7 @@
     </p:spTree>
     <p:extLst>
       <p:ext uri="{BB962C8B-B14F-4D97-AF65-F5344CB8AC3E}">
-        <p14:creationId xmlns:p14="http://schemas.microsoft.com/office/powerpoint/2010/main" val="3995511065"/>
+        <p14:creationId xmlns:p14="http://schemas.microsoft.com/office/powerpoint/2010/main" val="2616277711"/>
       </p:ext>
     </p:extLst>
   </p:cSld>
@@ -7451,7 +8350,7 @@
                 <a:latin typeface="Arial" pitchFamily="34" charset="0"/>
                 <a:cs typeface="Arial" pitchFamily="34" charset="0"/>
               </a:rPr>
-              <a:t>Prepare Real Android Device</a:t>
+              <a:t>Install Appium</a:t>
             </a:r>
           </a:p>
         </p:txBody>
@@ -7484,12 +8383,24 @@
               </a:lnSpc>
             </a:pPr>
             <a:r>
-              <a:rPr lang="en-US" sz="1600" dirty="0">
-                <a:latin typeface="Arial" pitchFamily="34" charset="0"/>
-                <a:cs typeface="Arial" pitchFamily="34" charset="0"/>
-              </a:rPr>
-              <a:t>Tap Apps</a:t>
-            </a:r>
+              <a:rPr lang="en-US" sz="1800" dirty="0">
+                <a:latin typeface="Arial" pitchFamily="34" charset="0"/>
+                <a:cs typeface="Arial" pitchFamily="34" charset="0"/>
+              </a:rPr>
+              <a:t>Go to </a:t>
+            </a:r>
+            <a:r>
+              <a:rPr lang="en-US" sz="1800" dirty="0">
+                <a:latin typeface="Arial" pitchFamily="34" charset="0"/>
+                <a:cs typeface="Arial" pitchFamily="34" charset="0"/>
+                <a:hlinkClick r:id="rId2"/>
+              </a:rPr>
+              <a:t>http://appium.io/</a:t>
+            </a:r>
+            <a:endParaRPr lang="en-US" sz="1800" dirty="0">
+              <a:latin typeface="Arial" pitchFamily="34" charset="0"/>
+              <a:cs typeface="Arial" pitchFamily="34" charset="0"/>
+            </a:endParaRPr>
           </a:p>
           <a:p>
             <a:pPr>
@@ -7498,11 +8409,26 @@
               </a:lnSpc>
             </a:pPr>
             <a:r>
-              <a:rPr lang="en-US" sz="1600" dirty="0">
-                <a:latin typeface="Arial" pitchFamily="34" charset="0"/>
-                <a:cs typeface="Arial" pitchFamily="34" charset="0"/>
-              </a:rPr>
-              <a:t>Tap Settings</a:t>
+              <a:rPr lang="en-US" sz="1800" dirty="0">
+                <a:latin typeface="Arial" pitchFamily="34" charset="0"/>
+                <a:cs typeface="Arial" pitchFamily="34" charset="0"/>
+              </a:rPr>
+              <a:t>Click Download Appium, select the right package for your OS</a:t>
+            </a:r>
+          </a:p>
+          <a:p>
+            <a:pPr marL="0" indent="0">
+              <a:lnSpc>
+                <a:spcPct val="150000"/>
+              </a:lnSpc>
+              <a:buNone/>
+            </a:pPr>
+            <a:r>
+              <a:rPr lang="en-US" sz="1800" dirty="0">
+                <a:latin typeface="Arial" pitchFamily="34" charset="0"/>
+                <a:cs typeface="Arial" pitchFamily="34" charset="0"/>
+              </a:rPr>
+              <a:t>	</a:t>
             </a:r>
           </a:p>
           <a:p>
@@ -7512,11 +8438,39 @@
               </a:lnSpc>
             </a:pPr>
             <a:r>
-              <a:rPr lang="en-US" sz="1600" dirty="0">
-                <a:latin typeface="Arial" pitchFamily="34" charset="0"/>
-                <a:cs typeface="Arial" pitchFamily="34" charset="0"/>
-              </a:rPr>
-              <a:t>Tap About device</a:t>
+              <a:rPr lang="en-US" sz="1800" dirty="0">
+                <a:latin typeface="Arial" pitchFamily="34" charset="0"/>
+                <a:cs typeface="Arial" pitchFamily="34" charset="0"/>
+              </a:rPr>
+              <a:t>After downloaded, double click to install</a:t>
+            </a:r>
+          </a:p>
+          <a:p>
+            <a:pPr lvl="1">
+              <a:lnSpc>
+                <a:spcPct val="150000"/>
+              </a:lnSpc>
+            </a:pPr>
+            <a:r>
+              <a:rPr lang="en-US" sz="1400" dirty="0">
+                <a:latin typeface="Arial" pitchFamily="34" charset="0"/>
+                <a:cs typeface="Arial" pitchFamily="34" charset="0"/>
+              </a:rPr>
+              <a:t>Use the default value in the installation wizard (click next until finish)</a:t>
+            </a:r>
+          </a:p>
+          <a:p>
+            <a:pPr lvl="1">
+              <a:lnSpc>
+                <a:spcPct val="150000"/>
+              </a:lnSpc>
+            </a:pPr>
+            <a:r>
+              <a:rPr lang="en-US" sz="1400" dirty="0">
+                <a:latin typeface="Arial" pitchFamily="34" charset="0"/>
+                <a:cs typeface="Arial" pitchFamily="34" charset="0"/>
+              </a:rPr>
+              <a:t>Appium will be opened after install</a:t>
             </a:r>
           </a:p>
           <a:p>
@@ -7525,63 +8479,7 @@
                 <a:spcPct val="150000"/>
               </a:lnSpc>
             </a:pPr>
-            <a:r>
-              <a:rPr lang="en-US" sz="1600" dirty="0">
-                <a:latin typeface="Arial" pitchFamily="34" charset="0"/>
-                <a:cs typeface="Arial" pitchFamily="34" charset="0"/>
-              </a:rPr>
-              <a:t>Scroll down the screen. If you see </a:t>
-            </a:r>
-            <a:r>
-              <a:rPr lang="en-US" sz="1600" b="1" dirty="0">
-                <a:latin typeface="Arial" pitchFamily="34" charset="0"/>
-                <a:cs typeface="Arial" pitchFamily="34" charset="0"/>
-              </a:rPr>
-              <a:t>Build number</a:t>
-            </a:r>
-            <a:r>
-              <a:rPr lang="en-US" sz="1600" dirty="0">
-                <a:latin typeface="Arial" pitchFamily="34" charset="0"/>
-                <a:cs typeface="Arial" pitchFamily="34" charset="0"/>
-              </a:rPr>
-              <a:t>, touch it seven times. ...</a:t>
-            </a:r>
-          </a:p>
-          <a:p>
-            <a:pPr>
-              <a:lnSpc>
-                <a:spcPct val="150000"/>
-              </a:lnSpc>
-            </a:pPr>
-            <a:r>
-              <a:rPr lang="en-US" sz="1600" dirty="0">
-                <a:latin typeface="Arial" pitchFamily="34" charset="0"/>
-                <a:cs typeface="Arial" pitchFamily="34" charset="0"/>
-              </a:rPr>
-              <a:t>Go back to Settings, the </a:t>
-            </a:r>
-            <a:r>
-              <a:rPr lang="en-US" sz="1600" b="1" dirty="0">
-                <a:latin typeface="Arial" pitchFamily="34" charset="0"/>
-                <a:cs typeface="Arial" pitchFamily="34" charset="0"/>
-              </a:rPr>
-              <a:t>Developer options</a:t>
-            </a:r>
-            <a:r>
-              <a:rPr lang="en-US" sz="1600" dirty="0">
-                <a:latin typeface="Arial" pitchFamily="34" charset="0"/>
-                <a:cs typeface="Arial" pitchFamily="34" charset="0"/>
-              </a:rPr>
-              <a:t> menu will now appear under </a:t>
-            </a:r>
-            <a:r>
-              <a:rPr lang="en-US" sz="1600" b="1" dirty="0">
-                <a:latin typeface="Arial" pitchFamily="34" charset="0"/>
-                <a:cs typeface="Arial" pitchFamily="34" charset="0"/>
-              </a:rPr>
-              <a:t>Settings &gt; General &gt; Developer options</a:t>
-            </a:r>
-            <a:endParaRPr lang="en-US" sz="1200" b="1" dirty="0">
+            <a:endParaRPr lang="en-US" sz="1400" dirty="0">
               <a:latin typeface="Arial" pitchFamily="34" charset="0"/>
               <a:cs typeface="Arial" pitchFamily="34" charset="0"/>
             </a:endParaRPr>
@@ -7601,46 +8499,10 @@
       </p:sp>
       <p:pic>
         <p:nvPicPr>
-          <p:cNvPr id="9" name="Picture 8">
+          <p:cNvPr id="5" name="Picture 4">
             <a:extLst>
               <a:ext uri="{FF2B5EF4-FFF2-40B4-BE49-F238E27FC236}">
-                <a16:creationId xmlns:a16="http://schemas.microsoft.com/office/drawing/2014/main" id="{3B9EF6ED-576E-4AFC-A4BC-5F97FF913620}"/>
-              </a:ext>
-            </a:extLst>
-          </p:cNvPr>
-          <p:cNvPicPr>
-            <a:picLocks noChangeAspect="1"/>
-          </p:cNvPicPr>
-          <p:nvPr/>
-        </p:nvPicPr>
-        <p:blipFill>
-          <a:blip r:embed="rId2" cstate="print">
-            <a:extLst>
-              <a:ext uri="{28A0092B-C50C-407E-A947-70E740481C1C}">
-                <a14:useLocalDpi xmlns:a14="http://schemas.microsoft.com/office/drawing/2010/main" val="0"/>
-              </a:ext>
-            </a:extLst>
-          </a:blip>
-          <a:stretch>
-            <a:fillRect/>
-          </a:stretch>
-        </p:blipFill>
-        <p:spPr>
-          <a:xfrm>
-            <a:off x="1752600" y="3886200"/>
-            <a:ext cx="1600200" cy="2844799"/>
-          </a:xfrm>
-          <a:prstGeom prst="rect">
-            <a:avLst/>
-          </a:prstGeom>
-        </p:spPr>
-      </p:pic>
-      <p:pic>
-        <p:nvPicPr>
-          <p:cNvPr id="11" name="Picture 10">
-            <a:extLst>
-              <a:ext uri="{FF2B5EF4-FFF2-40B4-BE49-F238E27FC236}">
-                <a16:creationId xmlns:a16="http://schemas.microsoft.com/office/drawing/2014/main" id="{81B70D64-F84E-4979-A4D7-840B1DD8D727}"/>
+                <a16:creationId xmlns:a16="http://schemas.microsoft.com/office/drawing/2014/main" xmlns="" id="{A79B5FCC-5AAD-425A-8E36-B7C633D7B061}"/>
               </a:ext>
             </a:extLst>
           </p:cNvPr>
@@ -7663,8 +8525,8 @@
         </p:blipFill>
         <p:spPr>
           <a:xfrm>
-            <a:off x="5618063" y="3886200"/>
-            <a:ext cx="1620937" cy="2844799"/>
+            <a:off x="595312" y="2319337"/>
+            <a:ext cx="8410575" cy="390525"/>
           </a:xfrm>
           <a:prstGeom prst="rect">
             <a:avLst/>
@@ -7673,10 +8535,10 @@
       </p:pic>
       <p:pic>
         <p:nvPicPr>
-          <p:cNvPr id="13" name="Picture 12">
+          <p:cNvPr id="7" name="Picture 6">
             <a:extLst>
               <a:ext uri="{FF2B5EF4-FFF2-40B4-BE49-F238E27FC236}">
-                <a16:creationId xmlns:a16="http://schemas.microsoft.com/office/drawing/2014/main" id="{D4743ABD-B089-4A60-B53E-F3F8E78E63E6}"/>
+                <a16:creationId xmlns:a16="http://schemas.microsoft.com/office/drawing/2014/main" xmlns="" id="{9A3215BD-2F22-4419-A0C2-9A3473656176}"/>
               </a:ext>
             </a:extLst>
           </p:cNvPr>
@@ -7686,7 +8548,7 @@
           <p:nvPr/>
         </p:nvPicPr>
         <p:blipFill>
-          <a:blip r:embed="rId4" cstate="print">
+          <a:blip r:embed="rId4">
             <a:extLst>
               <a:ext uri="{28A0092B-C50C-407E-A947-70E740481C1C}">
                 <a14:useLocalDpi xmlns:a14="http://schemas.microsoft.com/office/drawing/2010/main" val="0"/>
@@ -7699,8 +8561,8 @@
         </p:blipFill>
         <p:spPr>
           <a:xfrm>
-            <a:off x="3678866" y="3886200"/>
-            <a:ext cx="1600200" cy="2844799"/>
+            <a:off x="4800600" y="3906651"/>
+            <a:ext cx="3324225" cy="2653088"/>
           </a:xfrm>
           <a:prstGeom prst="rect">
             <a:avLst/>
@@ -7710,7 +8572,7 @@
     </p:spTree>
     <p:extLst>
       <p:ext uri="{BB962C8B-B14F-4D97-AF65-F5344CB8AC3E}">
-        <p14:creationId xmlns:p14="http://schemas.microsoft.com/office/powerpoint/2010/main" val="3118493071"/>
+        <p14:creationId xmlns:p14="http://schemas.microsoft.com/office/powerpoint/2010/main" val="3995511065"/>
       </p:ext>
     </p:extLst>
   </p:cSld>
@@ -7765,6 +8627,320 @@
                 <a:latin typeface="Arial" pitchFamily="34" charset="0"/>
                 <a:cs typeface="Arial" pitchFamily="34" charset="0"/>
               </a:rPr>
+              <a:t>Prepare Real Android Device</a:t>
+            </a:r>
+          </a:p>
+        </p:txBody>
+      </p:sp>
+      <p:sp>
+        <p:nvSpPr>
+          <p:cNvPr id="3" name="Content Placeholder 2"/>
+          <p:cNvSpPr>
+            <a:spLocks noGrp="1"/>
+          </p:cNvSpPr>
+          <p:nvPr>
+            <p:ph idx="1"/>
+          </p:nvPr>
+        </p:nvSpPr>
+        <p:spPr>
+          <a:xfrm>
+            <a:off x="457200" y="1371600"/>
+            <a:ext cx="8229600" cy="5105400"/>
+          </a:xfrm>
+        </p:spPr>
+        <p:txBody>
+          <a:bodyPr>
+            <a:normAutofit/>
+          </a:bodyPr>
+          <a:lstStyle/>
+          <a:p>
+            <a:pPr>
+              <a:lnSpc>
+                <a:spcPct val="150000"/>
+              </a:lnSpc>
+            </a:pPr>
+            <a:r>
+              <a:rPr lang="en-US" sz="1600" dirty="0">
+                <a:latin typeface="Arial" pitchFamily="34" charset="0"/>
+                <a:cs typeface="Arial" pitchFamily="34" charset="0"/>
+              </a:rPr>
+              <a:t>Tap Apps</a:t>
+            </a:r>
+          </a:p>
+          <a:p>
+            <a:pPr>
+              <a:lnSpc>
+                <a:spcPct val="150000"/>
+              </a:lnSpc>
+            </a:pPr>
+            <a:r>
+              <a:rPr lang="en-US" sz="1600" dirty="0">
+                <a:latin typeface="Arial" pitchFamily="34" charset="0"/>
+                <a:cs typeface="Arial" pitchFamily="34" charset="0"/>
+              </a:rPr>
+              <a:t>Tap Settings</a:t>
+            </a:r>
+          </a:p>
+          <a:p>
+            <a:pPr>
+              <a:lnSpc>
+                <a:spcPct val="150000"/>
+              </a:lnSpc>
+            </a:pPr>
+            <a:r>
+              <a:rPr lang="en-US" sz="1600" dirty="0">
+                <a:latin typeface="Arial" pitchFamily="34" charset="0"/>
+                <a:cs typeface="Arial" pitchFamily="34" charset="0"/>
+              </a:rPr>
+              <a:t>Tap About device</a:t>
+            </a:r>
+          </a:p>
+          <a:p>
+            <a:pPr>
+              <a:lnSpc>
+                <a:spcPct val="150000"/>
+              </a:lnSpc>
+            </a:pPr>
+            <a:r>
+              <a:rPr lang="en-US" sz="1600" dirty="0">
+                <a:latin typeface="Arial" pitchFamily="34" charset="0"/>
+                <a:cs typeface="Arial" pitchFamily="34" charset="0"/>
+              </a:rPr>
+              <a:t>Scroll down the screen. If you see </a:t>
+            </a:r>
+            <a:r>
+              <a:rPr lang="en-US" sz="1600" b="1" dirty="0">
+                <a:latin typeface="Arial" pitchFamily="34" charset="0"/>
+                <a:cs typeface="Arial" pitchFamily="34" charset="0"/>
+              </a:rPr>
+              <a:t>Build number</a:t>
+            </a:r>
+            <a:r>
+              <a:rPr lang="en-US" sz="1600" dirty="0">
+                <a:latin typeface="Arial" pitchFamily="34" charset="0"/>
+                <a:cs typeface="Arial" pitchFamily="34" charset="0"/>
+              </a:rPr>
+              <a:t>, touch it seven times. ...</a:t>
+            </a:r>
+          </a:p>
+          <a:p>
+            <a:pPr>
+              <a:lnSpc>
+                <a:spcPct val="150000"/>
+              </a:lnSpc>
+            </a:pPr>
+            <a:r>
+              <a:rPr lang="en-US" sz="1600" dirty="0">
+                <a:latin typeface="Arial" pitchFamily="34" charset="0"/>
+                <a:cs typeface="Arial" pitchFamily="34" charset="0"/>
+              </a:rPr>
+              <a:t>Go back to Settings, the </a:t>
+            </a:r>
+            <a:r>
+              <a:rPr lang="en-US" sz="1600" b="1" dirty="0">
+                <a:latin typeface="Arial" pitchFamily="34" charset="0"/>
+                <a:cs typeface="Arial" pitchFamily="34" charset="0"/>
+              </a:rPr>
+              <a:t>Developer options</a:t>
+            </a:r>
+            <a:r>
+              <a:rPr lang="en-US" sz="1600" dirty="0">
+                <a:latin typeface="Arial" pitchFamily="34" charset="0"/>
+                <a:cs typeface="Arial" pitchFamily="34" charset="0"/>
+              </a:rPr>
+              <a:t> menu will now appear under </a:t>
+            </a:r>
+            <a:r>
+              <a:rPr lang="en-US" sz="1600" b="1" dirty="0">
+                <a:latin typeface="Arial" pitchFamily="34" charset="0"/>
+                <a:cs typeface="Arial" pitchFamily="34" charset="0"/>
+              </a:rPr>
+              <a:t>Settings &gt; General &gt; Developer options</a:t>
+            </a:r>
+            <a:endParaRPr lang="en-US" sz="1200" b="1" dirty="0">
+              <a:latin typeface="Arial" pitchFamily="34" charset="0"/>
+              <a:cs typeface="Arial" pitchFamily="34" charset="0"/>
+            </a:endParaRPr>
+          </a:p>
+          <a:p>
+            <a:pPr lvl="1">
+              <a:lnSpc>
+                <a:spcPct val="150000"/>
+              </a:lnSpc>
+            </a:pPr>
+            <a:endParaRPr lang="en-US" sz="1200" dirty="0">
+              <a:latin typeface="Arial" pitchFamily="34" charset="0"/>
+              <a:cs typeface="Arial" pitchFamily="34" charset="0"/>
+            </a:endParaRPr>
+          </a:p>
+        </p:txBody>
+      </p:sp>
+      <p:pic>
+        <p:nvPicPr>
+          <p:cNvPr id="9" name="Picture 8">
+            <a:extLst>
+              <a:ext uri="{FF2B5EF4-FFF2-40B4-BE49-F238E27FC236}">
+                <a16:creationId xmlns:a16="http://schemas.microsoft.com/office/drawing/2014/main" xmlns="" id="{3B9EF6ED-576E-4AFC-A4BC-5F97FF913620}"/>
+              </a:ext>
+            </a:extLst>
+          </p:cNvPr>
+          <p:cNvPicPr>
+            <a:picLocks noChangeAspect="1"/>
+          </p:cNvPicPr>
+          <p:nvPr/>
+        </p:nvPicPr>
+        <p:blipFill>
+          <a:blip r:embed="rId2" cstate="print">
+            <a:extLst>
+              <a:ext uri="{28A0092B-C50C-407E-A947-70E740481C1C}">
+                <a14:useLocalDpi xmlns:a14="http://schemas.microsoft.com/office/drawing/2010/main" val="0"/>
+              </a:ext>
+            </a:extLst>
+          </a:blip>
+          <a:stretch>
+            <a:fillRect/>
+          </a:stretch>
+        </p:blipFill>
+        <p:spPr>
+          <a:xfrm>
+            <a:off x="1752600" y="3886200"/>
+            <a:ext cx="1600200" cy="2844799"/>
+          </a:xfrm>
+          <a:prstGeom prst="rect">
+            <a:avLst/>
+          </a:prstGeom>
+        </p:spPr>
+      </p:pic>
+      <p:pic>
+        <p:nvPicPr>
+          <p:cNvPr id="11" name="Picture 10">
+            <a:extLst>
+              <a:ext uri="{FF2B5EF4-FFF2-40B4-BE49-F238E27FC236}">
+                <a16:creationId xmlns:a16="http://schemas.microsoft.com/office/drawing/2014/main" xmlns="" id="{81B70D64-F84E-4979-A4D7-840B1DD8D727}"/>
+              </a:ext>
+            </a:extLst>
+          </p:cNvPr>
+          <p:cNvPicPr>
+            <a:picLocks noChangeAspect="1"/>
+          </p:cNvPicPr>
+          <p:nvPr/>
+        </p:nvPicPr>
+        <p:blipFill>
+          <a:blip r:embed="rId3">
+            <a:extLst>
+              <a:ext uri="{28A0092B-C50C-407E-A947-70E740481C1C}">
+                <a14:useLocalDpi xmlns:a14="http://schemas.microsoft.com/office/drawing/2010/main" val="0"/>
+              </a:ext>
+            </a:extLst>
+          </a:blip>
+          <a:stretch>
+            <a:fillRect/>
+          </a:stretch>
+        </p:blipFill>
+        <p:spPr>
+          <a:xfrm>
+            <a:off x="5618063" y="3886200"/>
+            <a:ext cx="1620937" cy="2844799"/>
+          </a:xfrm>
+          <a:prstGeom prst="rect">
+            <a:avLst/>
+          </a:prstGeom>
+        </p:spPr>
+      </p:pic>
+      <p:pic>
+        <p:nvPicPr>
+          <p:cNvPr id="13" name="Picture 12">
+            <a:extLst>
+              <a:ext uri="{FF2B5EF4-FFF2-40B4-BE49-F238E27FC236}">
+                <a16:creationId xmlns:a16="http://schemas.microsoft.com/office/drawing/2014/main" xmlns="" id="{D4743ABD-B089-4A60-B53E-F3F8E78E63E6}"/>
+              </a:ext>
+            </a:extLst>
+          </p:cNvPr>
+          <p:cNvPicPr>
+            <a:picLocks noChangeAspect="1"/>
+          </p:cNvPicPr>
+          <p:nvPr/>
+        </p:nvPicPr>
+        <p:blipFill>
+          <a:blip r:embed="rId4" cstate="print">
+            <a:extLst>
+              <a:ext uri="{28A0092B-C50C-407E-A947-70E740481C1C}">
+                <a14:useLocalDpi xmlns:a14="http://schemas.microsoft.com/office/drawing/2010/main" val="0"/>
+              </a:ext>
+            </a:extLst>
+          </a:blip>
+          <a:stretch>
+            <a:fillRect/>
+          </a:stretch>
+        </p:blipFill>
+        <p:spPr>
+          <a:xfrm>
+            <a:off x="3678866" y="3886200"/>
+            <a:ext cx="1600200" cy="2844799"/>
+          </a:xfrm>
+          <a:prstGeom prst="rect">
+            <a:avLst/>
+          </a:prstGeom>
+        </p:spPr>
+      </p:pic>
+    </p:spTree>
+    <p:extLst>
+      <p:ext uri="{BB962C8B-B14F-4D97-AF65-F5344CB8AC3E}">
+        <p14:creationId xmlns:p14="http://schemas.microsoft.com/office/powerpoint/2010/main" val="3118493071"/>
+      </p:ext>
+    </p:extLst>
+  </p:cSld>
+  <p:clrMapOvr>
+    <a:masterClrMapping/>
+  </p:clrMapOvr>
+</p:sld>
+</file>
+
+<file path=ppt/slides/slide8.xml><?xml version="1.0" encoding="utf-8"?>
+<p:sld xmlns:a="http://schemas.openxmlformats.org/drawingml/2006/main" xmlns:r="http://schemas.openxmlformats.org/officeDocument/2006/relationships" xmlns:p="http://schemas.openxmlformats.org/presentationml/2006/main">
+  <p:cSld>
+    <p:spTree>
+      <p:nvGrpSpPr>
+        <p:cNvPr id="1" name=""/>
+        <p:cNvGrpSpPr/>
+        <p:nvPr/>
+      </p:nvGrpSpPr>
+      <p:grpSpPr>
+        <a:xfrm>
+          <a:off x="0" y="0"/>
+          <a:ext cx="0" cy="0"/>
+          <a:chOff x="0" y="0"/>
+          <a:chExt cx="0" cy="0"/>
+        </a:xfrm>
+      </p:grpSpPr>
+      <p:sp>
+        <p:nvSpPr>
+          <p:cNvPr id="2" name="Title 1"/>
+          <p:cNvSpPr>
+            <a:spLocks noGrp="1"/>
+          </p:cNvSpPr>
+          <p:nvPr>
+            <p:ph type="title"/>
+          </p:nvPr>
+        </p:nvSpPr>
+        <p:spPr>
+          <a:xfrm>
+            <a:off x="457200" y="274638"/>
+            <a:ext cx="8686800" cy="1143000"/>
+          </a:xfrm>
+        </p:spPr>
+        <p:txBody>
+          <a:bodyPr>
+            <a:normAutofit/>
+          </a:bodyPr>
+          <a:lstStyle/>
+          <a:p>
+            <a:pPr algn="l"/>
+            <a:r>
+              <a:rPr lang="en-US" sz="3000" b="1" dirty="0">
+                <a:latin typeface="Arial" pitchFamily="34" charset="0"/>
+                <a:cs typeface="Arial" pitchFamily="34" charset="0"/>
+              </a:rPr>
               <a:t>Install Application on Real Device</a:t>
             </a:r>
           </a:p>
@@ -7965,7 +9141,7 @@
           <p:cNvPr id="5" name="Picture 4">
             <a:extLst>
               <a:ext uri="{FF2B5EF4-FFF2-40B4-BE49-F238E27FC236}">
-                <a16:creationId xmlns:a16="http://schemas.microsoft.com/office/drawing/2014/main" id="{49B847EF-02F6-4BB3-8A59-F217238D60ED}"/>
+                <a16:creationId xmlns:a16="http://schemas.microsoft.com/office/drawing/2014/main" xmlns="" id="{49B847EF-02F6-4BB3-8A59-F217238D60ED}"/>
               </a:ext>
             </a:extLst>
           </p:cNvPr>
@@ -8001,7 +9177,7 @@
           <p:cNvPr id="7" name="Picture 6">
             <a:extLst>
               <a:ext uri="{FF2B5EF4-FFF2-40B4-BE49-F238E27FC236}">
-                <a16:creationId xmlns:a16="http://schemas.microsoft.com/office/drawing/2014/main" id="{F6E083EC-A735-46A9-9846-3354B5138D61}"/>
+                <a16:creationId xmlns:a16="http://schemas.microsoft.com/office/drawing/2014/main" xmlns="" id="{F6E083EC-A735-46A9-9846-3354B5138D61}"/>
               </a:ext>
             </a:extLst>
           </p:cNvPr>
@@ -8045,7 +9221,7 @@
 </p:sld>
 </file>
 
-<file path=ppt/slides/slide8.xml><?xml version="1.0" encoding="utf-8"?>
+<file path=ppt/slides/slide9.xml><?xml version="1.0" encoding="utf-8"?>
 <p:sld xmlns:a="http://schemas.openxmlformats.org/drawingml/2006/main" xmlns:r="http://schemas.openxmlformats.org/officeDocument/2006/relationships" xmlns:p="http://schemas.openxmlformats.org/presentationml/2006/main">
   <p:cSld>
     <p:bg>
@@ -8075,7 +9251,7 @@
           <p:cNvPr id="2" name="Title 1">
             <a:extLst>
               <a:ext uri="{FF2B5EF4-FFF2-40B4-BE49-F238E27FC236}">
-                <a16:creationId xmlns:a16="http://schemas.microsoft.com/office/drawing/2014/main" id="{0266D3F6-82D5-437B-AC00-2DDC88D276F7}"/>
+                <a16:creationId xmlns:a16="http://schemas.microsoft.com/office/drawing/2014/main" xmlns="" id="{0266D3F6-82D5-437B-AC00-2DDC88D276F7}"/>
               </a:ext>
             </a:extLst>
           </p:cNvPr>
@@ -8111,313 +9287,6 @@
     <p:extLst>
       <p:ext uri="{BB962C8B-B14F-4D97-AF65-F5344CB8AC3E}">
         <p14:creationId xmlns:p14="http://schemas.microsoft.com/office/powerpoint/2010/main" val="2599999172"/>
-      </p:ext>
-    </p:extLst>
-  </p:cSld>
-  <p:clrMapOvr>
-    <a:masterClrMapping/>
-  </p:clrMapOvr>
-</p:sld>
-</file>
-
-<file path=ppt/slides/slide9.xml><?xml version="1.0" encoding="utf-8"?>
-<p:sld xmlns:a="http://schemas.openxmlformats.org/drawingml/2006/main" xmlns:r="http://schemas.openxmlformats.org/officeDocument/2006/relationships" xmlns:p="http://schemas.openxmlformats.org/presentationml/2006/main">
-  <p:cSld>
-    <p:spTree>
-      <p:nvGrpSpPr>
-        <p:cNvPr id="1" name=""/>
-        <p:cNvGrpSpPr/>
-        <p:nvPr/>
-      </p:nvGrpSpPr>
-      <p:grpSpPr>
-        <a:xfrm>
-          <a:off x="0" y="0"/>
-          <a:ext cx="0" cy="0"/>
-          <a:chOff x="0" y="0"/>
-          <a:chExt cx="0" cy="0"/>
-        </a:xfrm>
-      </p:grpSpPr>
-      <p:sp>
-        <p:nvSpPr>
-          <p:cNvPr id="2" name="Title 1"/>
-          <p:cNvSpPr>
-            <a:spLocks noGrp="1"/>
-          </p:cNvSpPr>
-          <p:nvPr>
-            <p:ph type="title"/>
-          </p:nvPr>
-        </p:nvSpPr>
-        <p:spPr>
-          <a:xfrm>
-            <a:off x="457200" y="274638"/>
-            <a:ext cx="8686800" cy="1143000"/>
-          </a:xfrm>
-        </p:spPr>
-        <p:txBody>
-          <a:bodyPr>
-            <a:normAutofit/>
-          </a:bodyPr>
-          <a:lstStyle/>
-          <a:p>
-            <a:pPr algn="l"/>
-            <a:r>
-              <a:rPr lang="en-US" sz="3000" b="1" dirty="0">
-                <a:latin typeface="Arial" pitchFamily="34" charset="0"/>
-                <a:cs typeface="Arial" pitchFamily="34" charset="0"/>
-              </a:rPr>
-              <a:t>What is Appium?</a:t>
-            </a:r>
-          </a:p>
-        </p:txBody>
-      </p:sp>
-      <p:sp>
-        <p:nvSpPr>
-          <p:cNvPr id="3" name="Content Placeholder 2"/>
-          <p:cNvSpPr>
-            <a:spLocks noGrp="1"/>
-          </p:cNvSpPr>
-          <p:nvPr>
-            <p:ph idx="1"/>
-          </p:nvPr>
-        </p:nvSpPr>
-        <p:spPr>
-          <a:xfrm>
-            <a:off x="457200" y="1371600"/>
-            <a:ext cx="8382000" cy="5105400"/>
-          </a:xfrm>
-        </p:spPr>
-        <p:txBody>
-          <a:bodyPr>
-            <a:normAutofit/>
-          </a:bodyPr>
-          <a:lstStyle/>
-          <a:p>
-            <a:pPr>
-              <a:lnSpc>
-                <a:spcPct val="150000"/>
-              </a:lnSpc>
-            </a:pPr>
-            <a:r>
-              <a:rPr lang="en-US" sz="2000" dirty="0">
-                <a:latin typeface="Arial" pitchFamily="34" charset="0"/>
-                <a:cs typeface="Arial" pitchFamily="34" charset="0"/>
-              </a:rPr>
-              <a:t>Appium is an open-source tool for automating </a:t>
-            </a:r>
-            <a:r>
-              <a:rPr lang="en-US" sz="2000" b="1" dirty="0">
-                <a:solidFill>
-                  <a:schemeClr val="tx2"/>
-                </a:solidFill>
-                <a:latin typeface="Arial" pitchFamily="34" charset="0"/>
-                <a:cs typeface="Arial" pitchFamily="34" charset="0"/>
-              </a:rPr>
-              <a:t>native</a:t>
-            </a:r>
-            <a:r>
-              <a:rPr lang="en-US" sz="2000" dirty="0">
-                <a:latin typeface="Arial" pitchFamily="34" charset="0"/>
-                <a:cs typeface="Arial" pitchFamily="34" charset="0"/>
-              </a:rPr>
-              <a:t>, </a:t>
-            </a:r>
-            <a:r>
-              <a:rPr lang="en-US" sz="2000" b="1" dirty="0">
-                <a:solidFill>
-                  <a:schemeClr val="tx2"/>
-                </a:solidFill>
-                <a:latin typeface="Arial" pitchFamily="34" charset="0"/>
-                <a:cs typeface="Arial" pitchFamily="34" charset="0"/>
-              </a:rPr>
-              <a:t>mobile web</a:t>
-            </a:r>
-            <a:r>
-              <a:rPr lang="en-US" sz="2000" dirty="0">
-                <a:latin typeface="Arial" pitchFamily="34" charset="0"/>
-                <a:cs typeface="Arial" pitchFamily="34" charset="0"/>
-              </a:rPr>
-              <a:t>, and </a:t>
-            </a:r>
-            <a:r>
-              <a:rPr lang="en-US" sz="2000" b="1" dirty="0">
-                <a:solidFill>
-                  <a:schemeClr val="tx2"/>
-                </a:solidFill>
-                <a:latin typeface="Arial" pitchFamily="34" charset="0"/>
-                <a:cs typeface="Arial" pitchFamily="34" charset="0"/>
-              </a:rPr>
-              <a:t>hybrid applications</a:t>
-            </a:r>
-            <a:r>
-              <a:rPr lang="en-US" sz="1600" dirty="0">
-                <a:latin typeface="Arial" pitchFamily="34" charset="0"/>
-                <a:cs typeface="Arial" pitchFamily="34" charset="0"/>
-              </a:rPr>
-              <a:t>.</a:t>
-            </a:r>
-          </a:p>
-          <a:p>
-            <a:pPr>
-              <a:lnSpc>
-                <a:spcPct val="150000"/>
-              </a:lnSpc>
-            </a:pPr>
-            <a:r>
-              <a:rPr lang="en-US" sz="2000" dirty="0">
-                <a:latin typeface="Arial" pitchFamily="34" charset="0"/>
-                <a:cs typeface="Arial" pitchFamily="34" charset="0"/>
-              </a:rPr>
-              <a:t>It allows you to run the automated tests on </a:t>
-            </a:r>
-            <a:r>
-              <a:rPr lang="en-US" sz="2000" b="1" dirty="0">
-                <a:solidFill>
-                  <a:schemeClr val="tx2"/>
-                </a:solidFill>
-                <a:latin typeface="Arial" pitchFamily="34" charset="0"/>
-                <a:cs typeface="Arial" pitchFamily="34" charset="0"/>
-              </a:rPr>
-              <a:t>real devices</a:t>
-            </a:r>
-            <a:r>
-              <a:rPr lang="en-US" sz="2000" dirty="0">
-                <a:latin typeface="Arial" pitchFamily="34" charset="0"/>
-                <a:cs typeface="Arial" pitchFamily="34" charset="0"/>
-              </a:rPr>
-              <a:t>, or </a:t>
-            </a:r>
-            <a:r>
-              <a:rPr lang="en-US" sz="2000" b="1" dirty="0">
-                <a:solidFill>
-                  <a:schemeClr val="tx2"/>
-                </a:solidFill>
-                <a:latin typeface="Arial" pitchFamily="34" charset="0"/>
-                <a:cs typeface="Arial" pitchFamily="34" charset="0"/>
-              </a:rPr>
-              <a:t>simulators</a:t>
-            </a:r>
-            <a:r>
-              <a:rPr lang="en-US" sz="2000" dirty="0">
-                <a:latin typeface="Arial" pitchFamily="34" charset="0"/>
-                <a:cs typeface="Arial" pitchFamily="34" charset="0"/>
-              </a:rPr>
-              <a:t>.</a:t>
-            </a:r>
-          </a:p>
-          <a:p>
-            <a:pPr>
-              <a:lnSpc>
-                <a:spcPct val="150000"/>
-              </a:lnSpc>
-            </a:pPr>
-            <a:r>
-              <a:rPr lang="en-US" sz="2000" dirty="0">
-                <a:latin typeface="Arial" pitchFamily="34" charset="0"/>
-                <a:cs typeface="Arial" pitchFamily="34" charset="0"/>
-              </a:rPr>
-              <a:t>Support both </a:t>
-            </a:r>
-            <a:r>
-              <a:rPr lang="en-US" sz="2000" b="1" dirty="0">
-                <a:solidFill>
-                  <a:schemeClr val="tx2"/>
-                </a:solidFill>
-                <a:latin typeface="Arial" pitchFamily="34" charset="0"/>
-                <a:cs typeface="Arial" pitchFamily="34" charset="0"/>
-              </a:rPr>
-              <a:t>iOS</a:t>
-            </a:r>
-            <a:r>
-              <a:rPr lang="en-US" sz="2000" dirty="0">
-                <a:latin typeface="Arial" pitchFamily="34" charset="0"/>
-                <a:cs typeface="Arial" pitchFamily="34" charset="0"/>
-              </a:rPr>
-              <a:t> and </a:t>
-            </a:r>
-            <a:r>
-              <a:rPr lang="en-US" sz="2000" b="1" dirty="0">
-                <a:solidFill>
-                  <a:schemeClr val="tx2"/>
-                </a:solidFill>
-                <a:latin typeface="Arial" pitchFamily="34" charset="0"/>
-                <a:cs typeface="Arial" pitchFamily="34" charset="0"/>
-              </a:rPr>
-              <a:t>Android</a:t>
-            </a:r>
-          </a:p>
-          <a:p>
-            <a:pPr>
-              <a:lnSpc>
-                <a:spcPct val="150000"/>
-              </a:lnSpc>
-            </a:pPr>
-            <a:r>
-              <a:rPr lang="en-US" sz="2000" dirty="0">
-                <a:latin typeface="Arial" pitchFamily="34" charset="0"/>
-                <a:cs typeface="Arial" pitchFamily="34" charset="0"/>
-              </a:rPr>
-              <a:t>And also you can use </a:t>
-            </a:r>
-            <a:r>
-              <a:rPr lang="en-US" sz="2000" b="1" dirty="0">
-                <a:solidFill>
-                  <a:schemeClr val="tx2"/>
-                </a:solidFill>
-                <a:latin typeface="Arial" pitchFamily="34" charset="0"/>
-                <a:cs typeface="Arial" pitchFamily="34" charset="0"/>
-              </a:rPr>
-              <a:t>Robot Framework</a:t>
-            </a:r>
-            <a:r>
-              <a:rPr lang="en-US" sz="2000" dirty="0">
-                <a:latin typeface="Arial" pitchFamily="34" charset="0"/>
-                <a:cs typeface="Arial" pitchFamily="34" charset="0"/>
-              </a:rPr>
-              <a:t> to create automation script</a:t>
-            </a:r>
-          </a:p>
-        </p:txBody>
-      </p:sp>
-      <p:pic>
-        <p:nvPicPr>
-          <p:cNvPr id="5" name="Picture 4">
-            <a:extLst>
-              <a:ext uri="{FF2B5EF4-FFF2-40B4-BE49-F238E27FC236}">
-                <a16:creationId xmlns:a16="http://schemas.microsoft.com/office/drawing/2014/main" id="{A38B38B8-2F36-4293-88D9-3F5FC9648DC2}"/>
-              </a:ext>
-            </a:extLst>
-          </p:cNvPr>
-          <p:cNvPicPr>
-            <a:picLocks noChangeAspect="1"/>
-          </p:cNvPicPr>
-          <p:nvPr/>
-        </p:nvPicPr>
-        <p:blipFill>
-          <a:blip r:embed="rId2">
-            <a:extLst>
-              <a:ext uri="{28A0092B-C50C-407E-A947-70E740481C1C}">
-                <a14:useLocalDpi xmlns:a14="http://schemas.microsoft.com/office/drawing/2010/main" val="0"/>
-              </a:ext>
-            </a:extLst>
-          </a:blip>
-          <a:stretch>
-            <a:fillRect/>
-          </a:stretch>
-        </p:blipFill>
-        <p:spPr>
-          <a:xfrm>
-            <a:off x="4267200" y="4905475"/>
-            <a:ext cx="1019274" cy="1019274"/>
-          </a:xfrm>
-          <a:prstGeom prst="rect">
-            <a:avLst/>
-          </a:prstGeom>
-        </p:spPr>
-      </p:pic>
-    </p:spTree>
-    <p:extLst>
-      <p:ext uri="{BB962C8B-B14F-4D97-AF65-F5344CB8AC3E}">
-        <p14:creationId xmlns:p14="http://schemas.microsoft.com/office/powerpoint/2010/main" val="2221107649"/>
       </p:ext>
     </p:extLst>
   </p:cSld>
